--- a/figures/allfigures.pptx
+++ b/figures/allfigures.pptx
@@ -7,6 +7,7 @@
   <p:sldIdLst>
     <p:sldId id="256" r:id="rId2"/>
     <p:sldId id="257" r:id="rId3"/>
+    <p:sldId id="258" r:id="rId4"/>
   </p:sldIdLst>
   <p:sldSz cx="9144000" cy="6858000" type="screen4x3"/>
   <p:notesSz cx="6858000" cy="9144000"/>
@@ -290,7 +291,7 @@
             <a:fld id="{1D8BD707-D9CF-40AE-B4C6-C98DA3205C09}" type="datetimeFigureOut">
               <a:rPr lang="en-US" smtClean="0"/>
               <a:pPr/>
-              <a:t>6/21/2013</a:t>
+              <a:t>6/27/2013</a:t>
             </a:fld>
             <a:endParaRPr lang="en-US"/>
           </a:p>
@@ -457,7 +458,7 @@
             <a:fld id="{1D8BD707-D9CF-40AE-B4C6-C98DA3205C09}" type="datetimeFigureOut">
               <a:rPr lang="en-US" smtClean="0"/>
               <a:pPr/>
-              <a:t>6/21/2013</a:t>
+              <a:t>6/27/2013</a:t>
             </a:fld>
             <a:endParaRPr lang="en-US"/>
           </a:p>
@@ -634,7 +635,7 @@
             <a:fld id="{1D8BD707-D9CF-40AE-B4C6-C98DA3205C09}" type="datetimeFigureOut">
               <a:rPr lang="en-US" smtClean="0"/>
               <a:pPr/>
-              <a:t>6/21/2013</a:t>
+              <a:t>6/27/2013</a:t>
             </a:fld>
             <a:endParaRPr lang="en-US"/>
           </a:p>
@@ -801,7 +802,7 @@
             <a:fld id="{1D8BD707-D9CF-40AE-B4C6-C98DA3205C09}" type="datetimeFigureOut">
               <a:rPr lang="en-US" smtClean="0"/>
               <a:pPr/>
-              <a:t>6/21/2013</a:t>
+              <a:t>6/27/2013</a:t>
             </a:fld>
             <a:endParaRPr lang="en-US"/>
           </a:p>
@@ -1044,7 +1045,7 @@
             <a:fld id="{1D8BD707-D9CF-40AE-B4C6-C98DA3205C09}" type="datetimeFigureOut">
               <a:rPr lang="en-US" smtClean="0"/>
               <a:pPr/>
-              <a:t>6/21/2013</a:t>
+              <a:t>6/27/2013</a:t>
             </a:fld>
             <a:endParaRPr lang="en-US"/>
           </a:p>
@@ -1329,7 +1330,7 @@
             <a:fld id="{1D8BD707-D9CF-40AE-B4C6-C98DA3205C09}" type="datetimeFigureOut">
               <a:rPr lang="en-US" smtClean="0"/>
               <a:pPr/>
-              <a:t>6/21/2013</a:t>
+              <a:t>6/27/2013</a:t>
             </a:fld>
             <a:endParaRPr lang="en-US"/>
           </a:p>
@@ -1748,7 +1749,7 @@
             <a:fld id="{1D8BD707-D9CF-40AE-B4C6-C98DA3205C09}" type="datetimeFigureOut">
               <a:rPr lang="en-US" smtClean="0"/>
               <a:pPr/>
-              <a:t>6/21/2013</a:t>
+              <a:t>6/27/2013</a:t>
             </a:fld>
             <a:endParaRPr lang="en-US"/>
           </a:p>
@@ -1863,7 +1864,7 @@
             <a:fld id="{1D8BD707-D9CF-40AE-B4C6-C98DA3205C09}" type="datetimeFigureOut">
               <a:rPr lang="en-US" smtClean="0"/>
               <a:pPr/>
-              <a:t>6/21/2013</a:t>
+              <a:t>6/27/2013</a:t>
             </a:fld>
             <a:endParaRPr lang="en-US"/>
           </a:p>
@@ -1955,7 +1956,7 @@
             <a:fld id="{1D8BD707-D9CF-40AE-B4C6-C98DA3205C09}" type="datetimeFigureOut">
               <a:rPr lang="en-US" smtClean="0"/>
               <a:pPr/>
-              <a:t>6/21/2013</a:t>
+              <a:t>6/27/2013</a:t>
             </a:fld>
             <a:endParaRPr lang="en-US"/>
           </a:p>
@@ -2229,7 +2230,7 @@
             <a:fld id="{1D8BD707-D9CF-40AE-B4C6-C98DA3205C09}" type="datetimeFigureOut">
               <a:rPr lang="en-US" smtClean="0"/>
               <a:pPr/>
-              <a:t>6/21/2013</a:t>
+              <a:t>6/27/2013</a:t>
             </a:fld>
             <a:endParaRPr lang="en-US"/>
           </a:p>
@@ -2479,7 +2480,7 @@
             <a:fld id="{1D8BD707-D9CF-40AE-B4C6-C98DA3205C09}" type="datetimeFigureOut">
               <a:rPr lang="en-US" smtClean="0"/>
               <a:pPr/>
-              <a:t>6/21/2013</a:t>
+              <a:t>6/27/2013</a:t>
             </a:fld>
             <a:endParaRPr lang="en-US"/>
           </a:p>
@@ -2689,7 +2690,7 @@
             <a:fld id="{1D8BD707-D9CF-40AE-B4C6-C98DA3205C09}" type="datetimeFigureOut">
               <a:rPr lang="en-US" smtClean="0"/>
               <a:pPr/>
-              <a:t>6/21/2013</a:t>
+              <a:t>6/27/2013</a:t>
             </a:fld>
             <a:endParaRPr lang="en-US"/>
           </a:p>
@@ -5422,6 +5423,899 @@
     <p:extLst>
       <p:ext uri="{BB962C8B-B14F-4D97-AF65-F5344CB8AC3E}">
         <p14:creationId xmlns:p14="http://schemas.microsoft.com/office/powerpoint/2010/main" val="2028809553"/>
+      </p:ext>
+    </p:extLst>
+  </p:cSld>
+  <p:clrMapOvr>
+    <a:masterClrMapping/>
+  </p:clrMapOvr>
+</p:sld>
+</file>
+
+<file path=ppt/slides/slide3.xml><?xml version="1.0" encoding="utf-8"?>
+<p:sld xmlns:a="http://schemas.openxmlformats.org/drawingml/2006/main" xmlns:r="http://schemas.openxmlformats.org/officeDocument/2006/relationships" xmlns:p="http://schemas.openxmlformats.org/presentationml/2006/main">
+  <p:cSld>
+    <p:spTree>
+      <p:nvGrpSpPr>
+        <p:cNvPr id="1" name=""/>
+        <p:cNvGrpSpPr/>
+        <p:nvPr/>
+      </p:nvGrpSpPr>
+      <p:grpSpPr>
+        <a:xfrm>
+          <a:off x="0" y="0"/>
+          <a:ext cx="0" cy="0"/>
+          <a:chOff x="0" y="0"/>
+          <a:chExt cx="0" cy="0"/>
+        </a:xfrm>
+      </p:grpSpPr>
+      <p:sp>
+        <p:nvSpPr>
+          <p:cNvPr id="12" name="Oval 11"/>
+          <p:cNvSpPr/>
+          <p:nvPr/>
+        </p:nvSpPr>
+        <p:spPr>
+          <a:xfrm>
+            <a:off x="2609292" y="1826419"/>
+            <a:ext cx="152400" cy="152400"/>
+          </a:xfrm>
+          <a:prstGeom prst="ellipse">
+            <a:avLst/>
+          </a:prstGeom>
+          <a:solidFill>
+            <a:schemeClr val="tx1"/>
+          </a:solidFill>
+          <a:ln w="6350">
+            <a:solidFill>
+              <a:schemeClr val="tx1"/>
+            </a:solidFill>
+          </a:ln>
+        </p:spPr>
+        <p:style>
+          <a:lnRef idx="2">
+            <a:schemeClr val="accent1">
+              <a:shade val="50000"/>
+            </a:schemeClr>
+          </a:lnRef>
+          <a:fillRef idx="1">
+            <a:schemeClr val="accent1"/>
+          </a:fillRef>
+          <a:effectRef idx="0">
+            <a:schemeClr val="accent1"/>
+          </a:effectRef>
+          <a:fontRef idx="minor">
+            <a:schemeClr val="lt1"/>
+          </a:fontRef>
+        </p:style>
+        <p:txBody>
+          <a:bodyPr rtlCol="0" anchor="ctr"/>
+          <a:lstStyle/>
+          <a:p>
+            <a:pPr algn="ctr"/>
+            <a:endParaRPr lang="en-US" sz="2000">
+              <a:latin typeface="Times New Roman" pitchFamily="18" charset="0"/>
+              <a:cs typeface="Times New Roman" pitchFamily="18" charset="0"/>
+            </a:endParaRPr>
+          </a:p>
+        </p:txBody>
+      </p:sp>
+      <p:cxnSp>
+        <p:nvCxnSpPr>
+          <p:cNvPr id="18" name="Straight Arrow Connector 17"/>
+          <p:cNvCxnSpPr>
+            <a:stCxn id="12" idx="2"/>
+            <a:endCxn id="27" idx="6"/>
+          </p:cNvCxnSpPr>
+          <p:nvPr/>
+        </p:nvCxnSpPr>
+        <p:spPr>
+          <a:xfrm flipH="1">
+            <a:off x="1295400" y="1902619"/>
+            <a:ext cx="1313892" cy="0"/>
+          </a:xfrm>
+          <a:prstGeom prst="straightConnector1">
+            <a:avLst/>
+          </a:prstGeom>
+          <a:ln w="25400">
+            <a:solidFill>
+              <a:schemeClr val="tx1"/>
+            </a:solidFill>
+            <a:headEnd type="none"/>
+            <a:tailEnd type="arrow"/>
+          </a:ln>
+        </p:spPr>
+        <p:style>
+          <a:lnRef idx="1">
+            <a:schemeClr val="accent1"/>
+          </a:lnRef>
+          <a:fillRef idx="0">
+            <a:schemeClr val="accent1"/>
+          </a:fillRef>
+          <a:effectRef idx="0">
+            <a:schemeClr val="accent1"/>
+          </a:effectRef>
+          <a:fontRef idx="minor">
+            <a:schemeClr val="tx1"/>
+          </a:fontRef>
+        </p:style>
+      </p:cxnSp>
+      <p:sp>
+        <p:nvSpPr>
+          <p:cNvPr id="25" name="Oval 24"/>
+          <p:cNvSpPr/>
+          <p:nvPr/>
+        </p:nvSpPr>
+        <p:spPr>
+          <a:xfrm>
+            <a:off x="1876146" y="533400"/>
+            <a:ext cx="152400" cy="152400"/>
+          </a:xfrm>
+          <a:prstGeom prst="ellipse">
+            <a:avLst/>
+          </a:prstGeom>
+          <a:solidFill>
+            <a:schemeClr val="tx1"/>
+          </a:solidFill>
+          <a:ln w="6350">
+            <a:solidFill>
+              <a:schemeClr val="tx1"/>
+            </a:solidFill>
+          </a:ln>
+        </p:spPr>
+        <p:style>
+          <a:lnRef idx="2">
+            <a:schemeClr val="accent1">
+              <a:shade val="50000"/>
+            </a:schemeClr>
+          </a:lnRef>
+          <a:fillRef idx="1">
+            <a:schemeClr val="accent1"/>
+          </a:fillRef>
+          <a:effectRef idx="0">
+            <a:schemeClr val="accent1"/>
+          </a:effectRef>
+          <a:fontRef idx="minor">
+            <a:schemeClr val="lt1"/>
+          </a:fontRef>
+        </p:style>
+        <p:txBody>
+          <a:bodyPr rtlCol="0" anchor="ctr"/>
+          <a:lstStyle/>
+          <a:p>
+            <a:pPr algn="ctr"/>
+            <a:endParaRPr lang="en-US" sz="2000">
+              <a:latin typeface="Times New Roman" pitchFamily="18" charset="0"/>
+              <a:cs typeface="Times New Roman" pitchFamily="18" charset="0"/>
+            </a:endParaRPr>
+          </a:p>
+        </p:txBody>
+      </p:sp>
+      <p:cxnSp>
+        <p:nvCxnSpPr>
+          <p:cNvPr id="26" name="Straight Arrow Connector 25"/>
+          <p:cNvCxnSpPr>
+            <a:stCxn id="25" idx="5"/>
+            <a:endCxn id="12" idx="1"/>
+          </p:cNvCxnSpPr>
+          <p:nvPr/>
+        </p:nvCxnSpPr>
+        <p:spPr>
+          <a:xfrm>
+            <a:off x="2006228" y="663482"/>
+            <a:ext cx="625382" cy="1185255"/>
+          </a:xfrm>
+          <a:prstGeom prst="straightConnector1">
+            <a:avLst/>
+          </a:prstGeom>
+          <a:ln w="25400">
+            <a:solidFill>
+              <a:schemeClr val="tx1"/>
+            </a:solidFill>
+            <a:headEnd type="none"/>
+            <a:tailEnd type="arrow"/>
+          </a:ln>
+        </p:spPr>
+        <p:style>
+          <a:lnRef idx="1">
+            <a:schemeClr val="accent1"/>
+          </a:lnRef>
+          <a:fillRef idx="0">
+            <a:schemeClr val="accent1"/>
+          </a:fillRef>
+          <a:effectRef idx="0">
+            <a:schemeClr val="accent1"/>
+          </a:effectRef>
+          <a:fontRef idx="minor">
+            <a:schemeClr val="tx1"/>
+          </a:fontRef>
+        </p:style>
+      </p:cxnSp>
+      <p:sp>
+        <p:nvSpPr>
+          <p:cNvPr id="27" name="Oval 26"/>
+          <p:cNvSpPr/>
+          <p:nvPr/>
+        </p:nvSpPr>
+        <p:spPr>
+          <a:xfrm>
+            <a:off x="1143000" y="1826419"/>
+            <a:ext cx="152400" cy="152400"/>
+          </a:xfrm>
+          <a:prstGeom prst="ellipse">
+            <a:avLst/>
+          </a:prstGeom>
+          <a:solidFill>
+            <a:schemeClr val="tx1"/>
+          </a:solidFill>
+          <a:ln w="6350">
+            <a:solidFill>
+              <a:schemeClr val="tx1"/>
+            </a:solidFill>
+          </a:ln>
+        </p:spPr>
+        <p:style>
+          <a:lnRef idx="2">
+            <a:schemeClr val="accent1">
+              <a:shade val="50000"/>
+            </a:schemeClr>
+          </a:lnRef>
+          <a:fillRef idx="1">
+            <a:schemeClr val="accent1"/>
+          </a:fillRef>
+          <a:effectRef idx="0">
+            <a:schemeClr val="accent1"/>
+          </a:effectRef>
+          <a:fontRef idx="minor">
+            <a:schemeClr val="lt1"/>
+          </a:fontRef>
+        </p:style>
+        <p:txBody>
+          <a:bodyPr rtlCol="0" anchor="ctr"/>
+          <a:lstStyle/>
+          <a:p>
+            <a:pPr algn="ctr"/>
+            <a:endParaRPr lang="en-US" sz="2000">
+              <a:latin typeface="Times New Roman" pitchFamily="18" charset="0"/>
+              <a:cs typeface="Times New Roman" pitchFamily="18" charset="0"/>
+            </a:endParaRPr>
+          </a:p>
+        </p:txBody>
+      </p:sp>
+      <p:cxnSp>
+        <p:nvCxnSpPr>
+          <p:cNvPr id="34" name="Straight Arrow Connector 33"/>
+          <p:cNvCxnSpPr>
+            <a:stCxn id="27" idx="7"/>
+            <a:endCxn id="25" idx="3"/>
+          </p:cNvCxnSpPr>
+          <p:nvPr/>
+        </p:nvCxnSpPr>
+        <p:spPr>
+          <a:xfrm flipV="1">
+            <a:off x="1273082" y="663482"/>
+            <a:ext cx="625382" cy="1185255"/>
+          </a:xfrm>
+          <a:prstGeom prst="straightConnector1">
+            <a:avLst/>
+          </a:prstGeom>
+          <a:ln w="25400">
+            <a:solidFill>
+              <a:schemeClr val="tx1"/>
+            </a:solidFill>
+            <a:headEnd type="none"/>
+            <a:tailEnd type="arrow"/>
+          </a:ln>
+        </p:spPr>
+        <p:style>
+          <a:lnRef idx="1">
+            <a:schemeClr val="accent1"/>
+          </a:lnRef>
+          <a:fillRef idx="0">
+            <a:schemeClr val="accent1"/>
+          </a:fillRef>
+          <a:effectRef idx="0">
+            <a:schemeClr val="accent1"/>
+          </a:effectRef>
+          <a:fontRef idx="minor">
+            <a:schemeClr val="tx1"/>
+          </a:fontRef>
+        </p:style>
+      </p:cxnSp>
+      <p:sp>
+        <p:nvSpPr>
+          <p:cNvPr id="40" name="TextBox 39"/>
+          <p:cNvSpPr txBox="1"/>
+          <p:nvPr/>
+        </p:nvSpPr>
+        <p:spPr>
+          <a:xfrm>
+            <a:off x="1606520" y="369331"/>
+            <a:ext cx="298480" cy="400110"/>
+          </a:xfrm>
+          <a:prstGeom prst="rect">
+            <a:avLst/>
+          </a:prstGeom>
+          <a:noFill/>
+        </p:spPr>
+        <p:txBody>
+          <a:bodyPr wrap="none" rtlCol="0">
+            <a:spAutoFit/>
+          </a:bodyPr>
+          <a:lstStyle/>
+          <a:p>
+            <a:r>
+              <a:rPr lang="en-US" sz="2000" i="1" dirty="0" smtClean="0">
+                <a:latin typeface="Times New Roman" pitchFamily="18" charset="0"/>
+                <a:cs typeface="Times New Roman" pitchFamily="18" charset="0"/>
+              </a:rPr>
+              <a:t>v</a:t>
+            </a:r>
+            <a:endParaRPr lang="en-US" sz="2000" i="1" dirty="0">
+              <a:latin typeface="Times New Roman" pitchFamily="18" charset="0"/>
+              <a:cs typeface="Times New Roman" pitchFamily="18" charset="0"/>
+            </a:endParaRPr>
+          </a:p>
+        </p:txBody>
+      </p:sp>
+      <p:sp>
+        <p:nvSpPr>
+          <p:cNvPr id="41" name="TextBox 40"/>
+          <p:cNvSpPr txBox="1"/>
+          <p:nvPr/>
+        </p:nvSpPr>
+        <p:spPr>
+          <a:xfrm>
+            <a:off x="857250" y="1664731"/>
+            <a:ext cx="312906" cy="400110"/>
+          </a:xfrm>
+          <a:prstGeom prst="rect">
+            <a:avLst/>
+          </a:prstGeom>
+          <a:noFill/>
+        </p:spPr>
+        <p:txBody>
+          <a:bodyPr wrap="none" rtlCol="0">
+            <a:spAutoFit/>
+          </a:bodyPr>
+          <a:lstStyle/>
+          <a:p>
+            <a:r>
+              <a:rPr lang="en-US" sz="2000" i="1" dirty="0" smtClean="0">
+                <a:latin typeface="Times New Roman" pitchFamily="18" charset="0"/>
+                <a:cs typeface="Times New Roman" pitchFamily="18" charset="0"/>
+              </a:rPr>
+              <a:t>u</a:t>
+            </a:r>
+            <a:endParaRPr lang="en-US" sz="2000" i="1" dirty="0">
+              <a:latin typeface="Times New Roman" pitchFamily="18" charset="0"/>
+              <a:cs typeface="Times New Roman" pitchFamily="18" charset="0"/>
+            </a:endParaRPr>
+          </a:p>
+        </p:txBody>
+      </p:sp>
+      <p:sp>
+        <p:nvSpPr>
+          <p:cNvPr id="43" name="TextBox 42"/>
+          <p:cNvSpPr txBox="1"/>
+          <p:nvPr/>
+        </p:nvSpPr>
+        <p:spPr>
+          <a:xfrm>
+            <a:off x="2768012" y="1664731"/>
+            <a:ext cx="356188" cy="400110"/>
+          </a:xfrm>
+          <a:prstGeom prst="rect">
+            <a:avLst/>
+          </a:prstGeom>
+          <a:noFill/>
+        </p:spPr>
+        <p:txBody>
+          <a:bodyPr wrap="none" rtlCol="0">
+            <a:spAutoFit/>
+          </a:bodyPr>
+          <a:lstStyle/>
+          <a:p>
+            <a:r>
+              <a:rPr lang="en-US" sz="2000" i="1" dirty="0" smtClean="0">
+                <a:latin typeface="Times New Roman" pitchFamily="18" charset="0"/>
+                <a:cs typeface="Times New Roman" pitchFamily="18" charset="0"/>
+              </a:rPr>
+              <a:t>w</a:t>
+            </a:r>
+            <a:endParaRPr lang="en-US" sz="2000" i="1" dirty="0">
+              <a:latin typeface="Times New Roman" pitchFamily="18" charset="0"/>
+              <a:cs typeface="Times New Roman" pitchFamily="18" charset="0"/>
+            </a:endParaRPr>
+          </a:p>
+        </p:txBody>
+      </p:sp>
+      <p:sp>
+        <p:nvSpPr>
+          <p:cNvPr id="103" name="Oval 102"/>
+          <p:cNvSpPr/>
+          <p:nvPr/>
+        </p:nvSpPr>
+        <p:spPr>
+          <a:xfrm>
+            <a:off x="4126858" y="1826418"/>
+            <a:ext cx="152400" cy="152400"/>
+          </a:xfrm>
+          <a:prstGeom prst="ellipse">
+            <a:avLst/>
+          </a:prstGeom>
+          <a:solidFill>
+            <a:schemeClr val="tx1"/>
+          </a:solidFill>
+          <a:ln w="6350">
+            <a:solidFill>
+              <a:schemeClr val="tx1"/>
+            </a:solidFill>
+          </a:ln>
+        </p:spPr>
+        <p:style>
+          <a:lnRef idx="2">
+            <a:schemeClr val="accent1">
+              <a:shade val="50000"/>
+            </a:schemeClr>
+          </a:lnRef>
+          <a:fillRef idx="1">
+            <a:schemeClr val="accent1"/>
+          </a:fillRef>
+          <a:effectRef idx="0">
+            <a:schemeClr val="accent1"/>
+          </a:effectRef>
+          <a:fontRef idx="minor">
+            <a:schemeClr val="lt1"/>
+          </a:fontRef>
+        </p:style>
+        <p:txBody>
+          <a:bodyPr rtlCol="0" anchor="ctr"/>
+          <a:lstStyle/>
+          <a:p>
+            <a:pPr algn="ctr"/>
+            <a:endParaRPr lang="en-US" sz="2000">
+              <a:latin typeface="Times New Roman" pitchFamily="18" charset="0"/>
+              <a:cs typeface="Times New Roman" pitchFamily="18" charset="0"/>
+            </a:endParaRPr>
+          </a:p>
+        </p:txBody>
+      </p:sp>
+      <p:cxnSp>
+        <p:nvCxnSpPr>
+          <p:cNvPr id="112" name="Straight Arrow Connector 111"/>
+          <p:cNvCxnSpPr/>
+          <p:nvPr/>
+        </p:nvCxnSpPr>
+        <p:spPr>
+          <a:xfrm>
+            <a:off x="3276600" y="1202228"/>
+            <a:ext cx="304800" cy="0"/>
+          </a:xfrm>
+          <a:prstGeom prst="straightConnector1">
+            <a:avLst/>
+          </a:prstGeom>
+          <a:ln w="12700" cmpd="sng">
+            <a:solidFill>
+              <a:schemeClr val="tx1"/>
+            </a:solidFill>
+            <a:tailEnd type="triangle"/>
+          </a:ln>
+          <a:effectLst/>
+        </p:spPr>
+        <p:style>
+          <a:lnRef idx="1">
+            <a:schemeClr val="accent1"/>
+          </a:lnRef>
+          <a:fillRef idx="0">
+            <a:schemeClr val="accent1"/>
+          </a:fillRef>
+          <a:effectRef idx="0">
+            <a:schemeClr val="accent1"/>
+          </a:effectRef>
+          <a:fontRef idx="minor">
+            <a:schemeClr val="tx1"/>
+          </a:fontRef>
+        </p:style>
+      </p:cxnSp>
+      <p:sp>
+        <p:nvSpPr>
+          <p:cNvPr id="38" name="Oval 37"/>
+          <p:cNvSpPr/>
+          <p:nvPr/>
+        </p:nvSpPr>
+        <p:spPr>
+          <a:xfrm>
+            <a:off x="5562042" y="1818978"/>
+            <a:ext cx="152400" cy="152400"/>
+          </a:xfrm>
+          <a:prstGeom prst="ellipse">
+            <a:avLst/>
+          </a:prstGeom>
+          <a:solidFill>
+            <a:schemeClr val="tx1"/>
+          </a:solidFill>
+          <a:ln w="6350">
+            <a:solidFill>
+              <a:schemeClr val="tx1"/>
+            </a:solidFill>
+          </a:ln>
+        </p:spPr>
+        <p:style>
+          <a:lnRef idx="2">
+            <a:schemeClr val="accent1">
+              <a:shade val="50000"/>
+            </a:schemeClr>
+          </a:lnRef>
+          <a:fillRef idx="1">
+            <a:schemeClr val="accent1"/>
+          </a:fillRef>
+          <a:effectRef idx="0">
+            <a:schemeClr val="accent1"/>
+          </a:effectRef>
+          <a:fontRef idx="minor">
+            <a:schemeClr val="lt1"/>
+          </a:fontRef>
+        </p:style>
+        <p:txBody>
+          <a:bodyPr rtlCol="0" anchor="ctr"/>
+          <a:lstStyle/>
+          <a:p>
+            <a:pPr algn="ctr"/>
+            <a:endParaRPr lang="en-US" sz="2000">
+              <a:latin typeface="Times New Roman" pitchFamily="18" charset="0"/>
+              <a:cs typeface="Times New Roman" pitchFamily="18" charset="0"/>
+            </a:endParaRPr>
+          </a:p>
+        </p:txBody>
+      </p:sp>
+      <p:cxnSp>
+        <p:nvCxnSpPr>
+          <p:cNvPr id="44" name="Straight Arrow Connector 43"/>
+          <p:cNvCxnSpPr>
+            <a:stCxn id="38" idx="2"/>
+            <a:endCxn id="103" idx="6"/>
+          </p:cNvCxnSpPr>
+          <p:nvPr/>
+        </p:nvCxnSpPr>
+        <p:spPr>
+          <a:xfrm flipH="1">
+            <a:off x="4279258" y="1895178"/>
+            <a:ext cx="1282784" cy="7440"/>
+          </a:xfrm>
+          <a:prstGeom prst="straightConnector1">
+            <a:avLst/>
+          </a:prstGeom>
+          <a:ln w="25400">
+            <a:solidFill>
+              <a:schemeClr val="tx1"/>
+            </a:solidFill>
+            <a:headEnd type="arrow"/>
+            <a:tailEnd type="none"/>
+          </a:ln>
+        </p:spPr>
+        <p:style>
+          <a:lnRef idx="1">
+            <a:schemeClr val="accent1"/>
+          </a:lnRef>
+          <a:fillRef idx="0">
+            <a:schemeClr val="accent1"/>
+          </a:fillRef>
+          <a:effectRef idx="0">
+            <a:schemeClr val="accent1"/>
+          </a:effectRef>
+          <a:fontRef idx="minor">
+            <a:schemeClr val="tx1"/>
+          </a:fontRef>
+        </p:style>
+      </p:cxnSp>
+      <p:sp>
+        <p:nvSpPr>
+          <p:cNvPr id="45" name="Oval 44"/>
+          <p:cNvSpPr/>
+          <p:nvPr/>
+        </p:nvSpPr>
+        <p:spPr>
+          <a:xfrm>
+            <a:off x="4828896" y="525959"/>
+            <a:ext cx="152400" cy="152400"/>
+          </a:xfrm>
+          <a:prstGeom prst="ellipse">
+            <a:avLst/>
+          </a:prstGeom>
+          <a:solidFill>
+            <a:schemeClr val="tx1"/>
+          </a:solidFill>
+          <a:ln w="6350">
+            <a:solidFill>
+              <a:schemeClr val="tx1"/>
+            </a:solidFill>
+          </a:ln>
+        </p:spPr>
+        <p:style>
+          <a:lnRef idx="2">
+            <a:schemeClr val="accent1">
+              <a:shade val="50000"/>
+            </a:schemeClr>
+          </a:lnRef>
+          <a:fillRef idx="1">
+            <a:schemeClr val="accent1"/>
+          </a:fillRef>
+          <a:effectRef idx="0">
+            <a:schemeClr val="accent1"/>
+          </a:effectRef>
+          <a:fontRef idx="minor">
+            <a:schemeClr val="lt1"/>
+          </a:fontRef>
+        </p:style>
+        <p:txBody>
+          <a:bodyPr rtlCol="0" anchor="ctr"/>
+          <a:lstStyle/>
+          <a:p>
+            <a:pPr algn="ctr"/>
+            <a:endParaRPr lang="en-US" sz="2000">
+              <a:latin typeface="Times New Roman" pitchFamily="18" charset="0"/>
+              <a:cs typeface="Times New Roman" pitchFamily="18" charset="0"/>
+            </a:endParaRPr>
+          </a:p>
+        </p:txBody>
+      </p:sp>
+      <p:cxnSp>
+        <p:nvCxnSpPr>
+          <p:cNvPr id="46" name="Straight Arrow Connector 45"/>
+          <p:cNvCxnSpPr>
+            <a:stCxn id="45" idx="5"/>
+            <a:endCxn id="38" idx="1"/>
+          </p:cNvCxnSpPr>
+          <p:nvPr/>
+        </p:nvCxnSpPr>
+        <p:spPr>
+          <a:xfrm>
+            <a:off x="4958978" y="656041"/>
+            <a:ext cx="625382" cy="1185255"/>
+          </a:xfrm>
+          <a:prstGeom prst="straightConnector1">
+            <a:avLst/>
+          </a:prstGeom>
+          <a:ln w="25400">
+            <a:solidFill>
+              <a:schemeClr val="tx1"/>
+            </a:solidFill>
+            <a:headEnd type="arrow"/>
+            <a:tailEnd type="none"/>
+          </a:ln>
+        </p:spPr>
+        <p:style>
+          <a:lnRef idx="1">
+            <a:schemeClr val="accent1"/>
+          </a:lnRef>
+          <a:fillRef idx="0">
+            <a:schemeClr val="accent1"/>
+          </a:fillRef>
+          <a:effectRef idx="0">
+            <a:schemeClr val="accent1"/>
+          </a:effectRef>
+          <a:fontRef idx="minor">
+            <a:schemeClr val="tx1"/>
+          </a:fontRef>
+        </p:style>
+      </p:cxnSp>
+      <p:cxnSp>
+        <p:nvCxnSpPr>
+          <p:cNvPr id="48" name="Straight Arrow Connector 47"/>
+          <p:cNvCxnSpPr>
+            <a:stCxn id="103" idx="7"/>
+            <a:endCxn id="45" idx="3"/>
+          </p:cNvCxnSpPr>
+          <p:nvPr/>
+        </p:nvCxnSpPr>
+        <p:spPr>
+          <a:xfrm flipV="1">
+            <a:off x="4256940" y="656041"/>
+            <a:ext cx="594274" cy="1192695"/>
+          </a:xfrm>
+          <a:prstGeom prst="straightConnector1">
+            <a:avLst/>
+          </a:prstGeom>
+          <a:ln w="25400">
+            <a:solidFill>
+              <a:schemeClr val="tx1"/>
+            </a:solidFill>
+            <a:headEnd type="arrow"/>
+            <a:tailEnd type="none"/>
+          </a:ln>
+        </p:spPr>
+        <p:style>
+          <a:lnRef idx="1">
+            <a:schemeClr val="accent1"/>
+          </a:lnRef>
+          <a:fillRef idx="0">
+            <a:schemeClr val="accent1"/>
+          </a:fillRef>
+          <a:effectRef idx="0">
+            <a:schemeClr val="accent1"/>
+          </a:effectRef>
+          <a:fontRef idx="minor">
+            <a:schemeClr val="tx1"/>
+          </a:fontRef>
+        </p:style>
+      </p:cxnSp>
+      <p:sp>
+        <p:nvSpPr>
+          <p:cNvPr id="49" name="TextBox 48"/>
+          <p:cNvSpPr txBox="1"/>
+          <p:nvPr/>
+        </p:nvSpPr>
+        <p:spPr>
+          <a:xfrm>
+            <a:off x="4559270" y="361890"/>
+            <a:ext cx="298480" cy="400110"/>
+          </a:xfrm>
+          <a:prstGeom prst="rect">
+            <a:avLst/>
+          </a:prstGeom>
+          <a:noFill/>
+        </p:spPr>
+        <p:txBody>
+          <a:bodyPr wrap="none" rtlCol="0">
+            <a:spAutoFit/>
+          </a:bodyPr>
+          <a:lstStyle/>
+          <a:p>
+            <a:r>
+              <a:rPr lang="en-US" sz="2000" i="1" dirty="0" smtClean="0">
+                <a:latin typeface="Times New Roman" pitchFamily="18" charset="0"/>
+                <a:cs typeface="Times New Roman" pitchFamily="18" charset="0"/>
+              </a:rPr>
+              <a:t>v</a:t>
+            </a:r>
+            <a:endParaRPr lang="en-US" sz="2000" i="1" dirty="0">
+              <a:latin typeface="Times New Roman" pitchFamily="18" charset="0"/>
+              <a:cs typeface="Times New Roman" pitchFamily="18" charset="0"/>
+            </a:endParaRPr>
+          </a:p>
+        </p:txBody>
+      </p:sp>
+      <p:sp>
+        <p:nvSpPr>
+          <p:cNvPr id="50" name="TextBox 49"/>
+          <p:cNvSpPr txBox="1"/>
+          <p:nvPr/>
+        </p:nvSpPr>
+        <p:spPr>
+          <a:xfrm>
+            <a:off x="3801894" y="1657290"/>
+            <a:ext cx="312906" cy="400110"/>
+          </a:xfrm>
+          <a:prstGeom prst="rect">
+            <a:avLst/>
+          </a:prstGeom>
+          <a:noFill/>
+        </p:spPr>
+        <p:txBody>
+          <a:bodyPr wrap="none" rtlCol="0">
+            <a:spAutoFit/>
+          </a:bodyPr>
+          <a:lstStyle/>
+          <a:p>
+            <a:r>
+              <a:rPr lang="en-US" sz="2000" i="1" dirty="0" smtClean="0">
+                <a:latin typeface="Times New Roman" pitchFamily="18" charset="0"/>
+                <a:cs typeface="Times New Roman" pitchFamily="18" charset="0"/>
+              </a:rPr>
+              <a:t>u</a:t>
+            </a:r>
+            <a:endParaRPr lang="en-US" sz="2000" i="1" dirty="0">
+              <a:latin typeface="Times New Roman" pitchFamily="18" charset="0"/>
+              <a:cs typeface="Times New Roman" pitchFamily="18" charset="0"/>
+            </a:endParaRPr>
+          </a:p>
+        </p:txBody>
+      </p:sp>
+      <p:sp>
+        <p:nvSpPr>
+          <p:cNvPr id="51" name="TextBox 50"/>
+          <p:cNvSpPr txBox="1"/>
+          <p:nvPr/>
+        </p:nvSpPr>
+        <p:spPr>
+          <a:xfrm>
+            <a:off x="5720762" y="1657290"/>
+            <a:ext cx="356188" cy="400110"/>
+          </a:xfrm>
+          <a:prstGeom prst="rect">
+            <a:avLst/>
+          </a:prstGeom>
+          <a:noFill/>
+        </p:spPr>
+        <p:txBody>
+          <a:bodyPr wrap="none" rtlCol="0">
+            <a:spAutoFit/>
+          </a:bodyPr>
+          <a:lstStyle/>
+          <a:p>
+            <a:r>
+              <a:rPr lang="en-US" sz="2000" i="1" dirty="0" smtClean="0">
+                <a:latin typeface="Times New Roman" pitchFamily="18" charset="0"/>
+                <a:cs typeface="Times New Roman" pitchFamily="18" charset="0"/>
+              </a:rPr>
+              <a:t>w</a:t>
+            </a:r>
+            <a:endParaRPr lang="en-US" sz="2000" i="1" dirty="0">
+              <a:latin typeface="Times New Roman" pitchFamily="18" charset="0"/>
+              <a:cs typeface="Times New Roman" pitchFamily="18" charset="0"/>
+            </a:endParaRPr>
+          </a:p>
+        </p:txBody>
+      </p:sp>
+      <p:pic>
+        <p:nvPicPr>
+          <p:cNvPr id="14" name="Picture 3"/>
+          <p:cNvPicPr>
+            <a:picLocks noChangeAspect="1" noChangeArrowheads="1"/>
+          </p:cNvPicPr>
+          <p:nvPr/>
+        </p:nvPicPr>
+        <p:blipFill>
+          <a:blip r:embed="rId2">
+            <a:extLst>
+              <a:ext uri="{28A0092B-C50C-407E-A947-70E740481C1C}">
+                <a14:useLocalDpi xmlns:a14="http://schemas.microsoft.com/office/drawing/2010/main" val="0"/>
+              </a:ext>
+            </a:extLst>
+          </a:blip>
+          <a:srcRect/>
+          <a:stretch>
+            <a:fillRect/>
+          </a:stretch>
+        </p:blipFill>
+        <p:spPr bwMode="auto">
+          <a:xfrm>
+            <a:off x="2006228" y="2895600"/>
+            <a:ext cx="5334000" cy="1841500"/>
+          </a:xfrm>
+          <a:prstGeom prst="rect">
+            <a:avLst/>
+          </a:prstGeom>
+          <a:noFill/>
+          <a:ln>
+            <a:noFill/>
+          </a:ln>
+          <a:effectLst/>
+          <a:extLst>
+            <a:ext uri="{909E8E84-426E-40DD-AFC4-6F175D3DCCD1}">
+              <a14:hiddenFill xmlns:a14="http://schemas.microsoft.com/office/drawing/2010/main">
+                <a:solidFill>
+                  <a:schemeClr val="accent1"/>
+                </a:solidFill>
+              </a14:hiddenFill>
+            </a:ext>
+            <a:ext uri="{91240B29-F687-4F45-9708-019B960494DF}">
+              <a14:hiddenLine xmlns:a14="http://schemas.microsoft.com/office/drawing/2010/main" w="9525">
+                <a:solidFill>
+                  <a:schemeClr val="tx1"/>
+                </a:solidFill>
+                <a:miter lim="800000"/>
+                <a:headEnd/>
+                <a:tailEnd/>
+              </a14:hiddenLine>
+            </a:ext>
+            <a:ext uri="{AF507438-7753-43E0-B8FC-AC1667EBCBE1}">
+              <a14:hiddenEffects xmlns:a14="http://schemas.microsoft.com/office/drawing/2010/main">
+                <a:effectLst>
+                  <a:outerShdw dist="35921" dir="2700000" algn="ctr" rotWithShape="0">
+                    <a:schemeClr val="bg2"/>
+                  </a:outerShdw>
+                </a:effectLst>
+              </a14:hiddenEffects>
+            </a:ext>
+          </a:extLst>
+        </p:spPr>
+      </p:pic>
+    </p:spTree>
+    <p:extLst>
+      <p:ext uri="{BB962C8B-B14F-4D97-AF65-F5344CB8AC3E}">
+        <p14:creationId xmlns:p14="http://schemas.microsoft.com/office/powerpoint/2010/main" val="369328447"/>
       </p:ext>
     </p:extLst>
   </p:cSld>

--- a/figures/allfigures.pptx
+++ b/figures/allfigures.pptx
@@ -8,6 +8,7 @@
     <p:sldId id="256" r:id="rId2"/>
     <p:sldId id="257" r:id="rId3"/>
     <p:sldId id="258" r:id="rId4"/>
+    <p:sldId id="260" r:id="rId5"/>
   </p:sldIdLst>
   <p:sldSz cx="9144000" cy="6858000" type="screen4x3"/>
   <p:notesSz cx="6858000" cy="9144000"/>
@@ -106,6 +107,22 @@
       </a:defRPr>
     </a:lvl9pPr>
   </p:defaultTextStyle>
+  <p:extLst>
+    <p:ext uri="{EFAFB233-063F-42B5-8137-9DF3F51BA10A}">
+      <p15:sldGuideLst xmlns:p15="http://schemas.microsoft.com/office/powerpoint/2012/main">
+        <p15:guide id="1" orient="horz" pos="2160">
+          <p15:clr>
+            <a:srgbClr val="A4A3A4"/>
+          </p15:clr>
+        </p15:guide>
+        <p15:guide id="2" pos="2880">
+          <p15:clr>
+            <a:srgbClr val="A4A3A4"/>
+          </p15:clr>
+        </p15:guide>
+      </p15:sldGuideLst>
+    </p:ext>
+  </p:extLst>
 </p:presentation>
 </file>
 
@@ -291,7 +308,7 @@
             <a:fld id="{1D8BD707-D9CF-40AE-B4C6-C98DA3205C09}" type="datetimeFigureOut">
               <a:rPr lang="en-US" smtClean="0"/>
               <a:pPr/>
-              <a:t>6/27/2013</a:t>
+              <a:t>7/2/2013</a:t>
             </a:fld>
             <a:endParaRPr lang="en-US"/>
           </a:p>
@@ -458,7 +475,7 @@
             <a:fld id="{1D8BD707-D9CF-40AE-B4C6-C98DA3205C09}" type="datetimeFigureOut">
               <a:rPr lang="en-US" smtClean="0"/>
               <a:pPr/>
-              <a:t>6/27/2013</a:t>
+              <a:t>7/2/2013</a:t>
             </a:fld>
             <a:endParaRPr lang="en-US"/>
           </a:p>
@@ -635,7 +652,7 @@
             <a:fld id="{1D8BD707-D9CF-40AE-B4C6-C98DA3205C09}" type="datetimeFigureOut">
               <a:rPr lang="en-US" smtClean="0"/>
               <a:pPr/>
-              <a:t>6/27/2013</a:t>
+              <a:t>7/2/2013</a:t>
             </a:fld>
             <a:endParaRPr lang="en-US"/>
           </a:p>
@@ -802,7 +819,7 @@
             <a:fld id="{1D8BD707-D9CF-40AE-B4C6-C98DA3205C09}" type="datetimeFigureOut">
               <a:rPr lang="en-US" smtClean="0"/>
               <a:pPr/>
-              <a:t>6/27/2013</a:t>
+              <a:t>7/2/2013</a:t>
             </a:fld>
             <a:endParaRPr lang="en-US"/>
           </a:p>
@@ -1045,7 +1062,7 @@
             <a:fld id="{1D8BD707-D9CF-40AE-B4C6-C98DA3205C09}" type="datetimeFigureOut">
               <a:rPr lang="en-US" smtClean="0"/>
               <a:pPr/>
-              <a:t>6/27/2013</a:t>
+              <a:t>7/2/2013</a:t>
             </a:fld>
             <a:endParaRPr lang="en-US"/>
           </a:p>
@@ -1330,7 +1347,7 @@
             <a:fld id="{1D8BD707-D9CF-40AE-B4C6-C98DA3205C09}" type="datetimeFigureOut">
               <a:rPr lang="en-US" smtClean="0"/>
               <a:pPr/>
-              <a:t>6/27/2013</a:t>
+              <a:t>7/2/2013</a:t>
             </a:fld>
             <a:endParaRPr lang="en-US"/>
           </a:p>
@@ -1749,7 +1766,7 @@
             <a:fld id="{1D8BD707-D9CF-40AE-B4C6-C98DA3205C09}" type="datetimeFigureOut">
               <a:rPr lang="en-US" smtClean="0"/>
               <a:pPr/>
-              <a:t>6/27/2013</a:t>
+              <a:t>7/2/2013</a:t>
             </a:fld>
             <a:endParaRPr lang="en-US"/>
           </a:p>
@@ -1864,7 +1881,7 @@
             <a:fld id="{1D8BD707-D9CF-40AE-B4C6-C98DA3205C09}" type="datetimeFigureOut">
               <a:rPr lang="en-US" smtClean="0"/>
               <a:pPr/>
-              <a:t>6/27/2013</a:t>
+              <a:t>7/2/2013</a:t>
             </a:fld>
             <a:endParaRPr lang="en-US"/>
           </a:p>
@@ -1956,7 +1973,7 @@
             <a:fld id="{1D8BD707-D9CF-40AE-B4C6-C98DA3205C09}" type="datetimeFigureOut">
               <a:rPr lang="en-US" smtClean="0"/>
               <a:pPr/>
-              <a:t>6/27/2013</a:t>
+              <a:t>7/2/2013</a:t>
             </a:fld>
             <a:endParaRPr lang="en-US"/>
           </a:p>
@@ -2230,7 +2247,7 @@
             <a:fld id="{1D8BD707-D9CF-40AE-B4C6-C98DA3205C09}" type="datetimeFigureOut">
               <a:rPr lang="en-US" smtClean="0"/>
               <a:pPr/>
-              <a:t>6/27/2013</a:t>
+              <a:t>7/2/2013</a:t>
             </a:fld>
             <a:endParaRPr lang="en-US"/>
           </a:p>
@@ -2480,7 +2497,7 @@
             <a:fld id="{1D8BD707-D9CF-40AE-B4C6-C98DA3205C09}" type="datetimeFigureOut">
               <a:rPr lang="en-US" smtClean="0"/>
               <a:pPr/>
-              <a:t>6/27/2013</a:t>
+              <a:t>7/2/2013</a:t>
             </a:fld>
             <a:endParaRPr lang="en-US"/>
           </a:p>
@@ -2690,7 +2707,7 @@
             <a:fld id="{1D8BD707-D9CF-40AE-B4C6-C98DA3205C09}" type="datetimeFigureOut">
               <a:rPr lang="en-US" smtClean="0"/>
               <a:pPr/>
-              <a:t>6/27/2013</a:t>
+              <a:t>7/2/2013</a:t>
             </a:fld>
             <a:endParaRPr lang="en-US"/>
           </a:p>
@@ -6316,6 +6333,563 @@
     <p:extLst>
       <p:ext uri="{BB962C8B-B14F-4D97-AF65-F5344CB8AC3E}">
         <p14:creationId xmlns:p14="http://schemas.microsoft.com/office/powerpoint/2010/main" val="369328447"/>
+      </p:ext>
+    </p:extLst>
+  </p:cSld>
+  <p:clrMapOvr>
+    <a:masterClrMapping/>
+  </p:clrMapOvr>
+</p:sld>
+</file>
+
+<file path=ppt/slides/slide4.xml><?xml version="1.0" encoding="utf-8"?>
+<p:sld xmlns:a="http://schemas.openxmlformats.org/drawingml/2006/main" xmlns:r="http://schemas.openxmlformats.org/officeDocument/2006/relationships" xmlns:p="http://schemas.openxmlformats.org/presentationml/2006/main">
+  <p:cSld>
+    <p:spTree>
+      <p:nvGrpSpPr>
+        <p:cNvPr id="1" name=""/>
+        <p:cNvGrpSpPr/>
+        <p:nvPr/>
+      </p:nvGrpSpPr>
+      <p:grpSpPr>
+        <a:xfrm>
+          <a:off x="0" y="0"/>
+          <a:ext cx="0" cy="0"/>
+          <a:chOff x="0" y="0"/>
+          <a:chExt cx="0" cy="0"/>
+        </a:xfrm>
+      </p:grpSpPr>
+      <p:sp>
+        <p:nvSpPr>
+          <p:cNvPr id="2" name="Rectangle 1"/>
+          <p:cNvSpPr/>
+          <p:nvPr/>
+        </p:nvSpPr>
+        <p:spPr>
+          <a:xfrm>
+            <a:off x="1600200" y="2286000"/>
+            <a:ext cx="1371600" cy="609600"/>
+          </a:xfrm>
+          <a:prstGeom prst="rect">
+            <a:avLst/>
+          </a:prstGeom>
+          <a:noFill/>
+          <a:ln>
+            <a:solidFill>
+              <a:schemeClr val="tx1"/>
+            </a:solidFill>
+          </a:ln>
+        </p:spPr>
+        <p:style>
+          <a:lnRef idx="2">
+            <a:schemeClr val="accent1">
+              <a:shade val="50000"/>
+            </a:schemeClr>
+          </a:lnRef>
+          <a:fillRef idx="1">
+            <a:schemeClr val="accent1"/>
+          </a:fillRef>
+          <a:effectRef idx="0">
+            <a:schemeClr val="accent1"/>
+          </a:effectRef>
+          <a:fontRef idx="minor">
+            <a:schemeClr val="lt1"/>
+          </a:fontRef>
+        </p:style>
+        <p:txBody>
+          <a:bodyPr rtlCol="0" anchor="ctr"/>
+          <a:lstStyle/>
+          <a:p>
+            <a:pPr algn="ctr"/>
+            <a:r>
+              <a:rPr lang="en-US" dirty="0">
+                <a:solidFill>
+                  <a:schemeClr val="tx1"/>
+                </a:solidFill>
+              </a:rPr>
+              <a:t>R</a:t>
+            </a:r>
+            <a:r>
+              <a:rPr lang="en-US" dirty="0" smtClean="0">
+                <a:solidFill>
+                  <a:schemeClr val="tx1"/>
+                </a:solidFill>
+              </a:rPr>
+              <a:t>ule generator</a:t>
+            </a:r>
+            <a:endParaRPr lang="en-US" dirty="0">
+              <a:solidFill>
+                <a:schemeClr val="tx1"/>
+              </a:solidFill>
+            </a:endParaRPr>
+          </a:p>
+        </p:txBody>
+      </p:sp>
+      <p:sp>
+        <p:nvSpPr>
+          <p:cNvPr id="5" name="Rectangle 4"/>
+          <p:cNvSpPr/>
+          <p:nvPr/>
+        </p:nvSpPr>
+        <p:spPr>
+          <a:xfrm>
+            <a:off x="3429000" y="2286000"/>
+            <a:ext cx="1524000" cy="609600"/>
+          </a:xfrm>
+          <a:prstGeom prst="rect">
+            <a:avLst/>
+          </a:prstGeom>
+          <a:noFill/>
+          <a:ln>
+            <a:solidFill>
+              <a:schemeClr val="tx1"/>
+            </a:solidFill>
+          </a:ln>
+        </p:spPr>
+        <p:style>
+          <a:lnRef idx="2">
+            <a:schemeClr val="accent1">
+              <a:shade val="50000"/>
+            </a:schemeClr>
+          </a:lnRef>
+          <a:fillRef idx="1">
+            <a:schemeClr val="accent1"/>
+          </a:fillRef>
+          <a:effectRef idx="0">
+            <a:schemeClr val="accent1"/>
+          </a:effectRef>
+          <a:fontRef idx="minor">
+            <a:schemeClr val="lt1"/>
+          </a:fontRef>
+        </p:style>
+        <p:txBody>
+          <a:bodyPr rtlCol="0" anchor="ctr"/>
+          <a:lstStyle/>
+          <a:p>
+            <a:pPr algn="ctr"/>
+            <a:r>
+              <a:rPr lang="en-US" dirty="0" smtClean="0">
+                <a:solidFill>
+                  <a:schemeClr val="tx1"/>
+                </a:solidFill>
+              </a:rPr>
+              <a:t>Update graph generator</a:t>
+            </a:r>
+            <a:endParaRPr lang="en-US" dirty="0">
+              <a:solidFill>
+                <a:schemeClr val="tx1"/>
+              </a:solidFill>
+            </a:endParaRPr>
+          </a:p>
+        </p:txBody>
+      </p:sp>
+      <p:cxnSp>
+        <p:nvCxnSpPr>
+          <p:cNvPr id="7" name="Straight Arrow Connector 6"/>
+          <p:cNvCxnSpPr>
+            <a:stCxn id="2" idx="3"/>
+            <a:endCxn id="5" idx="1"/>
+          </p:cNvCxnSpPr>
+          <p:nvPr/>
+        </p:nvCxnSpPr>
+        <p:spPr>
+          <a:xfrm>
+            <a:off x="2971800" y="2590800"/>
+            <a:ext cx="457200" cy="0"/>
+          </a:xfrm>
+          <a:prstGeom prst="straightConnector1">
+            <a:avLst/>
+          </a:prstGeom>
+          <a:ln w="38100">
+            <a:solidFill>
+              <a:schemeClr val="tx1"/>
+            </a:solidFill>
+            <a:tailEnd type="triangle"/>
+          </a:ln>
+        </p:spPr>
+        <p:style>
+          <a:lnRef idx="1">
+            <a:schemeClr val="accent1"/>
+          </a:lnRef>
+          <a:fillRef idx="0">
+            <a:schemeClr val="accent1"/>
+          </a:fillRef>
+          <a:effectRef idx="0">
+            <a:schemeClr val="accent1"/>
+          </a:effectRef>
+          <a:fontRef idx="minor">
+            <a:schemeClr val="tx1"/>
+          </a:fontRef>
+        </p:style>
+      </p:cxnSp>
+      <p:cxnSp>
+        <p:nvCxnSpPr>
+          <p:cNvPr id="9" name="Straight Arrow Connector 8"/>
+          <p:cNvCxnSpPr>
+            <a:stCxn id="5" idx="3"/>
+            <a:endCxn id="10" idx="1"/>
+          </p:cNvCxnSpPr>
+          <p:nvPr/>
+        </p:nvCxnSpPr>
+        <p:spPr>
+          <a:xfrm>
+            <a:off x="4953000" y="2590800"/>
+            <a:ext cx="457200" cy="0"/>
+          </a:xfrm>
+          <a:prstGeom prst="straightConnector1">
+            <a:avLst/>
+          </a:prstGeom>
+          <a:ln w="38100">
+            <a:solidFill>
+              <a:schemeClr val="tx1"/>
+            </a:solidFill>
+            <a:tailEnd type="triangle"/>
+          </a:ln>
+        </p:spPr>
+        <p:style>
+          <a:lnRef idx="1">
+            <a:schemeClr val="accent1"/>
+          </a:lnRef>
+          <a:fillRef idx="0">
+            <a:schemeClr val="accent1"/>
+          </a:fillRef>
+          <a:effectRef idx="0">
+            <a:schemeClr val="accent1"/>
+          </a:effectRef>
+          <a:fontRef idx="minor">
+            <a:schemeClr val="tx1"/>
+          </a:fontRef>
+        </p:style>
+      </p:cxnSp>
+      <p:sp>
+        <p:nvSpPr>
+          <p:cNvPr id="10" name="Rectangle 9"/>
+          <p:cNvSpPr/>
+          <p:nvPr/>
+        </p:nvSpPr>
+        <p:spPr>
+          <a:xfrm>
+            <a:off x="5410200" y="2286000"/>
+            <a:ext cx="1524000" cy="609600"/>
+          </a:xfrm>
+          <a:prstGeom prst="rect">
+            <a:avLst/>
+          </a:prstGeom>
+          <a:noFill/>
+          <a:ln>
+            <a:solidFill>
+              <a:schemeClr val="tx1"/>
+            </a:solidFill>
+          </a:ln>
+        </p:spPr>
+        <p:style>
+          <a:lnRef idx="2">
+            <a:schemeClr val="accent1">
+              <a:shade val="50000"/>
+            </a:schemeClr>
+          </a:lnRef>
+          <a:fillRef idx="1">
+            <a:schemeClr val="accent1"/>
+          </a:fillRef>
+          <a:effectRef idx="0">
+            <a:schemeClr val="accent1"/>
+          </a:effectRef>
+          <a:fontRef idx="minor">
+            <a:schemeClr val="lt1"/>
+          </a:fontRef>
+        </p:style>
+        <p:txBody>
+          <a:bodyPr rtlCol="0" anchor="ctr"/>
+          <a:lstStyle/>
+          <a:p>
+            <a:pPr algn="ctr"/>
+            <a:r>
+              <a:rPr lang="en-US" dirty="0" smtClean="0">
+                <a:solidFill>
+                  <a:schemeClr val="tx1"/>
+                </a:solidFill>
+              </a:rPr>
+              <a:t>Update graph applier</a:t>
+            </a:r>
+            <a:endParaRPr lang="en-US" dirty="0">
+              <a:solidFill>
+                <a:schemeClr val="tx1"/>
+              </a:solidFill>
+            </a:endParaRPr>
+          </a:p>
+        </p:txBody>
+      </p:sp>
+      <p:cxnSp>
+        <p:nvCxnSpPr>
+          <p:cNvPr id="14" name="Straight Arrow Connector 13"/>
+          <p:cNvCxnSpPr>
+            <a:stCxn id="35" idx="4"/>
+            <a:endCxn id="2" idx="0"/>
+          </p:cNvCxnSpPr>
+          <p:nvPr/>
+        </p:nvCxnSpPr>
+        <p:spPr>
+          <a:xfrm>
+            <a:off x="2247900" y="1981200"/>
+            <a:ext cx="38100" cy="304800"/>
+          </a:xfrm>
+          <a:prstGeom prst="straightConnector1">
+            <a:avLst/>
+          </a:prstGeom>
+          <a:ln w="38100">
+            <a:solidFill>
+              <a:schemeClr val="tx1"/>
+            </a:solidFill>
+            <a:tailEnd type="triangle"/>
+          </a:ln>
+        </p:spPr>
+        <p:style>
+          <a:lnRef idx="1">
+            <a:schemeClr val="accent1"/>
+          </a:lnRef>
+          <a:fillRef idx="0">
+            <a:schemeClr val="accent1"/>
+          </a:fillRef>
+          <a:effectRef idx="0">
+            <a:schemeClr val="accent1"/>
+          </a:effectRef>
+          <a:fontRef idx="minor">
+            <a:schemeClr val="tx1"/>
+          </a:fontRef>
+        </p:style>
+      </p:cxnSp>
+      <p:cxnSp>
+        <p:nvCxnSpPr>
+          <p:cNvPr id="16" name="Straight Arrow Connector 15"/>
+          <p:cNvCxnSpPr>
+            <a:stCxn id="37" idx="4"/>
+            <a:endCxn id="5" idx="0"/>
+          </p:cNvCxnSpPr>
+          <p:nvPr/>
+        </p:nvCxnSpPr>
+        <p:spPr>
+          <a:xfrm flipH="1">
+            <a:off x="4191000" y="1981200"/>
+            <a:ext cx="19050" cy="304800"/>
+          </a:xfrm>
+          <a:prstGeom prst="straightConnector1">
+            <a:avLst/>
+          </a:prstGeom>
+          <a:ln w="38100">
+            <a:solidFill>
+              <a:schemeClr val="tx1"/>
+            </a:solidFill>
+            <a:tailEnd type="triangle"/>
+          </a:ln>
+        </p:spPr>
+        <p:style>
+          <a:lnRef idx="1">
+            <a:schemeClr val="accent1"/>
+          </a:lnRef>
+          <a:fillRef idx="0">
+            <a:schemeClr val="accent1"/>
+          </a:fillRef>
+          <a:effectRef idx="0">
+            <a:schemeClr val="accent1"/>
+          </a:effectRef>
+          <a:fontRef idx="minor">
+            <a:schemeClr val="tx1"/>
+          </a:fontRef>
+        </p:style>
+      </p:cxnSp>
+      <p:cxnSp>
+        <p:nvCxnSpPr>
+          <p:cNvPr id="19" name="Straight Arrow Connector 18"/>
+          <p:cNvCxnSpPr>
+            <a:stCxn id="39" idx="4"/>
+            <a:endCxn id="10" idx="0"/>
+          </p:cNvCxnSpPr>
+          <p:nvPr/>
+        </p:nvCxnSpPr>
+        <p:spPr>
+          <a:xfrm flipH="1">
+            <a:off x="6172200" y="1981200"/>
+            <a:ext cx="38100" cy="304800"/>
+          </a:xfrm>
+          <a:prstGeom prst="straightConnector1">
+            <a:avLst/>
+          </a:prstGeom>
+          <a:ln w="38100">
+            <a:solidFill>
+              <a:schemeClr val="tx1"/>
+            </a:solidFill>
+            <a:tailEnd type="triangle"/>
+          </a:ln>
+        </p:spPr>
+        <p:style>
+          <a:lnRef idx="1">
+            <a:schemeClr val="accent1"/>
+          </a:lnRef>
+          <a:fillRef idx="0">
+            <a:schemeClr val="accent1"/>
+          </a:fillRef>
+          <a:effectRef idx="0">
+            <a:schemeClr val="accent1"/>
+          </a:effectRef>
+          <a:fontRef idx="minor">
+            <a:schemeClr val="tx1"/>
+          </a:fontRef>
+        </p:style>
+      </p:cxnSp>
+      <p:sp>
+        <p:nvSpPr>
+          <p:cNvPr id="35" name="Oval 34"/>
+          <p:cNvSpPr/>
+          <p:nvPr/>
+        </p:nvSpPr>
+        <p:spPr>
+          <a:xfrm>
+            <a:off x="1524000" y="1371600"/>
+            <a:ext cx="1447800" cy="609600"/>
+          </a:xfrm>
+          <a:prstGeom prst="ellipse">
+            <a:avLst/>
+          </a:prstGeom>
+          <a:solidFill>
+            <a:schemeClr val="tx1">
+              <a:lumMod val="50000"/>
+              <a:lumOff val="50000"/>
+            </a:schemeClr>
+          </a:solidFill>
+        </p:spPr>
+        <p:style>
+          <a:lnRef idx="2">
+            <a:schemeClr val="accent1">
+              <a:shade val="50000"/>
+            </a:schemeClr>
+          </a:lnRef>
+          <a:fillRef idx="1">
+            <a:schemeClr val="accent1"/>
+          </a:fillRef>
+          <a:effectRef idx="0">
+            <a:schemeClr val="accent1"/>
+          </a:effectRef>
+          <a:fontRef idx="minor">
+            <a:schemeClr val="lt1"/>
+          </a:fontRef>
+        </p:style>
+        <p:txBody>
+          <a:bodyPr rtlCol="0" anchor="ctr"/>
+          <a:lstStyle/>
+          <a:p>
+            <a:pPr algn="ctr"/>
+            <a:r>
+              <a:rPr lang="en-US" dirty="0" smtClean="0"/>
+              <a:t>Routing policy</a:t>
+            </a:r>
+            <a:endParaRPr lang="en-US" dirty="0"/>
+          </a:p>
+        </p:txBody>
+      </p:sp>
+      <p:sp>
+        <p:nvSpPr>
+          <p:cNvPr id="37" name="Oval 36"/>
+          <p:cNvSpPr/>
+          <p:nvPr/>
+        </p:nvSpPr>
+        <p:spPr>
+          <a:xfrm>
+            <a:off x="3276600" y="1371600"/>
+            <a:ext cx="1866900" cy="609600"/>
+          </a:xfrm>
+          <a:prstGeom prst="ellipse">
+            <a:avLst/>
+          </a:prstGeom>
+          <a:solidFill>
+            <a:schemeClr val="tx1">
+              <a:lumMod val="50000"/>
+              <a:lumOff val="50000"/>
+            </a:schemeClr>
+          </a:solidFill>
+        </p:spPr>
+        <p:style>
+          <a:lnRef idx="2">
+            <a:schemeClr val="accent1">
+              <a:shade val="50000"/>
+            </a:schemeClr>
+          </a:lnRef>
+          <a:fillRef idx="1">
+            <a:schemeClr val="accent1"/>
+          </a:fillRef>
+          <a:effectRef idx="0">
+            <a:schemeClr val="accent1"/>
+          </a:effectRef>
+          <a:fontRef idx="minor">
+            <a:schemeClr val="lt1"/>
+          </a:fontRef>
+        </p:style>
+        <p:txBody>
+          <a:bodyPr rtlCol="0" anchor="ctr"/>
+          <a:lstStyle/>
+          <a:p>
+            <a:pPr algn="ctr"/>
+            <a:r>
+              <a:rPr lang="en-US" dirty="0" smtClean="0"/>
+              <a:t>Consistency property</a:t>
+            </a:r>
+            <a:endParaRPr lang="en-US" dirty="0"/>
+          </a:p>
+        </p:txBody>
+      </p:sp>
+      <p:sp>
+        <p:nvSpPr>
+          <p:cNvPr id="39" name="Oval 38"/>
+          <p:cNvSpPr/>
+          <p:nvPr/>
+        </p:nvSpPr>
+        <p:spPr>
+          <a:xfrm>
+            <a:off x="5486400" y="1371600"/>
+            <a:ext cx="1447800" cy="609600"/>
+          </a:xfrm>
+          <a:prstGeom prst="ellipse">
+            <a:avLst/>
+          </a:prstGeom>
+          <a:solidFill>
+            <a:schemeClr val="tx1">
+              <a:lumMod val="50000"/>
+              <a:lumOff val="50000"/>
+            </a:schemeClr>
+          </a:solidFill>
+        </p:spPr>
+        <p:style>
+          <a:lnRef idx="2">
+            <a:schemeClr val="accent1">
+              <a:shade val="50000"/>
+            </a:schemeClr>
+          </a:lnRef>
+          <a:fillRef idx="1">
+            <a:schemeClr val="accent1"/>
+          </a:fillRef>
+          <a:effectRef idx="0">
+            <a:schemeClr val="accent1"/>
+          </a:effectRef>
+          <a:fontRef idx="minor">
+            <a:schemeClr val="lt1"/>
+          </a:fontRef>
+        </p:style>
+        <p:txBody>
+          <a:bodyPr rtlCol="0" anchor="ctr"/>
+          <a:lstStyle/>
+          <a:p>
+            <a:pPr algn="ctr"/>
+            <a:r>
+              <a:rPr lang="en-US" dirty="0" smtClean="0"/>
+              <a:t>Network model</a:t>
+            </a:r>
+            <a:endParaRPr lang="en-US" dirty="0"/>
+          </a:p>
+        </p:txBody>
+      </p:sp>
+    </p:spTree>
+    <p:extLst>
+      <p:ext uri="{BB962C8B-B14F-4D97-AF65-F5344CB8AC3E}">
+        <p14:creationId xmlns:p14="http://schemas.microsoft.com/office/powerpoint/2010/main" val="1540731110"/>
       </p:ext>
     </p:extLst>
   </p:cSld>

--- a/figures/allfigures.pptx
+++ b/figures/allfigures.pptx
@@ -115,7 +115,7 @@
             <a:srgbClr val="A4A3A4"/>
           </p15:clr>
         </p15:guide>
-        <p15:guide id="2" pos="2880">
+        <p15:guide id="2" pos="2640" userDrawn="1">
           <p15:clr>
             <a:srgbClr val="A4A3A4"/>
           </p15:clr>
@@ -308,7 +308,7 @@
             <a:fld id="{1D8BD707-D9CF-40AE-B4C6-C98DA3205C09}" type="datetimeFigureOut">
               <a:rPr lang="en-US" smtClean="0"/>
               <a:pPr/>
-              <a:t>7/2/2013</a:t>
+              <a:t>7/3/2013</a:t>
             </a:fld>
             <a:endParaRPr lang="en-US"/>
           </a:p>
@@ -475,7 +475,7 @@
             <a:fld id="{1D8BD707-D9CF-40AE-B4C6-C98DA3205C09}" type="datetimeFigureOut">
               <a:rPr lang="en-US" smtClean="0"/>
               <a:pPr/>
-              <a:t>7/2/2013</a:t>
+              <a:t>7/3/2013</a:t>
             </a:fld>
             <a:endParaRPr lang="en-US"/>
           </a:p>
@@ -652,7 +652,7 @@
             <a:fld id="{1D8BD707-D9CF-40AE-B4C6-C98DA3205C09}" type="datetimeFigureOut">
               <a:rPr lang="en-US" smtClean="0"/>
               <a:pPr/>
-              <a:t>7/2/2013</a:t>
+              <a:t>7/3/2013</a:t>
             </a:fld>
             <a:endParaRPr lang="en-US"/>
           </a:p>
@@ -819,7 +819,7 @@
             <a:fld id="{1D8BD707-D9CF-40AE-B4C6-C98DA3205C09}" type="datetimeFigureOut">
               <a:rPr lang="en-US" smtClean="0"/>
               <a:pPr/>
-              <a:t>7/2/2013</a:t>
+              <a:t>7/3/2013</a:t>
             </a:fld>
             <a:endParaRPr lang="en-US"/>
           </a:p>
@@ -1062,7 +1062,7 @@
             <a:fld id="{1D8BD707-D9CF-40AE-B4C6-C98DA3205C09}" type="datetimeFigureOut">
               <a:rPr lang="en-US" smtClean="0"/>
               <a:pPr/>
-              <a:t>7/2/2013</a:t>
+              <a:t>7/3/2013</a:t>
             </a:fld>
             <a:endParaRPr lang="en-US"/>
           </a:p>
@@ -1347,7 +1347,7 @@
             <a:fld id="{1D8BD707-D9CF-40AE-B4C6-C98DA3205C09}" type="datetimeFigureOut">
               <a:rPr lang="en-US" smtClean="0"/>
               <a:pPr/>
-              <a:t>7/2/2013</a:t>
+              <a:t>7/3/2013</a:t>
             </a:fld>
             <a:endParaRPr lang="en-US"/>
           </a:p>
@@ -1766,7 +1766,7 @@
             <a:fld id="{1D8BD707-D9CF-40AE-B4C6-C98DA3205C09}" type="datetimeFigureOut">
               <a:rPr lang="en-US" smtClean="0"/>
               <a:pPr/>
-              <a:t>7/2/2013</a:t>
+              <a:t>7/3/2013</a:t>
             </a:fld>
             <a:endParaRPr lang="en-US"/>
           </a:p>
@@ -1881,7 +1881,7 @@
             <a:fld id="{1D8BD707-D9CF-40AE-B4C6-C98DA3205C09}" type="datetimeFigureOut">
               <a:rPr lang="en-US" smtClean="0"/>
               <a:pPr/>
-              <a:t>7/2/2013</a:t>
+              <a:t>7/3/2013</a:t>
             </a:fld>
             <a:endParaRPr lang="en-US"/>
           </a:p>
@@ -1973,7 +1973,7 @@
             <a:fld id="{1D8BD707-D9CF-40AE-B4C6-C98DA3205C09}" type="datetimeFigureOut">
               <a:rPr lang="en-US" smtClean="0"/>
               <a:pPr/>
-              <a:t>7/2/2013</a:t>
+              <a:t>7/3/2013</a:t>
             </a:fld>
             <a:endParaRPr lang="en-US"/>
           </a:p>
@@ -2247,7 +2247,7 @@
             <a:fld id="{1D8BD707-D9CF-40AE-B4C6-C98DA3205C09}" type="datetimeFigureOut">
               <a:rPr lang="en-US" smtClean="0"/>
               <a:pPr/>
-              <a:t>7/2/2013</a:t>
+              <a:t>7/3/2013</a:t>
             </a:fld>
             <a:endParaRPr lang="en-US"/>
           </a:p>
@@ -2497,7 +2497,7 @@
             <a:fld id="{1D8BD707-D9CF-40AE-B4C6-C98DA3205C09}" type="datetimeFigureOut">
               <a:rPr lang="en-US" smtClean="0"/>
               <a:pPr/>
-              <a:t>7/2/2013</a:t>
+              <a:t>7/3/2013</a:t>
             </a:fld>
             <a:endParaRPr lang="en-US"/>
           </a:p>
@@ -2707,7 +2707,7 @@
             <a:fld id="{1D8BD707-D9CF-40AE-B4C6-C98DA3205C09}" type="datetimeFigureOut">
               <a:rPr lang="en-US" smtClean="0"/>
               <a:pPr/>
-              <a:t>7/2/2013</a:t>
+              <a:t>7/3/2013</a:t>
             </a:fld>
             <a:endParaRPr lang="en-US"/>
           </a:p>
@@ -6367,7 +6367,7 @@
         </p:nvSpPr>
         <p:spPr>
           <a:xfrm>
-            <a:off x="1600200" y="2286000"/>
+            <a:off x="609600" y="2286000"/>
             <a:ext cx="1371600" cy="609600"/>
           </a:xfrm>
           <a:prstGeom prst="rect">
@@ -6473,7 +6473,15 @@
                   <a:schemeClr val="tx1"/>
                 </a:solidFill>
               </a:rPr>
-              <a:t>Update graph generator</a:t>
+              <a:t>Update </a:t>
+            </a:r>
+            <a:r>
+              <a:rPr lang="en-US" dirty="0" smtClean="0">
+                <a:solidFill>
+                  <a:schemeClr val="tx1"/>
+                </a:solidFill>
+              </a:rPr>
+              <a:t>plan generator</a:t>
             </a:r>
             <a:endParaRPr lang="en-US" dirty="0">
               <a:solidFill>
@@ -6488,14 +6496,14 @@
           <p:cNvPr id="7" name="Straight Arrow Connector 6"/>
           <p:cNvCxnSpPr>
             <a:stCxn id="2" idx="3"/>
-            <a:endCxn id="5" idx="1"/>
+            <a:endCxn id="13" idx="2"/>
           </p:cNvCxnSpPr>
           <p:nvPr/>
         </p:nvCxnSpPr>
         <p:spPr>
           <a:xfrm>
-            <a:off x="2971800" y="2590800"/>
-            <a:ext cx="457200" cy="0"/>
+            <a:off x="1981200" y="2590800"/>
+            <a:ext cx="247650" cy="0"/>
           </a:xfrm>
           <a:prstGeom prst="straightConnector1">
             <a:avLst/>
@@ -6527,14 +6535,14 @@
           <p:cNvPr id="9" name="Straight Arrow Connector 8"/>
           <p:cNvCxnSpPr>
             <a:stCxn id="5" idx="3"/>
-            <a:endCxn id="10" idx="1"/>
+            <a:endCxn id="15" idx="2"/>
           </p:cNvCxnSpPr>
           <p:nvPr/>
         </p:nvCxnSpPr>
         <p:spPr>
           <a:xfrm>
             <a:off x="4953000" y="2590800"/>
-            <a:ext cx="457200" cy="0"/>
+            <a:ext cx="248568" cy="0"/>
           </a:xfrm>
           <a:prstGeom prst="straightConnector1">
             <a:avLst/>
@@ -6569,7 +6577,7 @@
         </p:nvSpPr>
         <p:spPr>
           <a:xfrm>
-            <a:off x="5410200" y="2286000"/>
+            <a:off x="6705600" y="2286000"/>
             <a:ext cx="1524000" cy="609600"/>
           </a:xfrm>
           <a:prstGeom prst="rect">
@@ -6609,7 +6617,23 @@
                   <a:schemeClr val="tx1"/>
                 </a:solidFill>
               </a:rPr>
-              <a:t>Update graph applier</a:t>
+              <a:t>Plan optimizer</a:t>
+            </a:r>
+            <a:r>
+              <a:rPr lang="en-US" dirty="0">
+                <a:solidFill>
+                  <a:schemeClr val="tx1"/>
+                </a:solidFill>
+              </a:rPr>
+              <a:t> </a:t>
+            </a:r>
+            <a:r>
+              <a:rPr lang="en-US" dirty="0" smtClean="0">
+                <a:solidFill>
+                  <a:schemeClr val="tx1"/>
+                </a:solidFill>
+              </a:rPr>
+              <a:t>and  executor</a:t>
             </a:r>
             <a:endParaRPr lang="en-US" dirty="0">
               <a:solidFill>
@@ -6630,7 +6654,7 @@
         </p:nvCxnSpPr>
         <p:spPr>
           <a:xfrm>
-            <a:off x="2247900" y="1981200"/>
+            <a:off x="1257300" y="1981200"/>
             <a:ext cx="38100" cy="304800"/>
           </a:xfrm>
           <a:prstGeom prst="straightConnector1">
@@ -6668,8 +6692,8 @@
           <p:nvPr/>
         </p:nvCxnSpPr>
         <p:spPr>
-          <a:xfrm flipH="1">
-            <a:off x="4191000" y="1981200"/>
+          <a:xfrm>
+            <a:off x="4171950" y="1981200"/>
             <a:ext cx="19050" cy="304800"/>
           </a:xfrm>
           <a:prstGeom prst="straightConnector1">
@@ -6708,7 +6732,7 @@
         </p:nvCxnSpPr>
         <p:spPr>
           <a:xfrm flipH="1">
-            <a:off x="6172200" y="1981200"/>
+            <a:off x="7467600" y="1981200"/>
             <a:ext cx="38100" cy="304800"/>
           </a:xfrm>
           <a:prstGeom prst="straightConnector1">
@@ -6744,18 +6768,16 @@
         </p:nvSpPr>
         <p:spPr>
           <a:xfrm>
-            <a:off x="1524000" y="1371600"/>
+            <a:off x="533400" y="1371600"/>
             <a:ext cx="1447800" cy="609600"/>
           </a:xfrm>
           <a:prstGeom prst="ellipse">
             <a:avLst/>
           </a:prstGeom>
-          <a:solidFill>
-            <a:schemeClr val="tx1">
-              <a:lumMod val="50000"/>
-              <a:lumOff val="50000"/>
-            </a:schemeClr>
-          </a:solidFill>
+          <a:noFill/>
+          <a:ln>
+            <a:noFill/>
+          </a:ln>
         </p:spPr>
         <p:style>
           <a:lnRef idx="2">
@@ -6779,10 +6801,18 @@
           <a:p>
             <a:pPr algn="ctr"/>
             <a:r>
-              <a:rPr lang="en-US" dirty="0" smtClean="0"/>
+              <a:rPr lang="en-US" dirty="0" smtClean="0">
+                <a:solidFill>
+                  <a:schemeClr val="tx1"/>
+                </a:solidFill>
+              </a:rPr>
               <a:t>Routing policy</a:t>
             </a:r>
-            <a:endParaRPr lang="en-US" dirty="0"/>
+            <a:endParaRPr lang="en-US" dirty="0">
+              <a:solidFill>
+                <a:schemeClr val="tx1"/>
+              </a:solidFill>
+            </a:endParaRPr>
           </a:p>
         </p:txBody>
       </p:sp>
@@ -6794,18 +6824,16 @@
         </p:nvSpPr>
         <p:spPr>
           <a:xfrm>
-            <a:off x="3276600" y="1371600"/>
+            <a:off x="3238500" y="1371600"/>
             <a:ext cx="1866900" cy="609600"/>
           </a:xfrm>
           <a:prstGeom prst="ellipse">
             <a:avLst/>
           </a:prstGeom>
-          <a:solidFill>
-            <a:schemeClr val="tx1">
-              <a:lumMod val="50000"/>
-              <a:lumOff val="50000"/>
-            </a:schemeClr>
-          </a:solidFill>
+          <a:noFill/>
+          <a:ln>
+            <a:noFill/>
+          </a:ln>
         </p:spPr>
         <p:style>
           <a:lnRef idx="2">
@@ -6829,10 +6857,18 @@
           <a:p>
             <a:pPr algn="ctr"/>
             <a:r>
-              <a:rPr lang="en-US" dirty="0" smtClean="0"/>
+              <a:rPr lang="en-US" dirty="0" smtClean="0">
+                <a:solidFill>
+                  <a:schemeClr val="tx1"/>
+                </a:solidFill>
+              </a:rPr>
               <a:t>Consistency property</a:t>
             </a:r>
-            <a:endParaRPr lang="en-US" dirty="0"/>
+            <a:endParaRPr lang="en-US" dirty="0">
+              <a:solidFill>
+                <a:schemeClr val="tx1"/>
+              </a:solidFill>
+            </a:endParaRPr>
           </a:p>
         </p:txBody>
       </p:sp>
@@ -6844,18 +6880,16 @@
         </p:nvSpPr>
         <p:spPr>
           <a:xfrm>
-            <a:off x="5486400" y="1371600"/>
-            <a:ext cx="1447800" cy="609600"/>
+            <a:off x="6400800" y="1371600"/>
+            <a:ext cx="2209800" cy="609600"/>
           </a:xfrm>
           <a:prstGeom prst="ellipse">
             <a:avLst/>
           </a:prstGeom>
-          <a:solidFill>
-            <a:schemeClr val="tx1">
-              <a:lumMod val="50000"/>
-              <a:lumOff val="50000"/>
-            </a:schemeClr>
-          </a:solidFill>
+          <a:noFill/>
+          <a:ln>
+            <a:noFill/>
+          </a:ln>
         </p:spPr>
         <p:style>
           <a:lnRef idx="2">
@@ -6879,13 +6913,209 @@
           <a:p>
             <a:pPr algn="ctr"/>
             <a:r>
+              <a:rPr lang="en-US" dirty="0" smtClean="0">
+                <a:solidFill>
+                  <a:schemeClr val="tx1"/>
+                </a:solidFill>
+              </a:rPr>
+              <a:t>Network </a:t>
+            </a:r>
+            <a:r>
+              <a:rPr lang="en-US" dirty="0" smtClean="0">
+                <a:solidFill>
+                  <a:schemeClr val="tx1"/>
+                </a:solidFill>
+              </a:rPr>
+              <a:t>characteristics</a:t>
+            </a:r>
+            <a:endParaRPr lang="en-US" dirty="0">
+              <a:solidFill>
+                <a:schemeClr val="tx1"/>
+              </a:solidFill>
+            </a:endParaRPr>
+          </a:p>
+        </p:txBody>
+      </p:sp>
+      <p:sp>
+        <p:nvSpPr>
+          <p:cNvPr id="13" name="Oval 12"/>
+          <p:cNvSpPr/>
+          <p:nvPr/>
+        </p:nvSpPr>
+        <p:spPr>
+          <a:xfrm>
+            <a:off x="2228850" y="2286000"/>
+            <a:ext cx="971550" cy="609600"/>
+          </a:xfrm>
+          <a:prstGeom prst="ellipse">
+            <a:avLst/>
+          </a:prstGeom>
+          <a:solidFill>
+            <a:schemeClr val="tx1">
+              <a:lumMod val="50000"/>
+              <a:lumOff val="50000"/>
+            </a:schemeClr>
+          </a:solidFill>
+        </p:spPr>
+        <p:style>
+          <a:lnRef idx="2">
+            <a:schemeClr val="accent1">
+              <a:shade val="50000"/>
+            </a:schemeClr>
+          </a:lnRef>
+          <a:fillRef idx="1">
+            <a:schemeClr val="accent1"/>
+          </a:fillRef>
+          <a:effectRef idx="0">
+            <a:schemeClr val="accent1"/>
+          </a:effectRef>
+          <a:fontRef idx="minor">
+            <a:schemeClr val="lt1"/>
+          </a:fontRef>
+        </p:style>
+        <p:txBody>
+          <a:bodyPr rtlCol="0" anchor="ctr"/>
+          <a:lstStyle/>
+          <a:p>
+            <a:pPr algn="ctr"/>
+            <a:r>
               <a:rPr lang="en-US" dirty="0" smtClean="0"/>
-              <a:t>Network model</a:t>
+              <a:t>New rules</a:t>
             </a:r>
             <a:endParaRPr lang="en-US" dirty="0"/>
           </a:p>
         </p:txBody>
       </p:sp>
+      <p:sp>
+        <p:nvSpPr>
+          <p:cNvPr id="15" name="Oval 14"/>
+          <p:cNvSpPr/>
+          <p:nvPr/>
+        </p:nvSpPr>
+        <p:spPr>
+          <a:xfrm>
+            <a:off x="5201568" y="2286000"/>
+            <a:ext cx="1275432" cy="609600"/>
+          </a:xfrm>
+          <a:prstGeom prst="ellipse">
+            <a:avLst/>
+          </a:prstGeom>
+          <a:solidFill>
+            <a:schemeClr val="tx1">
+              <a:lumMod val="50000"/>
+              <a:lumOff val="50000"/>
+            </a:schemeClr>
+          </a:solidFill>
+        </p:spPr>
+        <p:style>
+          <a:lnRef idx="2">
+            <a:schemeClr val="accent1">
+              <a:shade val="50000"/>
+            </a:schemeClr>
+          </a:lnRef>
+          <a:fillRef idx="1">
+            <a:schemeClr val="accent1"/>
+          </a:fillRef>
+          <a:effectRef idx="0">
+            <a:schemeClr val="accent1"/>
+          </a:effectRef>
+          <a:fontRef idx="minor">
+            <a:schemeClr val="lt1"/>
+          </a:fontRef>
+        </p:style>
+        <p:txBody>
+          <a:bodyPr rtlCol="0" anchor="ctr"/>
+          <a:lstStyle/>
+          <a:p>
+            <a:pPr algn="ctr"/>
+            <a:r>
+              <a:rPr lang="en-US" dirty="0" smtClean="0"/>
+              <a:t>Update DAG</a:t>
+            </a:r>
+            <a:endParaRPr lang="en-US" dirty="0"/>
+          </a:p>
+        </p:txBody>
+      </p:sp>
+      <p:cxnSp>
+        <p:nvCxnSpPr>
+          <p:cNvPr id="17" name="Straight Arrow Connector 16"/>
+          <p:cNvCxnSpPr>
+            <a:stCxn id="5" idx="1"/>
+            <a:endCxn id="13" idx="6"/>
+          </p:cNvCxnSpPr>
+          <p:nvPr/>
+        </p:nvCxnSpPr>
+        <p:spPr>
+          <a:xfrm flipH="1">
+            <a:off x="3200400" y="2590800"/>
+            <a:ext cx="228600" cy="0"/>
+          </a:xfrm>
+          <a:prstGeom prst="straightConnector1">
+            <a:avLst/>
+          </a:prstGeom>
+          <a:ln w="38100">
+            <a:solidFill>
+              <a:schemeClr val="tx1"/>
+            </a:solidFill>
+            <a:headEnd type="triangle" w="med" len="med"/>
+            <a:tailEnd type="none" w="med" len="med"/>
+          </a:ln>
+        </p:spPr>
+        <p:style>
+          <a:lnRef idx="1">
+            <a:schemeClr val="accent1"/>
+          </a:lnRef>
+          <a:fillRef idx="0">
+            <a:schemeClr val="accent1"/>
+          </a:fillRef>
+          <a:effectRef idx="0">
+            <a:schemeClr val="accent1"/>
+          </a:effectRef>
+          <a:fontRef idx="minor">
+            <a:schemeClr val="tx1"/>
+          </a:fontRef>
+        </p:style>
+      </p:cxnSp>
+      <p:cxnSp>
+        <p:nvCxnSpPr>
+          <p:cNvPr id="21" name="Straight Arrow Connector 20"/>
+          <p:cNvCxnSpPr>
+            <a:stCxn id="10" idx="1"/>
+            <a:endCxn id="15" idx="6"/>
+          </p:cNvCxnSpPr>
+          <p:nvPr/>
+        </p:nvCxnSpPr>
+        <p:spPr>
+          <a:xfrm flipH="1">
+            <a:off x="6477000" y="2590800"/>
+            <a:ext cx="228600" cy="0"/>
+          </a:xfrm>
+          <a:prstGeom prst="straightConnector1">
+            <a:avLst/>
+          </a:prstGeom>
+          <a:ln w="38100">
+            <a:solidFill>
+              <a:schemeClr val="tx1"/>
+            </a:solidFill>
+            <a:headEnd type="triangle" w="med" len="med"/>
+            <a:tailEnd type="none" w="med" len="med"/>
+          </a:ln>
+        </p:spPr>
+        <p:style>
+          <a:lnRef idx="1">
+            <a:schemeClr val="accent1"/>
+          </a:lnRef>
+          <a:fillRef idx="0">
+            <a:schemeClr val="accent1"/>
+          </a:fillRef>
+          <a:effectRef idx="0">
+            <a:schemeClr val="accent1"/>
+          </a:effectRef>
+          <a:fontRef idx="minor">
+            <a:schemeClr val="tx1"/>
+          </a:fontRef>
+        </p:style>
+      </p:cxnSp>
     </p:spTree>
     <p:extLst>
       <p:ext uri="{BB962C8B-B14F-4D97-AF65-F5344CB8AC3E}">

--- a/figures/allfigures.pptx
+++ b/figures/allfigures.pptx
@@ -9,6 +9,7 @@
     <p:sldId id="257" r:id="rId3"/>
     <p:sldId id="258" r:id="rId4"/>
     <p:sldId id="260" r:id="rId5"/>
+    <p:sldId id="261" r:id="rId6"/>
   </p:sldIdLst>
   <p:sldSz cx="9144000" cy="6858000" type="screen4x3"/>
   <p:notesSz cx="6858000" cy="9144000"/>
@@ -109,7 +110,7 @@
   </p:defaultTextStyle>
   <p:extLst>
     <p:ext uri="{EFAFB233-063F-42B5-8137-9DF3F51BA10A}">
-      <p15:sldGuideLst xmlns:p15="http://schemas.microsoft.com/office/powerpoint/2012/main">
+      <p15:sldGuideLst xmlns:p15="http://schemas.microsoft.com/office/powerpoint/2012/main" xmlns="">
         <p15:guide id="1" orient="horz" pos="2160">
           <p15:clr>
             <a:srgbClr val="A4A3A4"/>
@@ -124,6 +125,816 @@
     </p:ext>
   </p:extLst>
 </p:presentation>
+</file>
+
+<file path=ppt/charts/chart1.xml><?xml version="1.0" encoding="utf-8"?>
+<c:chartSpace xmlns:c="http://schemas.openxmlformats.org/drawingml/2006/chart" xmlns:a="http://schemas.openxmlformats.org/drawingml/2006/main" xmlns:r="http://schemas.openxmlformats.org/officeDocument/2006/relationships">
+  <c:date1904 val="0"/>
+  <c:lang val="en-US"/>
+  <c:roundedCorners val="0"/>
+  <mc:AlternateContent xmlns:mc="http://schemas.openxmlformats.org/markup-compatibility/2006">
+    <mc:Choice xmlns:c14="http://schemas.microsoft.com/office/drawing/2007/8/2/chart" Requires="c14">
+      <c14:style val="101"/>
+    </mc:Choice>
+    <mc:Fallback>
+      <c:style val="1"/>
+    </mc:Fallback>
+  </mc:AlternateContent>
+  <c:chart>
+    <c:autoTitleDeleted val="1"/>
+    <c:plotArea>
+      <c:layout/>
+      <c:barChart>
+        <c:barDir val="col"/>
+        <c:grouping val="percentStacked"/>
+        <c:varyColors val="0"/>
+        <c:ser>
+          <c:idx val="0"/>
+          <c:order val="0"/>
+          <c:tx>
+            <c:strRef>
+              <c:f>'[new summary.xlsx]6461'!$Q$24</c:f>
+              <c:strCache>
+                <c:ptCount val="1"/>
+                <c:pt idx="0">
+                  <c:v>0</c:v>
+                </c:pt>
+              </c:strCache>
+            </c:strRef>
+          </c:tx>
+          <c:spPr>
+            <a:solidFill>
+              <a:schemeClr val="dk1">
+                <a:tint val="88500"/>
+              </a:schemeClr>
+            </a:solidFill>
+            <a:ln>
+              <a:noFill/>
+            </a:ln>
+            <a:effectLst/>
+          </c:spPr>
+          <c:invertIfNegative val="0"/>
+          <c:cat>
+            <c:numRef>
+              <c:f>'[new summary.xlsx]6461'!$R$23:$W$23</c:f>
+              <c:numCache>
+                <c:formatCode>General</c:formatCode>
+                <c:ptCount val="6"/>
+                <c:pt idx="0">
+                  <c:v>1221</c:v>
+                </c:pt>
+                <c:pt idx="1">
+                  <c:v>1239</c:v>
+                </c:pt>
+                <c:pt idx="2">
+                  <c:v>1755</c:v>
+                </c:pt>
+                <c:pt idx="3">
+                  <c:v>3257</c:v>
+                </c:pt>
+                <c:pt idx="4">
+                  <c:v>3967</c:v>
+                </c:pt>
+                <c:pt idx="5">
+                  <c:v>6461</c:v>
+                </c:pt>
+              </c:numCache>
+            </c:numRef>
+          </c:cat>
+          <c:val>
+            <c:numRef>
+              <c:f>'[new summary.xlsx]6461'!$R$24:$W$24</c:f>
+              <c:numCache>
+                <c:formatCode>General</c:formatCode>
+                <c:ptCount val="6"/>
+                <c:pt idx="0">
+                  <c:v>0.1787037037037037</c:v>
+                </c:pt>
+                <c:pt idx="1">
+                  <c:v>0.12130835185773262</c:v>
+                </c:pt>
+                <c:pt idx="2">
+                  <c:v>0.17701149425287357</c:v>
+                </c:pt>
+                <c:pt idx="3">
+                  <c:v>0.17515527950310558</c:v>
+                </c:pt>
+                <c:pt idx="4">
+                  <c:v>0.18227848101265823</c:v>
+                </c:pt>
+                <c:pt idx="5">
+                  <c:v>0.27304964539007093</c:v>
+                </c:pt>
+              </c:numCache>
+            </c:numRef>
+          </c:val>
+        </c:ser>
+        <c:ser>
+          <c:idx val="1"/>
+          <c:order val="1"/>
+          <c:tx>
+            <c:strRef>
+              <c:f>'[new summary.xlsx]6461'!$Q$25</c:f>
+              <c:strCache>
+                <c:ptCount val="1"/>
+                <c:pt idx="0">
+                  <c:v>1</c:v>
+                </c:pt>
+              </c:strCache>
+            </c:strRef>
+          </c:tx>
+          <c:spPr>
+            <a:solidFill>
+              <a:schemeClr val="dk1">
+                <a:tint val="55000"/>
+              </a:schemeClr>
+            </a:solidFill>
+            <a:ln>
+              <a:noFill/>
+            </a:ln>
+            <a:effectLst/>
+          </c:spPr>
+          <c:invertIfNegative val="0"/>
+          <c:cat>
+            <c:numRef>
+              <c:f>'[new summary.xlsx]6461'!$R$23:$W$23</c:f>
+              <c:numCache>
+                <c:formatCode>General</c:formatCode>
+                <c:ptCount val="6"/>
+                <c:pt idx="0">
+                  <c:v>1221</c:v>
+                </c:pt>
+                <c:pt idx="1">
+                  <c:v>1239</c:v>
+                </c:pt>
+                <c:pt idx="2">
+                  <c:v>1755</c:v>
+                </c:pt>
+                <c:pt idx="3">
+                  <c:v>3257</c:v>
+                </c:pt>
+                <c:pt idx="4">
+                  <c:v>3967</c:v>
+                </c:pt>
+                <c:pt idx="5">
+                  <c:v>6461</c:v>
+                </c:pt>
+              </c:numCache>
+            </c:numRef>
+          </c:cat>
+          <c:val>
+            <c:numRef>
+              <c:f>'[new summary.xlsx]6461'!$R$25:$W$25</c:f>
+              <c:numCache>
+                <c:formatCode>General</c:formatCode>
+                <c:ptCount val="6"/>
+                <c:pt idx="0">
+                  <c:v>0.29629629629629628</c:v>
+                </c:pt>
+                <c:pt idx="1">
+                  <c:v>0.39663385201651319</c:v>
+                </c:pt>
+                <c:pt idx="2">
+                  <c:v>0.29310344827586204</c:v>
+                </c:pt>
+                <c:pt idx="3">
+                  <c:v>0.33726708074534162</c:v>
+                </c:pt>
+                <c:pt idx="4">
+                  <c:v>0.25316455696202533</c:v>
+                </c:pt>
+                <c:pt idx="5">
+                  <c:v>0.2397163120567376</c:v>
+                </c:pt>
+              </c:numCache>
+            </c:numRef>
+          </c:val>
+        </c:ser>
+        <c:ser>
+          <c:idx val="2"/>
+          <c:order val="2"/>
+          <c:tx>
+            <c:strRef>
+              <c:f>'[new summary.xlsx]6461'!$Q$26</c:f>
+              <c:strCache>
+                <c:ptCount val="1"/>
+                <c:pt idx="0">
+                  <c:v>2</c:v>
+                </c:pt>
+              </c:strCache>
+            </c:strRef>
+          </c:tx>
+          <c:spPr>
+            <a:solidFill>
+              <a:schemeClr val="dk1">
+                <a:tint val="75000"/>
+              </a:schemeClr>
+            </a:solidFill>
+            <a:ln>
+              <a:noFill/>
+            </a:ln>
+            <a:effectLst/>
+          </c:spPr>
+          <c:invertIfNegative val="0"/>
+          <c:cat>
+            <c:numRef>
+              <c:f>'[new summary.xlsx]6461'!$R$23:$W$23</c:f>
+              <c:numCache>
+                <c:formatCode>General</c:formatCode>
+                <c:ptCount val="6"/>
+                <c:pt idx="0">
+                  <c:v>1221</c:v>
+                </c:pt>
+                <c:pt idx="1">
+                  <c:v>1239</c:v>
+                </c:pt>
+                <c:pt idx="2">
+                  <c:v>1755</c:v>
+                </c:pt>
+                <c:pt idx="3">
+                  <c:v>3257</c:v>
+                </c:pt>
+                <c:pt idx="4">
+                  <c:v>3967</c:v>
+                </c:pt>
+                <c:pt idx="5">
+                  <c:v>6461</c:v>
+                </c:pt>
+              </c:numCache>
+            </c:numRef>
+          </c:cat>
+          <c:val>
+            <c:numRef>
+              <c:f>'[new summary.xlsx]6461'!$R$26:$W$26</c:f>
+              <c:numCache>
+                <c:formatCode>General</c:formatCode>
+                <c:ptCount val="6"/>
+                <c:pt idx="0">
+                  <c:v>0.2898148148148148</c:v>
+                </c:pt>
+                <c:pt idx="1">
+                  <c:v>0.31311527469037792</c:v>
+                </c:pt>
+                <c:pt idx="2">
+                  <c:v>0.28620689655172415</c:v>
+                </c:pt>
+                <c:pt idx="3">
+                  <c:v>0.29130434782608694</c:v>
+                </c:pt>
+                <c:pt idx="4">
+                  <c:v>0.26962025316455696</c:v>
+                </c:pt>
+                <c:pt idx="5">
+                  <c:v>0.30709219858156028</c:v>
+                </c:pt>
+              </c:numCache>
+            </c:numRef>
+          </c:val>
+        </c:ser>
+        <c:ser>
+          <c:idx val="3"/>
+          <c:order val="3"/>
+          <c:tx>
+            <c:strRef>
+              <c:f>'[new summary.xlsx]6461'!$Q$27</c:f>
+              <c:strCache>
+                <c:ptCount val="1"/>
+                <c:pt idx="0">
+                  <c:v>3</c:v>
+                </c:pt>
+              </c:strCache>
+            </c:strRef>
+          </c:tx>
+          <c:spPr>
+            <a:solidFill>
+              <a:schemeClr val="dk1">
+                <a:tint val="98500"/>
+              </a:schemeClr>
+            </a:solidFill>
+            <a:ln>
+              <a:noFill/>
+            </a:ln>
+            <a:effectLst/>
+          </c:spPr>
+          <c:invertIfNegative val="0"/>
+          <c:cat>
+            <c:numRef>
+              <c:f>'[new summary.xlsx]6461'!$R$23:$W$23</c:f>
+              <c:numCache>
+                <c:formatCode>General</c:formatCode>
+                <c:ptCount val="6"/>
+                <c:pt idx="0">
+                  <c:v>1221</c:v>
+                </c:pt>
+                <c:pt idx="1">
+                  <c:v>1239</c:v>
+                </c:pt>
+                <c:pt idx="2">
+                  <c:v>1755</c:v>
+                </c:pt>
+                <c:pt idx="3">
+                  <c:v>3257</c:v>
+                </c:pt>
+                <c:pt idx="4">
+                  <c:v>3967</c:v>
+                </c:pt>
+                <c:pt idx="5">
+                  <c:v>6461</c:v>
+                </c:pt>
+              </c:numCache>
+            </c:numRef>
+          </c:cat>
+          <c:val>
+            <c:numRef>
+              <c:f>'[new summary.xlsx]6461'!$R$27:$W$27</c:f>
+              <c:numCache>
+                <c:formatCode>General</c:formatCode>
+                <c:ptCount val="6"/>
+                <c:pt idx="0">
+                  <c:v>0.15555555555555556</c:v>
+                </c:pt>
+                <c:pt idx="1">
+                  <c:v>0.12575420768497936</c:v>
+                </c:pt>
+                <c:pt idx="2">
+                  <c:v>0.16206896551724137</c:v>
+                </c:pt>
+                <c:pt idx="3">
+                  <c:v>0.1515527950310559</c:v>
+                </c:pt>
+                <c:pt idx="4">
+                  <c:v>0.19873417721518988</c:v>
+                </c:pt>
+                <c:pt idx="5">
+                  <c:v>0.12624113475177304</c:v>
+                </c:pt>
+              </c:numCache>
+            </c:numRef>
+          </c:val>
+        </c:ser>
+        <c:ser>
+          <c:idx val="4"/>
+          <c:order val="4"/>
+          <c:tx>
+            <c:strRef>
+              <c:f>'[new summary.xlsx]6461'!$Q$28</c:f>
+              <c:strCache>
+                <c:ptCount val="1"/>
+                <c:pt idx="0">
+                  <c:v>4</c:v>
+                </c:pt>
+              </c:strCache>
+            </c:strRef>
+          </c:tx>
+          <c:spPr>
+            <a:solidFill>
+              <a:schemeClr val="dk1">
+                <a:tint val="30000"/>
+              </a:schemeClr>
+            </a:solidFill>
+            <a:ln>
+              <a:noFill/>
+            </a:ln>
+            <a:effectLst/>
+          </c:spPr>
+          <c:invertIfNegative val="0"/>
+          <c:cat>
+            <c:numRef>
+              <c:f>'[new summary.xlsx]6461'!$R$23:$W$23</c:f>
+              <c:numCache>
+                <c:formatCode>General</c:formatCode>
+                <c:ptCount val="6"/>
+                <c:pt idx="0">
+                  <c:v>1221</c:v>
+                </c:pt>
+                <c:pt idx="1">
+                  <c:v>1239</c:v>
+                </c:pt>
+                <c:pt idx="2">
+                  <c:v>1755</c:v>
+                </c:pt>
+                <c:pt idx="3">
+                  <c:v>3257</c:v>
+                </c:pt>
+                <c:pt idx="4">
+                  <c:v>3967</c:v>
+                </c:pt>
+                <c:pt idx="5">
+                  <c:v>6461</c:v>
+                </c:pt>
+              </c:numCache>
+            </c:numRef>
+          </c:cat>
+          <c:val>
+            <c:numRef>
+              <c:f>'[new summary.xlsx]6461'!$R$28:$W$28</c:f>
+              <c:numCache>
+                <c:formatCode>General</c:formatCode>
+                <c:ptCount val="6"/>
+                <c:pt idx="0">
+                  <c:v>7.4999999999999997E-2</c:v>
+                </c:pt>
+                <c:pt idx="1">
+                  <c:v>3.3343918704350585E-2</c:v>
+                </c:pt>
+                <c:pt idx="2">
+                  <c:v>5.7471264367816091E-2</c:v>
+                </c:pt>
+                <c:pt idx="3">
+                  <c:v>3.9130434782608699E-2</c:v>
+                </c:pt>
+                <c:pt idx="4">
+                  <c:v>7.9746835443037969E-2</c:v>
+                </c:pt>
+                <c:pt idx="5">
+                  <c:v>3.8297872340425532E-2</c:v>
+                </c:pt>
+              </c:numCache>
+            </c:numRef>
+          </c:val>
+        </c:ser>
+        <c:ser>
+          <c:idx val="5"/>
+          <c:order val="5"/>
+          <c:tx>
+            <c:strRef>
+              <c:f>'[new summary.xlsx]6461'!$Q$29</c:f>
+              <c:strCache>
+                <c:ptCount val="1"/>
+                <c:pt idx="0">
+                  <c:v>5</c:v>
+                </c:pt>
+              </c:strCache>
+            </c:strRef>
+          </c:tx>
+          <c:spPr>
+            <a:solidFill>
+              <a:schemeClr val="dk1">
+                <a:tint val="60000"/>
+              </a:schemeClr>
+            </a:solidFill>
+            <a:ln>
+              <a:noFill/>
+            </a:ln>
+            <a:effectLst/>
+          </c:spPr>
+          <c:invertIfNegative val="0"/>
+          <c:cat>
+            <c:numRef>
+              <c:f>'[new summary.xlsx]6461'!$R$23:$W$23</c:f>
+              <c:numCache>
+                <c:formatCode>General</c:formatCode>
+                <c:ptCount val="6"/>
+                <c:pt idx="0">
+                  <c:v>1221</c:v>
+                </c:pt>
+                <c:pt idx="1">
+                  <c:v>1239</c:v>
+                </c:pt>
+                <c:pt idx="2">
+                  <c:v>1755</c:v>
+                </c:pt>
+                <c:pt idx="3">
+                  <c:v>3257</c:v>
+                </c:pt>
+                <c:pt idx="4">
+                  <c:v>3967</c:v>
+                </c:pt>
+                <c:pt idx="5">
+                  <c:v>6461</c:v>
+                </c:pt>
+              </c:numCache>
+            </c:numRef>
+          </c:cat>
+          <c:val>
+            <c:numRef>
+              <c:f>'[new summary.xlsx]6461'!$R$29:$W$29</c:f>
+              <c:numCache>
+                <c:formatCode>General</c:formatCode>
+                <c:ptCount val="6"/>
+                <c:pt idx="0">
+                  <c:v>4.6296296296296294E-3</c:v>
+                </c:pt>
+                <c:pt idx="1">
+                  <c:v>8.2565893934582399E-3</c:v>
+                </c:pt>
+                <c:pt idx="2">
+                  <c:v>1.8390804597701149E-2</c:v>
+                </c:pt>
+                <c:pt idx="3">
+                  <c:v>5.5900621118012426E-3</c:v>
+                </c:pt>
+                <c:pt idx="4">
+                  <c:v>1.6455696202531647E-2</c:v>
+                </c:pt>
+                <c:pt idx="5">
+                  <c:v>1.5602836879432624E-2</c:v>
+                </c:pt>
+              </c:numCache>
+            </c:numRef>
+          </c:val>
+        </c:ser>
+        <c:ser>
+          <c:idx val="6"/>
+          <c:order val="6"/>
+          <c:tx>
+            <c:strRef>
+              <c:f>'[new summary.xlsx]6461'!$Q$30</c:f>
+              <c:strCache>
+                <c:ptCount val="1"/>
+                <c:pt idx="0">
+                  <c:v>6</c:v>
+                </c:pt>
+              </c:strCache>
+            </c:strRef>
+          </c:tx>
+          <c:spPr>
+            <a:solidFill>
+              <a:schemeClr val="dk1">
+                <a:tint val="80000"/>
+              </a:schemeClr>
+            </a:solidFill>
+            <a:ln>
+              <a:noFill/>
+            </a:ln>
+            <a:effectLst/>
+          </c:spPr>
+          <c:invertIfNegative val="0"/>
+          <c:cat>
+            <c:numRef>
+              <c:f>'[new summary.xlsx]6461'!$R$23:$W$23</c:f>
+              <c:numCache>
+                <c:formatCode>General</c:formatCode>
+                <c:ptCount val="6"/>
+                <c:pt idx="0">
+                  <c:v>1221</c:v>
+                </c:pt>
+                <c:pt idx="1">
+                  <c:v>1239</c:v>
+                </c:pt>
+                <c:pt idx="2">
+                  <c:v>1755</c:v>
+                </c:pt>
+                <c:pt idx="3">
+                  <c:v>3257</c:v>
+                </c:pt>
+                <c:pt idx="4">
+                  <c:v>3967</c:v>
+                </c:pt>
+                <c:pt idx="5">
+                  <c:v>6461</c:v>
+                </c:pt>
+              </c:numCache>
+            </c:numRef>
+          </c:cat>
+          <c:val>
+            <c:numRef>
+              <c:f>'[new summary.xlsx]6461'!$R$30:$W$30</c:f>
+              <c:numCache>
+                <c:formatCode>General</c:formatCode>
+                <c:ptCount val="6"/>
+                <c:pt idx="0">
+                  <c:v>0</c:v>
+                </c:pt>
+                <c:pt idx="1">
+                  <c:v>1.5878056525881232E-3</c:v>
+                </c:pt>
+                <c:pt idx="2">
+                  <c:v>5.7471264367816091E-3</c:v>
+                </c:pt>
+                <c:pt idx="3">
+                  <c:v>0</c:v>
+                </c:pt>
+                <c:pt idx="4">
+                  <c:v>0</c:v>
+                </c:pt>
+                <c:pt idx="5">
+                  <c:v>0</c:v>
+                </c:pt>
+              </c:numCache>
+            </c:numRef>
+          </c:val>
+        </c:ser>
+        <c:ser>
+          <c:idx val="7"/>
+          <c:order val="7"/>
+          <c:tx>
+            <c:strRef>
+              <c:f>'[new summary.xlsx]6461'!$Q$31</c:f>
+              <c:strCache>
+                <c:ptCount val="1"/>
+                <c:pt idx="0">
+                  <c:v>7</c:v>
+                </c:pt>
+              </c:strCache>
+            </c:strRef>
+          </c:tx>
+          <c:spPr>
+            <a:solidFill>
+              <a:schemeClr val="dk1">
+                <a:tint val="88500"/>
+              </a:schemeClr>
+            </a:solidFill>
+            <a:ln>
+              <a:noFill/>
+            </a:ln>
+            <a:effectLst/>
+          </c:spPr>
+          <c:invertIfNegative val="0"/>
+          <c:cat>
+            <c:numRef>
+              <c:f>'[new summary.xlsx]6461'!$R$23:$W$23</c:f>
+              <c:numCache>
+                <c:formatCode>General</c:formatCode>
+                <c:ptCount val="6"/>
+                <c:pt idx="0">
+                  <c:v>1221</c:v>
+                </c:pt>
+                <c:pt idx="1">
+                  <c:v>1239</c:v>
+                </c:pt>
+                <c:pt idx="2">
+                  <c:v>1755</c:v>
+                </c:pt>
+                <c:pt idx="3">
+                  <c:v>3257</c:v>
+                </c:pt>
+                <c:pt idx="4">
+                  <c:v>3967</c:v>
+                </c:pt>
+                <c:pt idx="5">
+                  <c:v>6461</c:v>
+                </c:pt>
+              </c:numCache>
+            </c:numRef>
+          </c:cat>
+          <c:val>
+            <c:numRef>
+              <c:f>'[new summary.xlsx]6461'!$R$31:$W$31</c:f>
+              <c:numCache>
+                <c:formatCode>General</c:formatCode>
+                <c:ptCount val="6"/>
+                <c:pt idx="0">
+                  <c:v>0</c:v>
+                </c:pt>
+                <c:pt idx="1">
+                  <c:v>3.1756113051762465E-4</c:v>
+                </c:pt>
+                <c:pt idx="2">
+                  <c:v>0</c:v>
+                </c:pt>
+                <c:pt idx="3">
+                  <c:v>0</c:v>
+                </c:pt>
+                <c:pt idx="4">
+                  <c:v>0</c:v>
+                </c:pt>
+                <c:pt idx="5">
+                  <c:v>0</c:v>
+                </c:pt>
+              </c:numCache>
+            </c:numRef>
+          </c:val>
+        </c:ser>
+        <c:dLbls>
+          <c:showLegendKey val="0"/>
+          <c:showVal val="0"/>
+          <c:showCatName val="0"/>
+          <c:showSerName val="0"/>
+          <c:showPercent val="0"/>
+          <c:showBubbleSize val="0"/>
+        </c:dLbls>
+        <c:gapWidth val="150"/>
+        <c:overlap val="100"/>
+        <c:axId val="55878400"/>
+        <c:axId val="55879936"/>
+      </c:barChart>
+      <c:catAx>
+        <c:axId val="55878400"/>
+        <c:scaling>
+          <c:orientation val="minMax"/>
+        </c:scaling>
+        <c:delete val="0"/>
+        <c:axPos val="b"/>
+        <c:numFmt formatCode="General" sourceLinked="1"/>
+        <c:majorTickMark val="none"/>
+        <c:minorTickMark val="none"/>
+        <c:tickLblPos val="nextTo"/>
+        <c:spPr>
+          <a:noFill/>
+          <a:ln>
+            <a:noFill/>
+          </a:ln>
+          <a:effectLst/>
+        </c:spPr>
+        <c:txPr>
+          <a:bodyPr rot="-60000000" vert="horz"/>
+          <a:lstStyle/>
+          <a:p>
+            <a:pPr>
+              <a:defRPr/>
+            </a:pPr>
+            <a:endParaRPr lang="en-US"/>
+          </a:p>
+        </c:txPr>
+        <c:crossAx val="55879936"/>
+        <c:crosses val="autoZero"/>
+        <c:auto val="1"/>
+        <c:lblAlgn val="ctr"/>
+        <c:lblOffset val="100"/>
+        <c:noMultiLvlLbl val="0"/>
+      </c:catAx>
+      <c:valAx>
+        <c:axId val="55879936"/>
+        <c:scaling>
+          <c:orientation val="minMax"/>
+          <c:max val="1"/>
+        </c:scaling>
+        <c:delete val="0"/>
+        <c:axPos val="l"/>
+        <c:majorGridlines>
+          <c:spPr>
+            <a:ln w="9525" cap="flat" cmpd="sng" algn="ctr">
+              <a:solidFill>
+                <a:schemeClr val="tx1">
+                  <a:lumMod val="15000"/>
+                  <a:lumOff val="85000"/>
+                </a:schemeClr>
+              </a:solidFill>
+              <a:round/>
+            </a:ln>
+            <a:effectLst/>
+          </c:spPr>
+        </c:majorGridlines>
+        <c:numFmt formatCode="0%" sourceLinked="1"/>
+        <c:majorTickMark val="none"/>
+        <c:minorTickMark val="none"/>
+        <c:tickLblPos val="nextTo"/>
+        <c:spPr>
+          <a:noFill/>
+          <a:ln>
+            <a:noFill/>
+          </a:ln>
+          <a:effectLst/>
+        </c:spPr>
+        <c:txPr>
+          <a:bodyPr rot="-60000000" vert="horz"/>
+          <a:lstStyle/>
+          <a:p>
+            <a:pPr>
+              <a:defRPr/>
+            </a:pPr>
+            <a:endParaRPr lang="en-US"/>
+          </a:p>
+        </c:txPr>
+        <c:crossAx val="55878400"/>
+        <c:crosses val="autoZero"/>
+        <c:crossBetween val="between"/>
+      </c:valAx>
+    </c:plotArea>
+    <c:legend>
+      <c:legendPos val="b"/>
+      <c:layout/>
+      <c:overlay val="0"/>
+      <c:spPr>
+        <a:noFill/>
+        <a:ln>
+          <a:noFill/>
+        </a:ln>
+        <a:effectLst/>
+      </c:spPr>
+      <c:txPr>
+        <a:bodyPr rot="0" vert="horz"/>
+        <a:lstStyle/>
+        <a:p>
+          <a:pPr>
+            <a:defRPr/>
+          </a:pPr>
+          <a:endParaRPr lang="en-US"/>
+        </a:p>
+      </c:txPr>
+    </c:legend>
+    <c:plotVisOnly val="1"/>
+    <c:dispBlanksAs val="gap"/>
+    <c:showDLblsOverMax val="0"/>
+  </c:chart>
+  <c:txPr>
+    <a:bodyPr/>
+    <a:lstStyle/>
+    <a:p>
+      <a:pPr>
+        <a:defRPr sz="1800">
+          <a:latin typeface="Times New Roman" pitchFamily="18" charset="0"/>
+          <a:cs typeface="Times New Roman" pitchFamily="18" charset="0"/>
+        </a:defRPr>
+      </a:pPr>
+      <a:endParaRPr lang="en-US"/>
+    </a:p>
+  </c:txPr>
+  <c:externalData r:id="rId1">
+    <c:autoUpdate val="0"/>
+  </c:externalData>
+</c:chartSpace>
 </file>
 
 <file path=ppt/slideLayouts/slideLayout1.xml><?xml version="1.0" encoding="utf-8"?>
@@ -6406,6 +7217,8 @@
                 <a:solidFill>
                   <a:schemeClr val="tx1"/>
                 </a:solidFill>
+                <a:latin typeface="Times New Roman" pitchFamily="18" charset="0"/>
+                <a:cs typeface="Times New Roman" pitchFamily="18" charset="0"/>
               </a:rPr>
               <a:t>R</a:t>
             </a:r>
@@ -6414,6 +7227,8 @@
                 <a:solidFill>
                   <a:schemeClr val="tx1"/>
                 </a:solidFill>
+                <a:latin typeface="Times New Roman" pitchFamily="18" charset="0"/>
+                <a:cs typeface="Times New Roman" pitchFamily="18" charset="0"/>
               </a:rPr>
               <a:t>ule generator</a:t>
             </a:r>
@@ -6421,6 +7236,8 @@
               <a:solidFill>
                 <a:schemeClr val="tx1"/>
               </a:solidFill>
+              <a:latin typeface="Times New Roman" pitchFamily="18" charset="0"/>
+              <a:cs typeface="Times New Roman" pitchFamily="18" charset="0"/>
             </a:endParaRPr>
           </a:p>
         </p:txBody>
@@ -6472,21 +7289,17 @@
                 <a:solidFill>
                   <a:schemeClr val="tx1"/>
                 </a:solidFill>
+                <a:latin typeface="Times New Roman" pitchFamily="18" charset="0"/>
+                <a:cs typeface="Times New Roman" pitchFamily="18" charset="0"/>
               </a:rPr>
-              <a:t>Update </a:t>
-            </a:r>
-            <a:r>
-              <a:rPr lang="en-US" dirty="0" smtClean="0">
-                <a:solidFill>
-                  <a:schemeClr val="tx1"/>
-                </a:solidFill>
-              </a:rPr>
-              <a:t>plan generator</a:t>
+              <a:t>Update plan generator</a:t>
             </a:r>
             <a:endParaRPr lang="en-US" dirty="0">
               <a:solidFill>
                 <a:schemeClr val="tx1"/>
               </a:solidFill>
+              <a:latin typeface="Times New Roman" pitchFamily="18" charset="0"/>
+              <a:cs typeface="Times New Roman" pitchFamily="18" charset="0"/>
             </a:endParaRPr>
           </a:p>
         </p:txBody>
@@ -6616,6 +7429,8 @@
                 <a:solidFill>
                   <a:schemeClr val="tx1"/>
                 </a:solidFill>
+                <a:latin typeface="Times New Roman" pitchFamily="18" charset="0"/>
+                <a:cs typeface="Times New Roman" pitchFamily="18" charset="0"/>
               </a:rPr>
               <a:t>Plan optimizer</a:t>
             </a:r>
@@ -6624,6 +7439,8 @@
                 <a:solidFill>
                   <a:schemeClr val="tx1"/>
                 </a:solidFill>
+                <a:latin typeface="Times New Roman" pitchFamily="18" charset="0"/>
+                <a:cs typeface="Times New Roman" pitchFamily="18" charset="0"/>
               </a:rPr>
               <a:t> </a:t>
             </a:r>
@@ -6632,6 +7449,8 @@
                 <a:solidFill>
                   <a:schemeClr val="tx1"/>
                 </a:solidFill>
+                <a:latin typeface="Times New Roman" pitchFamily="18" charset="0"/>
+                <a:cs typeface="Times New Roman" pitchFamily="18" charset="0"/>
               </a:rPr>
               <a:t>and  executor</a:t>
             </a:r>
@@ -6639,6 +7458,8 @@
               <a:solidFill>
                 <a:schemeClr val="tx1"/>
               </a:solidFill>
+              <a:latin typeface="Times New Roman" pitchFamily="18" charset="0"/>
+              <a:cs typeface="Times New Roman" pitchFamily="18" charset="0"/>
             </a:endParaRPr>
           </a:p>
         </p:txBody>
@@ -6654,8 +7475,8 @@
         </p:nvCxnSpPr>
         <p:spPr>
           <a:xfrm>
-            <a:off x="1257300" y="1981200"/>
-            <a:ext cx="38100" cy="304800"/>
+            <a:off x="1295400" y="1981200"/>
+            <a:ext cx="0" cy="304800"/>
           </a:xfrm>
           <a:prstGeom prst="straightConnector1">
             <a:avLst/>
@@ -6693,8 +7514,8 @@
         </p:nvCxnSpPr>
         <p:spPr>
           <a:xfrm>
-            <a:off x="4171950" y="1981200"/>
-            <a:ext cx="19050" cy="304800"/>
+            <a:off x="4191000" y="1981200"/>
+            <a:ext cx="0" cy="304800"/>
           </a:xfrm>
           <a:prstGeom prst="straightConnector1">
             <a:avLst/>
@@ -6731,9 +7552,9 @@
           <p:nvPr/>
         </p:nvCxnSpPr>
         <p:spPr>
-          <a:xfrm flipH="1">
+          <a:xfrm>
             <a:off x="7467600" y="1981200"/>
-            <a:ext cx="38100" cy="304800"/>
+            <a:ext cx="0" cy="304800"/>
           </a:xfrm>
           <a:prstGeom prst="straightConnector1">
             <a:avLst/>
@@ -6768,7 +7589,7 @@
         </p:nvSpPr>
         <p:spPr>
           <a:xfrm>
-            <a:off x="533400" y="1371600"/>
+            <a:off x="571500" y="1371600"/>
             <a:ext cx="1447800" cy="609600"/>
           </a:xfrm>
           <a:prstGeom prst="ellipse">
@@ -6805,6 +7626,8 @@
                 <a:solidFill>
                   <a:schemeClr val="tx1"/>
                 </a:solidFill>
+                <a:latin typeface="Times New Roman" pitchFamily="18" charset="0"/>
+                <a:cs typeface="Times New Roman" pitchFamily="18" charset="0"/>
               </a:rPr>
               <a:t>Routing policy</a:t>
             </a:r>
@@ -6812,6 +7635,8 @@
               <a:solidFill>
                 <a:schemeClr val="tx1"/>
               </a:solidFill>
+              <a:latin typeface="Times New Roman" pitchFamily="18" charset="0"/>
+              <a:cs typeface="Times New Roman" pitchFamily="18" charset="0"/>
             </a:endParaRPr>
           </a:p>
         </p:txBody>
@@ -6824,7 +7649,7 @@
         </p:nvSpPr>
         <p:spPr>
           <a:xfrm>
-            <a:off x="3238500" y="1371600"/>
+            <a:off x="3257550" y="1371600"/>
             <a:ext cx="1866900" cy="609600"/>
           </a:xfrm>
           <a:prstGeom prst="ellipse">
@@ -6861,6 +7686,8 @@
                 <a:solidFill>
                   <a:schemeClr val="tx1"/>
                 </a:solidFill>
+                <a:latin typeface="Times New Roman" pitchFamily="18" charset="0"/>
+                <a:cs typeface="Times New Roman" pitchFamily="18" charset="0"/>
               </a:rPr>
               <a:t>Consistency property</a:t>
             </a:r>
@@ -6868,6 +7695,8 @@
               <a:solidFill>
                 <a:schemeClr val="tx1"/>
               </a:solidFill>
+              <a:latin typeface="Times New Roman" pitchFamily="18" charset="0"/>
+              <a:cs typeface="Times New Roman" pitchFamily="18" charset="0"/>
             </a:endParaRPr>
           </a:p>
         </p:txBody>
@@ -6880,7 +7709,7 @@
         </p:nvSpPr>
         <p:spPr>
           <a:xfrm>
-            <a:off x="6400800" y="1371600"/>
+            <a:off x="6362700" y="1371600"/>
             <a:ext cx="2209800" cy="609600"/>
           </a:xfrm>
           <a:prstGeom prst="ellipse">
@@ -6917,21 +7746,17 @@
                 <a:solidFill>
                   <a:schemeClr val="tx1"/>
                 </a:solidFill>
+                <a:latin typeface="Times New Roman" pitchFamily="18" charset="0"/>
+                <a:cs typeface="Times New Roman" pitchFamily="18" charset="0"/>
               </a:rPr>
-              <a:t>Network </a:t>
-            </a:r>
-            <a:r>
-              <a:rPr lang="en-US" dirty="0" smtClean="0">
-                <a:solidFill>
-                  <a:schemeClr val="tx1"/>
-                </a:solidFill>
-              </a:rPr>
-              <a:t>characteristics</a:t>
+              <a:t>Network characteristics</a:t>
             </a:r>
             <a:endParaRPr lang="en-US" dirty="0">
               <a:solidFill>
                 <a:schemeClr val="tx1"/>
               </a:solidFill>
+              <a:latin typeface="Times New Roman" pitchFamily="18" charset="0"/>
+              <a:cs typeface="Times New Roman" pitchFamily="18" charset="0"/>
             </a:endParaRPr>
           </a:p>
         </p:txBody>
@@ -6979,10 +7804,16 @@
           <a:p>
             <a:pPr algn="ctr"/>
             <a:r>
-              <a:rPr lang="en-US" dirty="0" smtClean="0"/>
+              <a:rPr lang="en-US" dirty="0" smtClean="0">
+                <a:latin typeface="Times New Roman" pitchFamily="18" charset="0"/>
+                <a:cs typeface="Times New Roman" pitchFamily="18" charset="0"/>
+              </a:rPr>
               <a:t>New rules</a:t>
             </a:r>
-            <a:endParaRPr lang="en-US" dirty="0"/>
+            <a:endParaRPr lang="en-US" dirty="0">
+              <a:latin typeface="Times New Roman" pitchFamily="18" charset="0"/>
+              <a:cs typeface="Times New Roman" pitchFamily="18" charset="0"/>
+            </a:endParaRPr>
           </a:p>
         </p:txBody>
       </p:sp>
@@ -7029,10 +7860,16 @@
           <a:p>
             <a:pPr algn="ctr"/>
             <a:r>
-              <a:rPr lang="en-US" dirty="0" smtClean="0"/>
+              <a:rPr lang="en-US" dirty="0" smtClean="0">
+                <a:latin typeface="Times New Roman" pitchFamily="18" charset="0"/>
+                <a:cs typeface="Times New Roman" pitchFamily="18" charset="0"/>
+              </a:rPr>
               <a:t>Update DAG</a:t>
             </a:r>
-            <a:endParaRPr lang="en-US" dirty="0"/>
+            <a:endParaRPr lang="en-US" dirty="0">
+              <a:latin typeface="Times New Roman" pitchFamily="18" charset="0"/>
+              <a:cs typeface="Times New Roman" pitchFamily="18" charset="0"/>
+            </a:endParaRPr>
           </a:p>
         </p:txBody>
       </p:sp>
@@ -7116,10 +7953,128 @@
           </a:fontRef>
         </p:style>
       </p:cxnSp>
+      <p:pic>
+        <p:nvPicPr>
+          <p:cNvPr id="1026" name="Picture 2"/>
+          <p:cNvPicPr>
+            <a:picLocks noChangeAspect="1" noChangeArrowheads="1"/>
+          </p:cNvPicPr>
+          <p:nvPr/>
+        </p:nvPicPr>
+        <p:blipFill>
+          <a:blip r:embed="rId2">
+            <a:extLst>
+              <a:ext uri="{28A0092B-C50C-407E-A947-70E740481C1C}">
+                <a14:useLocalDpi xmlns:a14="http://schemas.microsoft.com/office/drawing/2010/main" val="0"/>
+              </a:ext>
+            </a:extLst>
+          </a:blip>
+          <a:srcRect/>
+          <a:stretch>
+            <a:fillRect/>
+          </a:stretch>
+        </p:blipFill>
+        <p:spPr bwMode="auto">
+          <a:xfrm>
+            <a:off x="457200" y="3810000"/>
+            <a:ext cx="7999413" cy="1676400"/>
+          </a:xfrm>
+          <a:prstGeom prst="rect">
+            <a:avLst/>
+          </a:prstGeom>
+          <a:noFill/>
+          <a:ln>
+            <a:noFill/>
+          </a:ln>
+          <a:effectLst/>
+          <a:extLst>
+            <a:ext uri="{909E8E84-426E-40DD-AFC4-6F175D3DCCD1}">
+              <a14:hiddenFill xmlns:a14="http://schemas.microsoft.com/office/drawing/2010/main">
+                <a:solidFill>
+                  <a:schemeClr val="accent1"/>
+                </a:solidFill>
+              </a14:hiddenFill>
+            </a:ext>
+            <a:ext uri="{91240B29-F687-4F45-9708-019B960494DF}">
+              <a14:hiddenLine xmlns:a14="http://schemas.microsoft.com/office/drawing/2010/main" w="9525">
+                <a:solidFill>
+                  <a:schemeClr val="tx1"/>
+                </a:solidFill>
+                <a:miter lim="800000"/>
+                <a:headEnd/>
+                <a:tailEnd/>
+              </a14:hiddenLine>
+            </a:ext>
+            <a:ext uri="{AF507438-7753-43E0-B8FC-AC1667EBCBE1}">
+              <a14:hiddenEffects xmlns:a14="http://schemas.microsoft.com/office/drawing/2010/main">
+                <a:effectLst>
+                  <a:outerShdw dist="35921" dir="2700000" algn="ctr" rotWithShape="0">
+                    <a:schemeClr val="bg2"/>
+                  </a:outerShdw>
+                </a:effectLst>
+              </a14:hiddenEffects>
+            </a:ext>
+          </a:extLst>
+        </p:spPr>
+      </p:pic>
     </p:spTree>
     <p:extLst>
       <p:ext uri="{BB962C8B-B14F-4D97-AF65-F5344CB8AC3E}">
         <p14:creationId xmlns:p14="http://schemas.microsoft.com/office/powerpoint/2010/main" val="1540731110"/>
+      </p:ext>
+    </p:extLst>
+  </p:cSld>
+  <p:clrMapOvr>
+    <a:masterClrMapping/>
+  </p:clrMapOvr>
+</p:sld>
+</file>
+
+<file path=ppt/slides/slide5.xml><?xml version="1.0" encoding="utf-8"?>
+<p:sld xmlns:a="http://schemas.openxmlformats.org/drawingml/2006/main" xmlns:r="http://schemas.openxmlformats.org/officeDocument/2006/relationships" xmlns:p="http://schemas.openxmlformats.org/presentationml/2006/main">
+  <p:cSld>
+    <p:spTree>
+      <p:nvGrpSpPr>
+        <p:cNvPr id="1" name=""/>
+        <p:cNvGrpSpPr/>
+        <p:nvPr/>
+      </p:nvGrpSpPr>
+      <p:grpSpPr>
+        <a:xfrm>
+          <a:off x="0" y="0"/>
+          <a:ext cx="0" cy="0"/>
+          <a:chOff x="0" y="0"/>
+          <a:chExt cx="0" cy="0"/>
+        </a:xfrm>
+      </p:grpSpPr>
+      <p:graphicFrame>
+        <p:nvGraphicFramePr>
+          <p:cNvPr id="2" name="Chart 1"/>
+          <p:cNvGraphicFramePr>
+            <a:graphicFrameLocks/>
+          </p:cNvGraphicFramePr>
+          <p:nvPr>
+            <p:extLst>
+              <p:ext uri="{D42A27DB-BD31-4B8C-83A1-F6EECF244321}">
+                <p14:modId xmlns:p14="http://schemas.microsoft.com/office/powerpoint/2010/main" val="4218057880"/>
+              </p:ext>
+            </p:extLst>
+          </p:nvPr>
+        </p:nvGraphicFramePr>
+        <p:xfrm>
+          <a:off x="1905000" y="1828801"/>
+          <a:ext cx="5257800" cy="3276599"/>
+        </p:xfrm>
+        <a:graphic>
+          <a:graphicData uri="http://schemas.openxmlformats.org/drawingml/2006/chart">
+            <c:chart xmlns:c="http://schemas.openxmlformats.org/drawingml/2006/chart" xmlns:r="http://schemas.openxmlformats.org/officeDocument/2006/relationships" r:id="rId2"/>
+          </a:graphicData>
+        </a:graphic>
+      </p:graphicFrame>
+    </p:spTree>
+    <p:extLst>
+      <p:ext uri="{BB962C8B-B14F-4D97-AF65-F5344CB8AC3E}">
+        <p14:creationId xmlns:p14="http://schemas.microsoft.com/office/powerpoint/2010/main" val="2458631411"/>
       </p:ext>
     </p:extLst>
   </p:cSld>

--- a/figures/allfigures.pptx
+++ b/figures/allfigures.pptx
@@ -110,7 +110,7 @@
   </p:defaultTextStyle>
   <p:extLst>
     <p:ext uri="{EFAFB233-063F-42B5-8137-9DF3F51BA10A}">
-      <p15:sldGuideLst xmlns:p15="http://schemas.microsoft.com/office/powerpoint/2012/main" xmlns="">
+      <p15:sldGuideLst xmlns="" xmlns:p15="http://schemas.microsoft.com/office/powerpoint/2012/main">
         <p15:guide id="1" orient="horz" pos="2160">
           <p15:clr>
             <a:srgbClr val="A4A3A4"/>
@@ -134,10 +134,10 @@
   <c:roundedCorners val="0"/>
   <mc:AlternateContent xmlns:mc="http://schemas.openxmlformats.org/markup-compatibility/2006">
     <mc:Choice xmlns:c14="http://schemas.microsoft.com/office/drawing/2007/8/2/chart" Requires="c14">
-      <c14:style val="101"/>
+      <c14:style val="102"/>
     </mc:Choice>
     <mc:Fallback>
-      <c:style val="1"/>
+      <c:style val="2"/>
     </mc:Fallback>
   </mc:AlternateContent>
   <c:chart>
@@ -153,7 +153,7 @@
           <c:order val="0"/>
           <c:tx>
             <c:strRef>
-              <c:f>'[new summary.xlsx]6461'!$Q$24</c:f>
+              <c:f>'[new summary.xlsx]sheet'!$Q$24</c:f>
               <c:strCache>
                 <c:ptCount val="1"/>
                 <c:pt idx="0">
@@ -164,8 +164,482 @@
           </c:tx>
           <c:spPr>
             <a:solidFill>
-              <a:schemeClr val="dk1">
-                <a:tint val="88500"/>
+              <a:schemeClr val="accent1"/>
+            </a:solidFill>
+            <a:ln>
+              <a:noFill/>
+            </a:ln>
+            <a:effectLst/>
+          </c:spPr>
+          <c:invertIfNegative val="0"/>
+          <c:cat>
+            <c:numRef>
+              <c:f>'[new summary.xlsx]sheet'!$R$23:$W$23</c:f>
+              <c:numCache>
+                <c:formatCode>General</c:formatCode>
+                <c:ptCount val="6"/>
+                <c:pt idx="0">
+                  <c:v>1221</c:v>
+                </c:pt>
+                <c:pt idx="1">
+                  <c:v>1239</c:v>
+                </c:pt>
+                <c:pt idx="2">
+                  <c:v>1755</c:v>
+                </c:pt>
+                <c:pt idx="3">
+                  <c:v>3257</c:v>
+                </c:pt>
+                <c:pt idx="4">
+                  <c:v>3967</c:v>
+                </c:pt>
+                <c:pt idx="5">
+                  <c:v>6461</c:v>
+                </c:pt>
+              </c:numCache>
+            </c:numRef>
+          </c:cat>
+          <c:val>
+            <c:numRef>
+              <c:f>'[new summary.xlsx]sheet'!$R$24:$W$24</c:f>
+              <c:numCache>
+                <c:formatCode>General</c:formatCode>
+                <c:ptCount val="6"/>
+                <c:pt idx="0">
+                  <c:v>0.1787037037037037</c:v>
+                </c:pt>
+                <c:pt idx="1">
+                  <c:v>0.12130835185773262</c:v>
+                </c:pt>
+                <c:pt idx="2">
+                  <c:v>0.17701149425287357</c:v>
+                </c:pt>
+                <c:pt idx="3">
+                  <c:v>0.17515527950310558</c:v>
+                </c:pt>
+                <c:pt idx="4">
+                  <c:v>0.18227848101265823</c:v>
+                </c:pt>
+                <c:pt idx="5">
+                  <c:v>0.27304964539007093</c:v>
+                </c:pt>
+              </c:numCache>
+            </c:numRef>
+          </c:val>
+        </c:ser>
+        <c:ser>
+          <c:idx val="1"/>
+          <c:order val="1"/>
+          <c:tx>
+            <c:strRef>
+              <c:f>'[new summary.xlsx]sheet'!$Q$25</c:f>
+              <c:strCache>
+                <c:ptCount val="1"/>
+                <c:pt idx="0">
+                  <c:v>1</c:v>
+                </c:pt>
+              </c:strCache>
+            </c:strRef>
+          </c:tx>
+          <c:spPr>
+            <a:solidFill>
+              <a:schemeClr val="accent2"/>
+            </a:solidFill>
+            <a:ln>
+              <a:noFill/>
+            </a:ln>
+            <a:effectLst/>
+          </c:spPr>
+          <c:invertIfNegative val="0"/>
+          <c:cat>
+            <c:numRef>
+              <c:f>'[new summary.xlsx]sheet'!$R$23:$W$23</c:f>
+              <c:numCache>
+                <c:formatCode>General</c:formatCode>
+                <c:ptCount val="6"/>
+                <c:pt idx="0">
+                  <c:v>1221</c:v>
+                </c:pt>
+                <c:pt idx="1">
+                  <c:v>1239</c:v>
+                </c:pt>
+                <c:pt idx="2">
+                  <c:v>1755</c:v>
+                </c:pt>
+                <c:pt idx="3">
+                  <c:v>3257</c:v>
+                </c:pt>
+                <c:pt idx="4">
+                  <c:v>3967</c:v>
+                </c:pt>
+                <c:pt idx="5">
+                  <c:v>6461</c:v>
+                </c:pt>
+              </c:numCache>
+            </c:numRef>
+          </c:cat>
+          <c:val>
+            <c:numRef>
+              <c:f>'[new summary.xlsx]sheet'!$R$25:$W$25</c:f>
+              <c:numCache>
+                <c:formatCode>General</c:formatCode>
+                <c:ptCount val="6"/>
+                <c:pt idx="0">
+                  <c:v>0.29629629629629628</c:v>
+                </c:pt>
+                <c:pt idx="1">
+                  <c:v>0.39663385201651319</c:v>
+                </c:pt>
+                <c:pt idx="2">
+                  <c:v>0.29310344827586204</c:v>
+                </c:pt>
+                <c:pt idx="3">
+                  <c:v>0.33726708074534162</c:v>
+                </c:pt>
+                <c:pt idx="4">
+                  <c:v>0.25316455696202533</c:v>
+                </c:pt>
+                <c:pt idx="5">
+                  <c:v>0.2397163120567376</c:v>
+                </c:pt>
+              </c:numCache>
+            </c:numRef>
+          </c:val>
+        </c:ser>
+        <c:ser>
+          <c:idx val="2"/>
+          <c:order val="2"/>
+          <c:tx>
+            <c:strRef>
+              <c:f>'[new summary.xlsx]sheet'!$Q$26</c:f>
+              <c:strCache>
+                <c:ptCount val="1"/>
+                <c:pt idx="0">
+                  <c:v>2</c:v>
+                </c:pt>
+              </c:strCache>
+            </c:strRef>
+          </c:tx>
+          <c:spPr>
+            <a:solidFill>
+              <a:schemeClr val="accent3"/>
+            </a:solidFill>
+            <a:ln>
+              <a:noFill/>
+            </a:ln>
+            <a:effectLst/>
+          </c:spPr>
+          <c:invertIfNegative val="0"/>
+          <c:cat>
+            <c:numRef>
+              <c:f>'[new summary.xlsx]sheet'!$R$23:$W$23</c:f>
+              <c:numCache>
+                <c:formatCode>General</c:formatCode>
+                <c:ptCount val="6"/>
+                <c:pt idx="0">
+                  <c:v>1221</c:v>
+                </c:pt>
+                <c:pt idx="1">
+                  <c:v>1239</c:v>
+                </c:pt>
+                <c:pt idx="2">
+                  <c:v>1755</c:v>
+                </c:pt>
+                <c:pt idx="3">
+                  <c:v>3257</c:v>
+                </c:pt>
+                <c:pt idx="4">
+                  <c:v>3967</c:v>
+                </c:pt>
+                <c:pt idx="5">
+                  <c:v>6461</c:v>
+                </c:pt>
+              </c:numCache>
+            </c:numRef>
+          </c:cat>
+          <c:val>
+            <c:numRef>
+              <c:f>'[new summary.xlsx]sheet'!$R$26:$W$26</c:f>
+              <c:numCache>
+                <c:formatCode>General</c:formatCode>
+                <c:ptCount val="6"/>
+                <c:pt idx="0">
+                  <c:v>0.2898148148148148</c:v>
+                </c:pt>
+                <c:pt idx="1">
+                  <c:v>0.31311527469037792</c:v>
+                </c:pt>
+                <c:pt idx="2">
+                  <c:v>0.28620689655172415</c:v>
+                </c:pt>
+                <c:pt idx="3">
+                  <c:v>0.29130434782608694</c:v>
+                </c:pt>
+                <c:pt idx="4">
+                  <c:v>0.26962025316455696</c:v>
+                </c:pt>
+                <c:pt idx="5">
+                  <c:v>0.30709219858156028</c:v>
+                </c:pt>
+              </c:numCache>
+            </c:numRef>
+          </c:val>
+        </c:ser>
+        <c:ser>
+          <c:idx val="3"/>
+          <c:order val="3"/>
+          <c:tx>
+            <c:strRef>
+              <c:f>'[new summary.xlsx]sheet'!$Q$27</c:f>
+              <c:strCache>
+                <c:ptCount val="1"/>
+                <c:pt idx="0">
+                  <c:v>3</c:v>
+                </c:pt>
+              </c:strCache>
+            </c:strRef>
+          </c:tx>
+          <c:spPr>
+            <a:solidFill>
+              <a:schemeClr val="accent4"/>
+            </a:solidFill>
+            <a:ln>
+              <a:noFill/>
+            </a:ln>
+            <a:effectLst/>
+          </c:spPr>
+          <c:invertIfNegative val="0"/>
+          <c:cat>
+            <c:numRef>
+              <c:f>'[new summary.xlsx]sheet'!$R$23:$W$23</c:f>
+              <c:numCache>
+                <c:formatCode>General</c:formatCode>
+                <c:ptCount val="6"/>
+                <c:pt idx="0">
+                  <c:v>1221</c:v>
+                </c:pt>
+                <c:pt idx="1">
+                  <c:v>1239</c:v>
+                </c:pt>
+                <c:pt idx="2">
+                  <c:v>1755</c:v>
+                </c:pt>
+                <c:pt idx="3">
+                  <c:v>3257</c:v>
+                </c:pt>
+                <c:pt idx="4">
+                  <c:v>3967</c:v>
+                </c:pt>
+                <c:pt idx="5">
+                  <c:v>6461</c:v>
+                </c:pt>
+              </c:numCache>
+            </c:numRef>
+          </c:cat>
+          <c:val>
+            <c:numRef>
+              <c:f>'[new summary.xlsx]sheet'!$R$27:$W$27</c:f>
+              <c:numCache>
+                <c:formatCode>General</c:formatCode>
+                <c:ptCount val="6"/>
+                <c:pt idx="0">
+                  <c:v>0.15555555555555556</c:v>
+                </c:pt>
+                <c:pt idx="1">
+                  <c:v>0.12575420768497936</c:v>
+                </c:pt>
+                <c:pt idx="2">
+                  <c:v>0.16206896551724137</c:v>
+                </c:pt>
+                <c:pt idx="3">
+                  <c:v>0.1515527950310559</c:v>
+                </c:pt>
+                <c:pt idx="4">
+                  <c:v>0.19873417721518988</c:v>
+                </c:pt>
+                <c:pt idx="5">
+                  <c:v>0.12624113475177304</c:v>
+                </c:pt>
+              </c:numCache>
+            </c:numRef>
+          </c:val>
+        </c:ser>
+        <c:ser>
+          <c:idx val="4"/>
+          <c:order val="4"/>
+          <c:tx>
+            <c:strRef>
+              <c:f>'[new summary.xlsx]sheet'!$Q$28</c:f>
+              <c:strCache>
+                <c:ptCount val="1"/>
+                <c:pt idx="0">
+                  <c:v>4</c:v>
+                </c:pt>
+              </c:strCache>
+            </c:strRef>
+          </c:tx>
+          <c:spPr>
+            <a:solidFill>
+              <a:schemeClr val="accent5"/>
+            </a:solidFill>
+            <a:ln>
+              <a:noFill/>
+            </a:ln>
+            <a:effectLst/>
+          </c:spPr>
+          <c:invertIfNegative val="0"/>
+          <c:cat>
+            <c:numRef>
+              <c:f>'[new summary.xlsx]sheet'!$R$23:$W$23</c:f>
+              <c:numCache>
+                <c:formatCode>General</c:formatCode>
+                <c:ptCount val="6"/>
+                <c:pt idx="0">
+                  <c:v>1221</c:v>
+                </c:pt>
+                <c:pt idx="1">
+                  <c:v>1239</c:v>
+                </c:pt>
+                <c:pt idx="2">
+                  <c:v>1755</c:v>
+                </c:pt>
+                <c:pt idx="3">
+                  <c:v>3257</c:v>
+                </c:pt>
+                <c:pt idx="4">
+                  <c:v>3967</c:v>
+                </c:pt>
+                <c:pt idx="5">
+                  <c:v>6461</c:v>
+                </c:pt>
+              </c:numCache>
+            </c:numRef>
+          </c:cat>
+          <c:val>
+            <c:numRef>
+              <c:f>'[new summary.xlsx]sheet'!$R$28:$W$28</c:f>
+              <c:numCache>
+                <c:formatCode>General</c:formatCode>
+                <c:ptCount val="6"/>
+                <c:pt idx="0">
+                  <c:v>7.4999999999999997E-2</c:v>
+                </c:pt>
+                <c:pt idx="1">
+                  <c:v>3.3343918704350585E-2</c:v>
+                </c:pt>
+                <c:pt idx="2">
+                  <c:v>5.7471264367816091E-2</c:v>
+                </c:pt>
+                <c:pt idx="3">
+                  <c:v>3.9130434782608699E-2</c:v>
+                </c:pt>
+                <c:pt idx="4">
+                  <c:v>7.9746835443037969E-2</c:v>
+                </c:pt>
+                <c:pt idx="5">
+                  <c:v>3.8297872340425532E-2</c:v>
+                </c:pt>
+              </c:numCache>
+            </c:numRef>
+          </c:val>
+        </c:ser>
+        <c:ser>
+          <c:idx val="5"/>
+          <c:order val="5"/>
+          <c:tx>
+            <c:strRef>
+              <c:f>'[new summary.xlsx]sheet'!$Q$29</c:f>
+              <c:strCache>
+                <c:ptCount val="1"/>
+                <c:pt idx="0">
+                  <c:v>5</c:v>
+                </c:pt>
+              </c:strCache>
+            </c:strRef>
+          </c:tx>
+          <c:spPr>
+            <a:solidFill>
+              <a:schemeClr val="accent6"/>
+            </a:solidFill>
+            <a:ln>
+              <a:noFill/>
+            </a:ln>
+            <a:effectLst/>
+          </c:spPr>
+          <c:invertIfNegative val="0"/>
+          <c:cat>
+            <c:numRef>
+              <c:f>'[new summary.xlsx]sheet'!$R$23:$W$23</c:f>
+              <c:numCache>
+                <c:formatCode>General</c:formatCode>
+                <c:ptCount val="6"/>
+                <c:pt idx="0">
+                  <c:v>1221</c:v>
+                </c:pt>
+                <c:pt idx="1">
+                  <c:v>1239</c:v>
+                </c:pt>
+                <c:pt idx="2">
+                  <c:v>1755</c:v>
+                </c:pt>
+                <c:pt idx="3">
+                  <c:v>3257</c:v>
+                </c:pt>
+                <c:pt idx="4">
+                  <c:v>3967</c:v>
+                </c:pt>
+                <c:pt idx="5">
+                  <c:v>6461</c:v>
+                </c:pt>
+              </c:numCache>
+            </c:numRef>
+          </c:cat>
+          <c:val>
+            <c:numRef>
+              <c:f>'[new summary.xlsx]sheet'!$R$29:$W$29</c:f>
+              <c:numCache>
+                <c:formatCode>General</c:formatCode>
+                <c:ptCount val="6"/>
+                <c:pt idx="0">
+                  <c:v>4.6296296296296294E-3</c:v>
+                </c:pt>
+                <c:pt idx="1">
+                  <c:v>8.2565893934582399E-3</c:v>
+                </c:pt>
+                <c:pt idx="2">
+                  <c:v>1.8390804597701149E-2</c:v>
+                </c:pt>
+                <c:pt idx="3">
+                  <c:v>5.5900621118012426E-3</c:v>
+                </c:pt>
+                <c:pt idx="4">
+                  <c:v>1.6455696202531647E-2</c:v>
+                </c:pt>
+                <c:pt idx="5">
+                  <c:v>1.5602836879432624E-2</c:v>
+                </c:pt>
+              </c:numCache>
+            </c:numRef>
+          </c:val>
+        </c:ser>
+        <c:ser>
+          <c:idx val="6"/>
+          <c:order val="6"/>
+          <c:tx>
+            <c:strRef>
+              <c:f>'[new summary.xlsx]sheet'!$Q$30</c:f>
+              <c:strCache>
+                <c:ptCount val="1"/>
+                <c:pt idx="0">
+                  <c:v>6</c:v>
+                </c:pt>
+              </c:strCache>
+            </c:strRef>
+          </c:tx>
+          <c:spPr>
+            <a:solidFill>
+              <a:schemeClr val="accent1">
+                <a:lumMod val="60000"/>
               </a:schemeClr>
             </a:solidFill>
             <a:ln>
@@ -176,7 +650,7 @@
           <c:invertIfNegative val="0"/>
           <c:cat>
             <c:numRef>
-              <c:f>'[new summary.xlsx]6461'!$R$23:$W$23</c:f>
+              <c:f>'[new summary.xlsx]sheet'!$R$23:$W$23</c:f>
               <c:numCache>
                 <c:formatCode>General</c:formatCode>
                 <c:ptCount val="6"/>
@@ -203,50 +677,50 @@
           </c:cat>
           <c:val>
             <c:numRef>
-              <c:f>'[new summary.xlsx]6461'!$R$24:$W$24</c:f>
+              <c:f>'[new summary.xlsx]sheet'!$R$30:$W$30</c:f>
               <c:numCache>
                 <c:formatCode>General</c:formatCode>
                 <c:ptCount val="6"/>
                 <c:pt idx="0">
-                  <c:v>0.1787037037037037</c:v>
+                  <c:v>0</c:v>
                 </c:pt>
                 <c:pt idx="1">
-                  <c:v>0.12130835185773262</c:v>
+                  <c:v>1.5878056525881232E-3</c:v>
                 </c:pt>
                 <c:pt idx="2">
-                  <c:v>0.17701149425287357</c:v>
+                  <c:v>5.7471264367816091E-3</c:v>
                 </c:pt>
                 <c:pt idx="3">
-                  <c:v>0.17515527950310558</c:v>
+                  <c:v>0</c:v>
                 </c:pt>
                 <c:pt idx="4">
-                  <c:v>0.18227848101265823</c:v>
+                  <c:v>0</c:v>
                 </c:pt>
                 <c:pt idx="5">
-                  <c:v>0.27304964539007093</c:v>
+                  <c:v>0</c:v>
                 </c:pt>
               </c:numCache>
             </c:numRef>
           </c:val>
         </c:ser>
         <c:ser>
-          <c:idx val="1"/>
-          <c:order val="1"/>
+          <c:idx val="7"/>
+          <c:order val="7"/>
           <c:tx>
             <c:strRef>
-              <c:f>'[new summary.xlsx]6461'!$Q$25</c:f>
+              <c:f>'[new summary.xlsx]sheet'!$Q$31</c:f>
               <c:strCache>
                 <c:ptCount val="1"/>
                 <c:pt idx="0">
-                  <c:v>1</c:v>
+                  <c:v>7</c:v>
                 </c:pt>
               </c:strCache>
             </c:strRef>
           </c:tx>
           <c:spPr>
             <a:solidFill>
-              <a:schemeClr val="dk1">
-                <a:tint val="55000"/>
+              <a:schemeClr val="accent2">
+                <a:lumMod val="60000"/>
               </a:schemeClr>
             </a:solidFill>
             <a:ln>
@@ -257,7 +731,7 @@
           <c:invertIfNegative val="0"/>
           <c:cat>
             <c:numRef>
-              <c:f>'[new summary.xlsx]6461'!$R$23:$W$23</c:f>
+              <c:f>'[new summary.xlsx]sheet'!$R$23:$W$23</c:f>
               <c:numCache>
                 <c:formatCode>General</c:formatCode>
                 <c:ptCount val="6"/>
@@ -284,493 +758,7 @@
           </c:cat>
           <c:val>
             <c:numRef>
-              <c:f>'[new summary.xlsx]6461'!$R$25:$W$25</c:f>
-              <c:numCache>
-                <c:formatCode>General</c:formatCode>
-                <c:ptCount val="6"/>
-                <c:pt idx="0">
-                  <c:v>0.29629629629629628</c:v>
-                </c:pt>
-                <c:pt idx="1">
-                  <c:v>0.39663385201651319</c:v>
-                </c:pt>
-                <c:pt idx="2">
-                  <c:v>0.29310344827586204</c:v>
-                </c:pt>
-                <c:pt idx="3">
-                  <c:v>0.33726708074534162</c:v>
-                </c:pt>
-                <c:pt idx="4">
-                  <c:v>0.25316455696202533</c:v>
-                </c:pt>
-                <c:pt idx="5">
-                  <c:v>0.2397163120567376</c:v>
-                </c:pt>
-              </c:numCache>
-            </c:numRef>
-          </c:val>
-        </c:ser>
-        <c:ser>
-          <c:idx val="2"/>
-          <c:order val="2"/>
-          <c:tx>
-            <c:strRef>
-              <c:f>'[new summary.xlsx]6461'!$Q$26</c:f>
-              <c:strCache>
-                <c:ptCount val="1"/>
-                <c:pt idx="0">
-                  <c:v>2</c:v>
-                </c:pt>
-              </c:strCache>
-            </c:strRef>
-          </c:tx>
-          <c:spPr>
-            <a:solidFill>
-              <a:schemeClr val="dk1">
-                <a:tint val="75000"/>
-              </a:schemeClr>
-            </a:solidFill>
-            <a:ln>
-              <a:noFill/>
-            </a:ln>
-            <a:effectLst/>
-          </c:spPr>
-          <c:invertIfNegative val="0"/>
-          <c:cat>
-            <c:numRef>
-              <c:f>'[new summary.xlsx]6461'!$R$23:$W$23</c:f>
-              <c:numCache>
-                <c:formatCode>General</c:formatCode>
-                <c:ptCount val="6"/>
-                <c:pt idx="0">
-                  <c:v>1221</c:v>
-                </c:pt>
-                <c:pt idx="1">
-                  <c:v>1239</c:v>
-                </c:pt>
-                <c:pt idx="2">
-                  <c:v>1755</c:v>
-                </c:pt>
-                <c:pt idx="3">
-                  <c:v>3257</c:v>
-                </c:pt>
-                <c:pt idx="4">
-                  <c:v>3967</c:v>
-                </c:pt>
-                <c:pt idx="5">
-                  <c:v>6461</c:v>
-                </c:pt>
-              </c:numCache>
-            </c:numRef>
-          </c:cat>
-          <c:val>
-            <c:numRef>
-              <c:f>'[new summary.xlsx]6461'!$R$26:$W$26</c:f>
-              <c:numCache>
-                <c:formatCode>General</c:formatCode>
-                <c:ptCount val="6"/>
-                <c:pt idx="0">
-                  <c:v>0.2898148148148148</c:v>
-                </c:pt>
-                <c:pt idx="1">
-                  <c:v>0.31311527469037792</c:v>
-                </c:pt>
-                <c:pt idx="2">
-                  <c:v>0.28620689655172415</c:v>
-                </c:pt>
-                <c:pt idx="3">
-                  <c:v>0.29130434782608694</c:v>
-                </c:pt>
-                <c:pt idx="4">
-                  <c:v>0.26962025316455696</c:v>
-                </c:pt>
-                <c:pt idx="5">
-                  <c:v>0.30709219858156028</c:v>
-                </c:pt>
-              </c:numCache>
-            </c:numRef>
-          </c:val>
-        </c:ser>
-        <c:ser>
-          <c:idx val="3"/>
-          <c:order val="3"/>
-          <c:tx>
-            <c:strRef>
-              <c:f>'[new summary.xlsx]6461'!$Q$27</c:f>
-              <c:strCache>
-                <c:ptCount val="1"/>
-                <c:pt idx="0">
-                  <c:v>3</c:v>
-                </c:pt>
-              </c:strCache>
-            </c:strRef>
-          </c:tx>
-          <c:spPr>
-            <a:solidFill>
-              <a:schemeClr val="dk1">
-                <a:tint val="98500"/>
-              </a:schemeClr>
-            </a:solidFill>
-            <a:ln>
-              <a:noFill/>
-            </a:ln>
-            <a:effectLst/>
-          </c:spPr>
-          <c:invertIfNegative val="0"/>
-          <c:cat>
-            <c:numRef>
-              <c:f>'[new summary.xlsx]6461'!$R$23:$W$23</c:f>
-              <c:numCache>
-                <c:formatCode>General</c:formatCode>
-                <c:ptCount val="6"/>
-                <c:pt idx="0">
-                  <c:v>1221</c:v>
-                </c:pt>
-                <c:pt idx="1">
-                  <c:v>1239</c:v>
-                </c:pt>
-                <c:pt idx="2">
-                  <c:v>1755</c:v>
-                </c:pt>
-                <c:pt idx="3">
-                  <c:v>3257</c:v>
-                </c:pt>
-                <c:pt idx="4">
-                  <c:v>3967</c:v>
-                </c:pt>
-                <c:pt idx="5">
-                  <c:v>6461</c:v>
-                </c:pt>
-              </c:numCache>
-            </c:numRef>
-          </c:cat>
-          <c:val>
-            <c:numRef>
-              <c:f>'[new summary.xlsx]6461'!$R$27:$W$27</c:f>
-              <c:numCache>
-                <c:formatCode>General</c:formatCode>
-                <c:ptCount val="6"/>
-                <c:pt idx="0">
-                  <c:v>0.15555555555555556</c:v>
-                </c:pt>
-                <c:pt idx="1">
-                  <c:v>0.12575420768497936</c:v>
-                </c:pt>
-                <c:pt idx="2">
-                  <c:v>0.16206896551724137</c:v>
-                </c:pt>
-                <c:pt idx="3">
-                  <c:v>0.1515527950310559</c:v>
-                </c:pt>
-                <c:pt idx="4">
-                  <c:v>0.19873417721518988</c:v>
-                </c:pt>
-                <c:pt idx="5">
-                  <c:v>0.12624113475177304</c:v>
-                </c:pt>
-              </c:numCache>
-            </c:numRef>
-          </c:val>
-        </c:ser>
-        <c:ser>
-          <c:idx val="4"/>
-          <c:order val="4"/>
-          <c:tx>
-            <c:strRef>
-              <c:f>'[new summary.xlsx]6461'!$Q$28</c:f>
-              <c:strCache>
-                <c:ptCount val="1"/>
-                <c:pt idx="0">
-                  <c:v>4</c:v>
-                </c:pt>
-              </c:strCache>
-            </c:strRef>
-          </c:tx>
-          <c:spPr>
-            <a:solidFill>
-              <a:schemeClr val="dk1">
-                <a:tint val="30000"/>
-              </a:schemeClr>
-            </a:solidFill>
-            <a:ln>
-              <a:noFill/>
-            </a:ln>
-            <a:effectLst/>
-          </c:spPr>
-          <c:invertIfNegative val="0"/>
-          <c:cat>
-            <c:numRef>
-              <c:f>'[new summary.xlsx]6461'!$R$23:$W$23</c:f>
-              <c:numCache>
-                <c:formatCode>General</c:formatCode>
-                <c:ptCount val="6"/>
-                <c:pt idx="0">
-                  <c:v>1221</c:v>
-                </c:pt>
-                <c:pt idx="1">
-                  <c:v>1239</c:v>
-                </c:pt>
-                <c:pt idx="2">
-                  <c:v>1755</c:v>
-                </c:pt>
-                <c:pt idx="3">
-                  <c:v>3257</c:v>
-                </c:pt>
-                <c:pt idx="4">
-                  <c:v>3967</c:v>
-                </c:pt>
-                <c:pt idx="5">
-                  <c:v>6461</c:v>
-                </c:pt>
-              </c:numCache>
-            </c:numRef>
-          </c:cat>
-          <c:val>
-            <c:numRef>
-              <c:f>'[new summary.xlsx]6461'!$R$28:$W$28</c:f>
-              <c:numCache>
-                <c:formatCode>General</c:formatCode>
-                <c:ptCount val="6"/>
-                <c:pt idx="0">
-                  <c:v>7.4999999999999997E-2</c:v>
-                </c:pt>
-                <c:pt idx="1">
-                  <c:v>3.3343918704350585E-2</c:v>
-                </c:pt>
-                <c:pt idx="2">
-                  <c:v>5.7471264367816091E-2</c:v>
-                </c:pt>
-                <c:pt idx="3">
-                  <c:v>3.9130434782608699E-2</c:v>
-                </c:pt>
-                <c:pt idx="4">
-                  <c:v>7.9746835443037969E-2</c:v>
-                </c:pt>
-                <c:pt idx="5">
-                  <c:v>3.8297872340425532E-2</c:v>
-                </c:pt>
-              </c:numCache>
-            </c:numRef>
-          </c:val>
-        </c:ser>
-        <c:ser>
-          <c:idx val="5"/>
-          <c:order val="5"/>
-          <c:tx>
-            <c:strRef>
-              <c:f>'[new summary.xlsx]6461'!$Q$29</c:f>
-              <c:strCache>
-                <c:ptCount val="1"/>
-                <c:pt idx="0">
-                  <c:v>5</c:v>
-                </c:pt>
-              </c:strCache>
-            </c:strRef>
-          </c:tx>
-          <c:spPr>
-            <a:solidFill>
-              <a:schemeClr val="dk1">
-                <a:tint val="60000"/>
-              </a:schemeClr>
-            </a:solidFill>
-            <a:ln>
-              <a:noFill/>
-            </a:ln>
-            <a:effectLst/>
-          </c:spPr>
-          <c:invertIfNegative val="0"/>
-          <c:cat>
-            <c:numRef>
-              <c:f>'[new summary.xlsx]6461'!$R$23:$W$23</c:f>
-              <c:numCache>
-                <c:formatCode>General</c:formatCode>
-                <c:ptCount val="6"/>
-                <c:pt idx="0">
-                  <c:v>1221</c:v>
-                </c:pt>
-                <c:pt idx="1">
-                  <c:v>1239</c:v>
-                </c:pt>
-                <c:pt idx="2">
-                  <c:v>1755</c:v>
-                </c:pt>
-                <c:pt idx="3">
-                  <c:v>3257</c:v>
-                </c:pt>
-                <c:pt idx="4">
-                  <c:v>3967</c:v>
-                </c:pt>
-                <c:pt idx="5">
-                  <c:v>6461</c:v>
-                </c:pt>
-              </c:numCache>
-            </c:numRef>
-          </c:cat>
-          <c:val>
-            <c:numRef>
-              <c:f>'[new summary.xlsx]6461'!$R$29:$W$29</c:f>
-              <c:numCache>
-                <c:formatCode>General</c:formatCode>
-                <c:ptCount val="6"/>
-                <c:pt idx="0">
-                  <c:v>4.6296296296296294E-3</c:v>
-                </c:pt>
-                <c:pt idx="1">
-                  <c:v>8.2565893934582399E-3</c:v>
-                </c:pt>
-                <c:pt idx="2">
-                  <c:v>1.8390804597701149E-2</c:v>
-                </c:pt>
-                <c:pt idx="3">
-                  <c:v>5.5900621118012426E-3</c:v>
-                </c:pt>
-                <c:pt idx="4">
-                  <c:v>1.6455696202531647E-2</c:v>
-                </c:pt>
-                <c:pt idx="5">
-                  <c:v>1.5602836879432624E-2</c:v>
-                </c:pt>
-              </c:numCache>
-            </c:numRef>
-          </c:val>
-        </c:ser>
-        <c:ser>
-          <c:idx val="6"/>
-          <c:order val="6"/>
-          <c:tx>
-            <c:strRef>
-              <c:f>'[new summary.xlsx]6461'!$Q$30</c:f>
-              <c:strCache>
-                <c:ptCount val="1"/>
-                <c:pt idx="0">
-                  <c:v>6</c:v>
-                </c:pt>
-              </c:strCache>
-            </c:strRef>
-          </c:tx>
-          <c:spPr>
-            <a:solidFill>
-              <a:schemeClr val="dk1">
-                <a:tint val="80000"/>
-              </a:schemeClr>
-            </a:solidFill>
-            <a:ln>
-              <a:noFill/>
-            </a:ln>
-            <a:effectLst/>
-          </c:spPr>
-          <c:invertIfNegative val="0"/>
-          <c:cat>
-            <c:numRef>
-              <c:f>'[new summary.xlsx]6461'!$R$23:$W$23</c:f>
-              <c:numCache>
-                <c:formatCode>General</c:formatCode>
-                <c:ptCount val="6"/>
-                <c:pt idx="0">
-                  <c:v>1221</c:v>
-                </c:pt>
-                <c:pt idx="1">
-                  <c:v>1239</c:v>
-                </c:pt>
-                <c:pt idx="2">
-                  <c:v>1755</c:v>
-                </c:pt>
-                <c:pt idx="3">
-                  <c:v>3257</c:v>
-                </c:pt>
-                <c:pt idx="4">
-                  <c:v>3967</c:v>
-                </c:pt>
-                <c:pt idx="5">
-                  <c:v>6461</c:v>
-                </c:pt>
-              </c:numCache>
-            </c:numRef>
-          </c:cat>
-          <c:val>
-            <c:numRef>
-              <c:f>'[new summary.xlsx]6461'!$R$30:$W$30</c:f>
-              <c:numCache>
-                <c:formatCode>General</c:formatCode>
-                <c:ptCount val="6"/>
-                <c:pt idx="0">
-                  <c:v>0</c:v>
-                </c:pt>
-                <c:pt idx="1">
-                  <c:v>1.5878056525881232E-3</c:v>
-                </c:pt>
-                <c:pt idx="2">
-                  <c:v>5.7471264367816091E-3</c:v>
-                </c:pt>
-                <c:pt idx="3">
-                  <c:v>0</c:v>
-                </c:pt>
-                <c:pt idx="4">
-                  <c:v>0</c:v>
-                </c:pt>
-                <c:pt idx="5">
-                  <c:v>0</c:v>
-                </c:pt>
-              </c:numCache>
-            </c:numRef>
-          </c:val>
-        </c:ser>
-        <c:ser>
-          <c:idx val="7"/>
-          <c:order val="7"/>
-          <c:tx>
-            <c:strRef>
-              <c:f>'[new summary.xlsx]6461'!$Q$31</c:f>
-              <c:strCache>
-                <c:ptCount val="1"/>
-                <c:pt idx="0">
-                  <c:v>7</c:v>
-                </c:pt>
-              </c:strCache>
-            </c:strRef>
-          </c:tx>
-          <c:spPr>
-            <a:solidFill>
-              <a:schemeClr val="dk1">
-                <a:tint val="88500"/>
-              </a:schemeClr>
-            </a:solidFill>
-            <a:ln>
-              <a:noFill/>
-            </a:ln>
-            <a:effectLst/>
-          </c:spPr>
-          <c:invertIfNegative val="0"/>
-          <c:cat>
-            <c:numRef>
-              <c:f>'[new summary.xlsx]6461'!$R$23:$W$23</c:f>
-              <c:numCache>
-                <c:formatCode>General</c:formatCode>
-                <c:ptCount val="6"/>
-                <c:pt idx="0">
-                  <c:v>1221</c:v>
-                </c:pt>
-                <c:pt idx="1">
-                  <c:v>1239</c:v>
-                </c:pt>
-                <c:pt idx="2">
-                  <c:v>1755</c:v>
-                </c:pt>
-                <c:pt idx="3">
-                  <c:v>3257</c:v>
-                </c:pt>
-                <c:pt idx="4">
-                  <c:v>3967</c:v>
-                </c:pt>
-                <c:pt idx="5">
-                  <c:v>6461</c:v>
-                </c:pt>
-              </c:numCache>
-            </c:numRef>
-          </c:cat>
-          <c:val>
-            <c:numRef>
-              <c:f>'[new summary.xlsx]6461'!$R$31:$W$31</c:f>
+              <c:f>'[new summary.xlsx]sheet'!$R$31:$W$31</c:f>
               <c:numCache>
                 <c:formatCode>General</c:formatCode>
                 <c:ptCount val="6"/>
@@ -806,11 +794,11 @@
         </c:dLbls>
         <c:gapWidth val="150"/>
         <c:overlap val="100"/>
-        <c:axId val="55878400"/>
-        <c:axId val="55879936"/>
+        <c:axId val="46250624"/>
+        <c:axId val="46260992"/>
       </c:barChart>
       <c:catAx>
-        <c:axId val="55878400"/>
+        <c:axId val="46250624"/>
         <c:scaling>
           <c:orientation val="minMax"/>
         </c:scaling>
@@ -822,8 +810,14 @@
         <c:tickLblPos val="nextTo"/>
         <c:spPr>
           <a:noFill/>
-          <a:ln>
-            <a:noFill/>
+          <a:ln w="9525" cap="flat" cmpd="sng" algn="ctr">
+            <a:solidFill>
+              <a:schemeClr val="tx1">
+                <a:lumMod val="15000"/>
+                <a:lumOff val="85000"/>
+              </a:schemeClr>
+            </a:solidFill>
+            <a:round/>
           </a:ln>
           <a:effectLst/>
         </c:spPr>
@@ -837,7 +831,7 @@
             <a:endParaRPr lang="en-US"/>
           </a:p>
         </c:txPr>
-        <c:crossAx val="55879936"/>
+        <c:crossAx val="46260992"/>
         <c:crosses val="autoZero"/>
         <c:auto val="1"/>
         <c:lblAlgn val="ctr"/>
@@ -845,10 +839,9 @@
         <c:noMultiLvlLbl val="0"/>
       </c:catAx>
       <c:valAx>
-        <c:axId val="55879936"/>
+        <c:axId val="46260992"/>
         <c:scaling>
           <c:orientation val="minMax"/>
-          <c:max val="1"/>
         </c:scaling>
         <c:delete val="0"/>
         <c:axPos val="l"/>
@@ -887,14 +880,23 @@
             <a:endParaRPr lang="en-US"/>
           </a:p>
         </c:txPr>
-        <c:crossAx val="55878400"/>
+        <c:crossAx val="46250624"/>
         <c:crosses val="autoZero"/>
         <c:crossBetween val="between"/>
       </c:valAx>
     </c:plotArea>
     <c:legend>
-      <c:legendPos val="b"/>
-      <c:layout/>
+      <c:legendPos val="r"/>
+      <c:layout>
+        <c:manualLayout>
+          <c:xMode val="edge"/>
+          <c:yMode val="edge"/>
+          <c:x val="0.90157166093674912"/>
+          <c:y val="6.9341445955619183E-2"/>
+          <c:w val="8.4343832020997378E-2"/>
+          <c:h val="0.77040801717967067"/>
+        </c:manualLayout>
+      </c:layout>
       <c:overlay val="0"/>
       <c:spPr>
         <a:noFill/>
@@ -8049,21 +8051,21 @@
       </p:grpSpPr>
       <p:graphicFrame>
         <p:nvGraphicFramePr>
-          <p:cNvPr id="2" name="Chart 1"/>
+          <p:cNvPr id="5" name="Chart 4"/>
           <p:cNvGraphicFramePr>
             <a:graphicFrameLocks/>
           </p:cNvGraphicFramePr>
           <p:nvPr>
             <p:extLst>
               <p:ext uri="{D42A27DB-BD31-4B8C-83A1-F6EECF244321}">
-                <p14:modId xmlns:p14="http://schemas.microsoft.com/office/powerpoint/2010/main" val="4218057880"/>
+                <p14:modId xmlns:p14="http://schemas.microsoft.com/office/powerpoint/2010/main" val="1578184672"/>
               </p:ext>
             </p:extLst>
           </p:nvPr>
         </p:nvGraphicFramePr>
         <p:xfrm>
-          <a:off x="1905000" y="1828801"/>
-          <a:ext cx="5257800" cy="3276599"/>
+          <a:off x="685800" y="304800"/>
+          <a:ext cx="5410200" cy="3352800"/>
         </p:xfrm>
         <a:graphic>
           <a:graphicData uri="http://schemas.openxmlformats.org/drawingml/2006/chart">
@@ -8071,6 +8073,70 @@
           </a:graphicData>
         </a:graphic>
       </p:graphicFrame>
+      <p:pic>
+        <p:nvPicPr>
+          <p:cNvPr id="1028" name="Picture 4"/>
+          <p:cNvPicPr>
+            <a:picLocks noChangeAspect="1" noChangeArrowheads="1"/>
+          </p:cNvPicPr>
+          <p:nvPr/>
+        </p:nvPicPr>
+        <p:blipFill>
+          <a:blip r:embed="rId3">
+            <a:extLst>
+              <a:ext uri="{28A0092B-C50C-407E-A947-70E740481C1C}">
+                <a14:useLocalDpi xmlns:a14="http://schemas.microsoft.com/office/drawing/2010/main" val="0"/>
+              </a:ext>
+            </a:extLst>
+          </a:blip>
+          <a:srcRect/>
+          <a:stretch>
+            <a:fillRect/>
+          </a:stretch>
+        </p:blipFill>
+        <p:spPr bwMode="auto">
+          <a:xfrm>
+            <a:off x="3124200" y="3810000"/>
+            <a:ext cx="4648200" cy="2878885"/>
+          </a:xfrm>
+          <a:prstGeom prst="rect">
+            <a:avLst/>
+          </a:prstGeom>
+          <a:noFill/>
+          <a:ln>
+            <a:noFill/>
+          </a:ln>
+          <a:effectLst/>
+          <a:extLst>
+            <a:ext uri="{909E8E84-426E-40DD-AFC4-6F175D3DCCD1}">
+              <a14:hiddenFill xmlns:a14="http://schemas.microsoft.com/office/drawing/2010/main">
+                <a:solidFill>
+                  <a:schemeClr val="accent1"/>
+                </a:solidFill>
+              </a14:hiddenFill>
+            </a:ext>
+            <a:ext uri="{91240B29-F687-4F45-9708-019B960494DF}">
+              <a14:hiddenLine xmlns:a14="http://schemas.microsoft.com/office/drawing/2010/main" w="9525">
+                <a:solidFill>
+                  <a:schemeClr val="tx1"/>
+                </a:solidFill>
+                <a:miter lim="800000"/>
+                <a:headEnd/>
+                <a:tailEnd/>
+              </a14:hiddenLine>
+            </a:ext>
+            <a:ext uri="{AF507438-7753-43E0-B8FC-AC1667EBCBE1}">
+              <a14:hiddenEffects xmlns:a14="http://schemas.microsoft.com/office/drawing/2010/main">
+                <a:effectLst>
+                  <a:outerShdw dist="35921" dir="2700000" algn="ctr" rotWithShape="0">
+                    <a:schemeClr val="bg2"/>
+                  </a:outerShdw>
+                </a:effectLst>
+              </a14:hiddenEffects>
+            </a:ext>
+          </a:extLst>
+        </p:spPr>
+      </p:pic>
     </p:spTree>
     <p:extLst>
       <p:ext uri="{BB962C8B-B14F-4D97-AF65-F5344CB8AC3E}">

--- a/figures/allfigures.pptx
+++ b/figures/allfigures.pptx
@@ -110,7 +110,7 @@
   </p:defaultTextStyle>
   <p:extLst>
     <p:ext uri="{EFAFB233-063F-42B5-8137-9DF3F51BA10A}">
-      <p15:sldGuideLst xmlns="" xmlns:p15="http://schemas.microsoft.com/office/powerpoint/2012/main">
+      <p15:sldGuideLst xmlns:p15="http://schemas.microsoft.com/office/powerpoint/2012/main">
         <p15:guide id="1" orient="horz" pos="2160">
           <p15:clr>
             <a:srgbClr val="A4A3A4"/>
@@ -794,11 +794,11 @@
         </c:dLbls>
         <c:gapWidth val="150"/>
         <c:overlap val="100"/>
-        <c:axId val="46250624"/>
-        <c:axId val="46260992"/>
+        <c:axId val="210605032"/>
+        <c:axId val="210605816"/>
       </c:barChart>
       <c:catAx>
-        <c:axId val="46250624"/>
+        <c:axId val="210605032"/>
         <c:scaling>
           <c:orientation val="minMax"/>
         </c:scaling>
@@ -831,7 +831,7 @@
             <a:endParaRPr lang="en-US"/>
           </a:p>
         </c:txPr>
-        <c:crossAx val="46260992"/>
+        <c:crossAx val="210605816"/>
         <c:crosses val="autoZero"/>
         <c:auto val="1"/>
         <c:lblAlgn val="ctr"/>
@@ -839,7 +839,7 @@
         <c:noMultiLvlLbl val="0"/>
       </c:catAx>
       <c:valAx>
-        <c:axId val="46260992"/>
+        <c:axId val="210605816"/>
         <c:scaling>
           <c:orientation val="minMax"/>
         </c:scaling>
@@ -880,7 +880,7 @@
             <a:endParaRPr lang="en-US"/>
           </a:p>
         </c:txPr>
-        <c:crossAx val="46250624"/>
+        <c:crossAx val="210605032"/>
         <c:crosses val="autoZero"/>
         <c:crossBetween val="between"/>
       </c:valAx>
@@ -1121,7 +1121,7 @@
             <a:fld id="{1D8BD707-D9CF-40AE-B4C6-C98DA3205C09}" type="datetimeFigureOut">
               <a:rPr lang="en-US" smtClean="0"/>
               <a:pPr/>
-              <a:t>7/3/2013</a:t>
+              <a:t>7/9/2013</a:t>
             </a:fld>
             <a:endParaRPr lang="en-US"/>
           </a:p>
@@ -1288,7 +1288,7 @@
             <a:fld id="{1D8BD707-D9CF-40AE-B4C6-C98DA3205C09}" type="datetimeFigureOut">
               <a:rPr lang="en-US" smtClean="0"/>
               <a:pPr/>
-              <a:t>7/3/2013</a:t>
+              <a:t>7/9/2013</a:t>
             </a:fld>
             <a:endParaRPr lang="en-US"/>
           </a:p>
@@ -1465,7 +1465,7 @@
             <a:fld id="{1D8BD707-D9CF-40AE-B4C6-C98DA3205C09}" type="datetimeFigureOut">
               <a:rPr lang="en-US" smtClean="0"/>
               <a:pPr/>
-              <a:t>7/3/2013</a:t>
+              <a:t>7/9/2013</a:t>
             </a:fld>
             <a:endParaRPr lang="en-US"/>
           </a:p>
@@ -1632,7 +1632,7 @@
             <a:fld id="{1D8BD707-D9CF-40AE-B4C6-C98DA3205C09}" type="datetimeFigureOut">
               <a:rPr lang="en-US" smtClean="0"/>
               <a:pPr/>
-              <a:t>7/3/2013</a:t>
+              <a:t>7/9/2013</a:t>
             </a:fld>
             <a:endParaRPr lang="en-US"/>
           </a:p>
@@ -1875,7 +1875,7 @@
             <a:fld id="{1D8BD707-D9CF-40AE-B4C6-C98DA3205C09}" type="datetimeFigureOut">
               <a:rPr lang="en-US" smtClean="0"/>
               <a:pPr/>
-              <a:t>7/3/2013</a:t>
+              <a:t>7/9/2013</a:t>
             </a:fld>
             <a:endParaRPr lang="en-US"/>
           </a:p>
@@ -2160,7 +2160,7 @@
             <a:fld id="{1D8BD707-D9CF-40AE-B4C6-C98DA3205C09}" type="datetimeFigureOut">
               <a:rPr lang="en-US" smtClean="0"/>
               <a:pPr/>
-              <a:t>7/3/2013</a:t>
+              <a:t>7/9/2013</a:t>
             </a:fld>
             <a:endParaRPr lang="en-US"/>
           </a:p>
@@ -2579,7 +2579,7 @@
             <a:fld id="{1D8BD707-D9CF-40AE-B4C6-C98DA3205C09}" type="datetimeFigureOut">
               <a:rPr lang="en-US" smtClean="0"/>
               <a:pPr/>
-              <a:t>7/3/2013</a:t>
+              <a:t>7/9/2013</a:t>
             </a:fld>
             <a:endParaRPr lang="en-US"/>
           </a:p>
@@ -2694,7 +2694,7 @@
             <a:fld id="{1D8BD707-D9CF-40AE-B4C6-C98DA3205C09}" type="datetimeFigureOut">
               <a:rPr lang="en-US" smtClean="0"/>
               <a:pPr/>
-              <a:t>7/3/2013</a:t>
+              <a:t>7/9/2013</a:t>
             </a:fld>
             <a:endParaRPr lang="en-US"/>
           </a:p>
@@ -2786,7 +2786,7 @@
             <a:fld id="{1D8BD707-D9CF-40AE-B4C6-C98DA3205C09}" type="datetimeFigureOut">
               <a:rPr lang="en-US" smtClean="0"/>
               <a:pPr/>
-              <a:t>7/3/2013</a:t>
+              <a:t>7/9/2013</a:t>
             </a:fld>
             <a:endParaRPr lang="en-US"/>
           </a:p>
@@ -3060,7 +3060,7 @@
             <a:fld id="{1D8BD707-D9CF-40AE-B4C6-C98DA3205C09}" type="datetimeFigureOut">
               <a:rPr lang="en-US" smtClean="0"/>
               <a:pPr/>
-              <a:t>7/3/2013</a:t>
+              <a:t>7/9/2013</a:t>
             </a:fld>
             <a:endParaRPr lang="en-US"/>
           </a:p>
@@ -3310,7 +3310,7 @@
             <a:fld id="{1D8BD707-D9CF-40AE-B4C6-C98DA3205C09}" type="datetimeFigureOut">
               <a:rPr lang="en-US" smtClean="0"/>
               <a:pPr/>
-              <a:t>7/3/2013</a:t>
+              <a:t>7/9/2013</a:t>
             </a:fld>
             <a:endParaRPr lang="en-US"/>
           </a:p>
@@ -3520,7 +3520,7 @@
             <a:fld id="{1D8BD707-D9CF-40AE-B4C6-C98DA3205C09}" type="datetimeFigureOut">
               <a:rPr lang="en-US" smtClean="0"/>
               <a:pPr/>
-              <a:t>7/3/2013</a:t>
+              <a:t>7/9/2013</a:t>
             </a:fld>
             <a:endParaRPr lang="en-US"/>
           </a:p>
@@ -3899,7 +3899,7 @@
         </p:nvSpPr>
         <p:spPr>
           <a:xfrm>
-            <a:off x="2286000" y="1179910"/>
+            <a:off x="2797748" y="1179910"/>
             <a:ext cx="152400" cy="152400"/>
           </a:xfrm>
           <a:prstGeom prst="ellipse">
@@ -3935,7 +3935,7 @@
           <a:lstStyle/>
           <a:p>
             <a:pPr algn="ctr"/>
-            <a:endParaRPr lang="en-US" sz="2000">
+            <a:endParaRPr lang="en-US" sz="3200">
               <a:latin typeface="Times New Roman" pitchFamily="18" charset="0"/>
               <a:cs typeface="Times New Roman" pitchFamily="18" charset="0"/>
             </a:endParaRPr>
@@ -3953,7 +3953,7 @@
         </p:nvCxnSpPr>
         <p:spPr>
           <a:xfrm>
-            <a:off x="1732663" y="663482"/>
+            <a:off x="2244411" y="663482"/>
             <a:ext cx="575655" cy="538746"/>
           </a:xfrm>
           <a:prstGeom prst="straightConnector1">
@@ -3990,7 +3990,7 @@
         </p:nvSpPr>
         <p:spPr>
           <a:xfrm>
-            <a:off x="1602581" y="533400"/>
+            <a:off x="2114329" y="533400"/>
             <a:ext cx="152400" cy="152400"/>
           </a:xfrm>
           <a:prstGeom prst="ellipse">
@@ -4026,7 +4026,7 @@
           <a:lstStyle/>
           <a:p>
             <a:pPr algn="ctr"/>
-            <a:endParaRPr lang="en-US" sz="2000">
+            <a:endParaRPr lang="en-US" sz="3200">
               <a:latin typeface="Times New Roman" pitchFamily="18" charset="0"/>
               <a:cs typeface="Times New Roman" pitchFamily="18" charset="0"/>
             </a:endParaRPr>
@@ -4041,7 +4041,7 @@
         </p:nvSpPr>
         <p:spPr>
           <a:xfrm>
-            <a:off x="1600200" y="1826419"/>
+            <a:off x="2111948" y="1826419"/>
             <a:ext cx="152400" cy="152400"/>
           </a:xfrm>
           <a:prstGeom prst="ellipse">
@@ -4077,7 +4077,7 @@
           <a:lstStyle/>
           <a:p>
             <a:pPr algn="ctr"/>
-            <a:endParaRPr lang="en-US" sz="2000">
+            <a:endParaRPr lang="en-US" sz="3200">
               <a:latin typeface="Times New Roman" pitchFamily="18" charset="0"/>
               <a:cs typeface="Times New Roman" pitchFamily="18" charset="0"/>
             </a:endParaRPr>
@@ -4095,7 +4095,7 @@
         </p:nvCxnSpPr>
         <p:spPr>
           <a:xfrm flipV="1">
-            <a:off x="1676400" y="685800"/>
+            <a:off x="2188148" y="685800"/>
             <a:ext cx="2381" cy="1140619"/>
           </a:xfrm>
           <a:prstGeom prst="straightConnector1">
@@ -4132,7 +4132,7 @@
         </p:nvSpPr>
         <p:spPr>
           <a:xfrm>
-            <a:off x="762000" y="533400"/>
+            <a:off x="1273748" y="533400"/>
             <a:ext cx="152400" cy="152400"/>
           </a:xfrm>
           <a:prstGeom prst="ellipse">
@@ -4168,7 +4168,7 @@
           <a:lstStyle/>
           <a:p>
             <a:pPr algn="ctr"/>
-            <a:endParaRPr lang="en-US" sz="2000">
+            <a:endParaRPr lang="en-US" sz="3200">
               <a:latin typeface="Times New Roman" pitchFamily="18" charset="0"/>
               <a:cs typeface="Times New Roman" pitchFamily="18" charset="0"/>
             </a:endParaRPr>
@@ -4186,7 +4186,7 @@
         </p:nvCxnSpPr>
         <p:spPr>
           <a:xfrm>
-            <a:off x="914400" y="609600"/>
+            <a:off x="1426148" y="609600"/>
             <a:ext cx="688181" cy="0"/>
           </a:xfrm>
           <a:prstGeom prst="straightConnector1">
@@ -4223,7 +4223,7 @@
         </p:nvSpPr>
         <p:spPr>
           <a:xfrm>
-            <a:off x="762000" y="1826419"/>
+            <a:off x="1273748" y="1826419"/>
             <a:ext cx="152400" cy="152400"/>
           </a:xfrm>
           <a:prstGeom prst="ellipse">
@@ -4259,7 +4259,7 @@
           <a:lstStyle/>
           <a:p>
             <a:pPr algn="ctr"/>
-            <a:endParaRPr lang="en-US" sz="2000">
+            <a:endParaRPr lang="en-US" sz="3200">
               <a:latin typeface="Times New Roman" pitchFamily="18" charset="0"/>
               <a:cs typeface="Times New Roman" pitchFamily="18" charset="0"/>
             </a:endParaRPr>
@@ -4277,7 +4277,7 @@
         </p:nvCxnSpPr>
         <p:spPr>
           <a:xfrm flipV="1">
-            <a:off x="838200" y="685800"/>
+            <a:off x="1349948" y="685800"/>
             <a:ext cx="0" cy="1140619"/>
           </a:xfrm>
           <a:prstGeom prst="straightConnector1">
@@ -4314,8 +4314,8 @@
         </p:nvSpPr>
         <p:spPr>
           <a:xfrm>
-            <a:off x="2430294" y="1047690"/>
-            <a:ext cx="312906" cy="400110"/>
+            <a:off x="2581950" y="1320225"/>
+            <a:ext cx="389850" cy="584775"/>
           </a:xfrm>
           <a:prstGeom prst="rect">
             <a:avLst/>
@@ -4329,13 +4329,13 @@
           <a:lstStyle/>
           <a:p>
             <a:r>
-              <a:rPr lang="en-US" sz="2000" i="1" dirty="0" smtClean="0">
+              <a:rPr lang="en-US" sz="3200" i="1" dirty="0" smtClean="0">
                 <a:latin typeface="Times New Roman" pitchFamily="18" charset="0"/>
                 <a:cs typeface="Times New Roman" pitchFamily="18" charset="0"/>
               </a:rPr>
               <a:t>d</a:t>
             </a:r>
-            <a:endParaRPr lang="en-US" sz="2000" i="1" dirty="0">
+            <a:endParaRPr lang="en-US" sz="3200" i="1" dirty="0">
               <a:latin typeface="Times New Roman" pitchFamily="18" charset="0"/>
               <a:cs typeface="Times New Roman" pitchFamily="18" charset="0"/>
             </a:endParaRPr>
@@ -4350,8 +4350,8 @@
         </p:nvSpPr>
         <p:spPr>
           <a:xfrm>
-            <a:off x="457200" y="369331"/>
-            <a:ext cx="312906" cy="400110"/>
+            <a:off x="905550" y="253425"/>
+            <a:ext cx="389850" cy="584775"/>
           </a:xfrm>
           <a:prstGeom prst="rect">
             <a:avLst/>
@@ -4365,13 +4365,13 @@
           <a:lstStyle/>
           <a:p>
             <a:r>
-              <a:rPr lang="en-US" sz="2000" i="1" dirty="0" smtClean="0">
+              <a:rPr lang="en-US" sz="3200" i="1" dirty="0" smtClean="0">
                 <a:latin typeface="Times New Roman" pitchFamily="18" charset="0"/>
                 <a:cs typeface="Times New Roman" pitchFamily="18" charset="0"/>
               </a:rPr>
               <a:t>u</a:t>
             </a:r>
-            <a:endParaRPr lang="en-US" sz="2000" i="1" dirty="0">
+            <a:endParaRPr lang="en-US" sz="3200" i="1" dirty="0">
               <a:latin typeface="Times New Roman" pitchFamily="18" charset="0"/>
               <a:cs typeface="Times New Roman" pitchFamily="18" charset="0"/>
             </a:endParaRPr>
@@ -4386,8 +4386,8 @@
         </p:nvSpPr>
         <p:spPr>
           <a:xfrm>
-            <a:off x="476250" y="1664731"/>
-            <a:ext cx="298480" cy="400110"/>
+            <a:off x="924600" y="1548825"/>
+            <a:ext cx="367408" cy="584775"/>
           </a:xfrm>
           <a:prstGeom prst="rect">
             <a:avLst/>
@@ -4401,13 +4401,13 @@
           <a:lstStyle/>
           <a:p>
             <a:r>
-              <a:rPr lang="en-US" sz="2000" i="1" dirty="0" smtClean="0">
+              <a:rPr lang="en-US" sz="3200" i="1" dirty="0" smtClean="0">
                 <a:latin typeface="Times New Roman" pitchFamily="18" charset="0"/>
                 <a:cs typeface="Times New Roman" pitchFamily="18" charset="0"/>
               </a:rPr>
               <a:t>v</a:t>
             </a:r>
-            <a:endParaRPr lang="en-US" sz="2000" i="1" dirty="0">
+            <a:endParaRPr lang="en-US" sz="3200" i="1" dirty="0">
               <a:latin typeface="Times New Roman" pitchFamily="18" charset="0"/>
               <a:cs typeface="Times New Roman" pitchFamily="18" charset="0"/>
             </a:endParaRPr>
@@ -4422,8 +4422,8 @@
         </p:nvSpPr>
         <p:spPr>
           <a:xfrm>
-            <a:off x="1740174" y="369331"/>
-            <a:ext cx="298480" cy="400110"/>
+            <a:off x="2290742" y="253425"/>
+            <a:ext cx="367408" cy="584775"/>
           </a:xfrm>
           <a:prstGeom prst="rect">
             <a:avLst/>
@@ -4437,13 +4437,13 @@
           <a:lstStyle/>
           <a:p>
             <a:r>
-              <a:rPr lang="en-US" sz="2000" i="1" dirty="0" smtClean="0">
+              <a:rPr lang="en-US" sz="3200" i="1" dirty="0" smtClean="0">
                 <a:latin typeface="Times New Roman" pitchFamily="18" charset="0"/>
                 <a:cs typeface="Times New Roman" pitchFamily="18" charset="0"/>
               </a:rPr>
               <a:t>x</a:t>
             </a:r>
-            <a:endParaRPr lang="en-US" sz="2000" i="1" dirty="0">
+            <a:endParaRPr lang="en-US" sz="3200" i="1" dirty="0">
               <a:latin typeface="Times New Roman" pitchFamily="18" charset="0"/>
               <a:cs typeface="Times New Roman" pitchFamily="18" charset="0"/>
             </a:endParaRPr>
@@ -4458,8 +4458,8 @@
         </p:nvSpPr>
         <p:spPr>
           <a:xfrm>
-            <a:off x="1758920" y="1664731"/>
-            <a:ext cx="298480" cy="400110"/>
+            <a:off x="1757342" y="1524001"/>
+            <a:ext cx="367408" cy="584775"/>
           </a:xfrm>
           <a:prstGeom prst="rect">
             <a:avLst/>
@@ -4473,13 +4473,13 @@
           <a:lstStyle/>
           <a:p>
             <a:r>
-              <a:rPr lang="en-US" sz="2000" i="1" dirty="0" smtClean="0">
+              <a:rPr lang="en-US" sz="3200" i="1" dirty="0" smtClean="0">
                 <a:latin typeface="Times New Roman" pitchFamily="18" charset="0"/>
                 <a:cs typeface="Times New Roman" pitchFamily="18" charset="0"/>
               </a:rPr>
               <a:t>y</a:t>
             </a:r>
-            <a:endParaRPr lang="en-US" sz="2000" i="1" dirty="0">
+            <a:endParaRPr lang="en-US" sz="3200" i="1" dirty="0">
               <a:latin typeface="Times New Roman" pitchFamily="18" charset="0"/>
               <a:cs typeface="Times New Roman" pitchFamily="18" charset="0"/>
             </a:endParaRPr>
@@ -4494,7 +4494,7 @@
         </p:nvSpPr>
         <p:spPr>
           <a:xfrm>
-            <a:off x="5650858" y="1179909"/>
+            <a:off x="5473598" y="1179909"/>
             <a:ext cx="152400" cy="152400"/>
           </a:xfrm>
           <a:prstGeom prst="ellipse">
@@ -4530,7 +4530,7 @@
           <a:lstStyle/>
           <a:p>
             <a:pPr algn="ctr"/>
-            <a:endParaRPr lang="en-US" sz="2000">
+            <a:endParaRPr lang="en-US" sz="3200">
               <a:latin typeface="Times New Roman" pitchFamily="18" charset="0"/>
               <a:cs typeface="Times New Roman" pitchFamily="18" charset="0"/>
             </a:endParaRPr>
@@ -4545,7 +4545,7 @@
         </p:nvSpPr>
         <p:spPr>
           <a:xfrm>
-            <a:off x="4967439" y="533399"/>
+            <a:off x="4790179" y="533399"/>
             <a:ext cx="152400" cy="152400"/>
           </a:xfrm>
           <a:prstGeom prst="ellipse">
@@ -4581,7 +4581,7 @@
           <a:lstStyle/>
           <a:p>
             <a:pPr algn="ctr"/>
-            <a:endParaRPr lang="en-US" sz="2000">
+            <a:endParaRPr lang="en-US" sz="3200">
               <a:latin typeface="Times New Roman" pitchFamily="18" charset="0"/>
               <a:cs typeface="Times New Roman" pitchFamily="18" charset="0"/>
             </a:endParaRPr>
@@ -4599,7 +4599,7 @@
         </p:nvCxnSpPr>
         <p:spPr>
           <a:xfrm flipV="1">
-            <a:off x="5095140" y="1309991"/>
+            <a:off x="4917880" y="1309991"/>
             <a:ext cx="578036" cy="538745"/>
           </a:xfrm>
           <a:prstGeom prst="straightConnector1">
@@ -4636,7 +4636,7 @@
         </p:nvSpPr>
         <p:spPr>
           <a:xfrm>
-            <a:off x="4965058" y="1826418"/>
+            <a:off x="4787798" y="1826418"/>
             <a:ext cx="152400" cy="152400"/>
           </a:xfrm>
           <a:prstGeom prst="ellipse">
@@ -4672,7 +4672,7 @@
           <a:lstStyle/>
           <a:p>
             <a:pPr algn="ctr"/>
-            <a:endParaRPr lang="en-US" sz="2000">
+            <a:endParaRPr lang="en-US" sz="3200">
               <a:latin typeface="Times New Roman" pitchFamily="18" charset="0"/>
               <a:cs typeface="Times New Roman" pitchFamily="18" charset="0"/>
             </a:endParaRPr>
@@ -4690,7 +4690,7 @@
         </p:nvCxnSpPr>
         <p:spPr>
           <a:xfrm flipH="1">
-            <a:off x="5041258" y="685799"/>
+            <a:off x="4863998" y="685799"/>
             <a:ext cx="2381" cy="1140619"/>
           </a:xfrm>
           <a:prstGeom prst="straightConnector1">
@@ -4727,7 +4727,7 @@
         </p:nvSpPr>
         <p:spPr>
           <a:xfrm>
-            <a:off x="4126858" y="533399"/>
+            <a:off x="3949598" y="533399"/>
             <a:ext cx="152400" cy="152400"/>
           </a:xfrm>
           <a:prstGeom prst="ellipse">
@@ -4763,7 +4763,7 @@
           <a:lstStyle/>
           <a:p>
             <a:pPr algn="ctr"/>
-            <a:endParaRPr lang="en-US" sz="2000">
+            <a:endParaRPr lang="en-US" sz="3200">
               <a:latin typeface="Times New Roman" pitchFamily="18" charset="0"/>
               <a:cs typeface="Times New Roman" pitchFamily="18" charset="0"/>
             </a:endParaRPr>
@@ -4781,7 +4781,7 @@
         </p:nvCxnSpPr>
         <p:spPr>
           <a:xfrm>
-            <a:off x="4279258" y="609599"/>
+            <a:off x="4101998" y="609599"/>
             <a:ext cx="688181" cy="0"/>
           </a:xfrm>
           <a:prstGeom prst="straightConnector1">
@@ -4818,7 +4818,7 @@
         </p:nvSpPr>
         <p:spPr>
           <a:xfrm>
-            <a:off x="4126858" y="1826418"/>
+            <a:off x="3949598" y="1826418"/>
             <a:ext cx="152400" cy="152400"/>
           </a:xfrm>
           <a:prstGeom prst="ellipse">
@@ -4854,7 +4854,7 @@
           <a:lstStyle/>
           <a:p>
             <a:pPr algn="ctr"/>
-            <a:endParaRPr lang="en-US" sz="2000">
+            <a:endParaRPr lang="en-US" sz="3200">
               <a:latin typeface="Times New Roman" pitchFamily="18" charset="0"/>
               <a:cs typeface="Times New Roman" pitchFamily="18" charset="0"/>
             </a:endParaRPr>
@@ -4872,7 +4872,7 @@
         </p:nvCxnSpPr>
         <p:spPr>
           <a:xfrm flipV="1">
-            <a:off x="4256940" y="663481"/>
+            <a:off x="4079680" y="663481"/>
             <a:ext cx="732817" cy="1185255"/>
           </a:xfrm>
           <a:prstGeom prst="straightConnector1">
@@ -4909,8 +4909,8 @@
         </p:nvSpPr>
         <p:spPr>
           <a:xfrm>
-            <a:off x="5795152" y="1047689"/>
-            <a:ext cx="312906" cy="400110"/>
+            <a:off x="5313092" y="1320225"/>
+            <a:ext cx="389850" cy="584775"/>
           </a:xfrm>
           <a:prstGeom prst="rect">
             <a:avLst/>
@@ -4924,13 +4924,13 @@
           <a:lstStyle/>
           <a:p>
             <a:r>
-              <a:rPr lang="en-US" sz="2000" i="1" dirty="0" smtClean="0">
+              <a:rPr lang="en-US" sz="3200" i="1" dirty="0" smtClean="0">
                 <a:latin typeface="Times New Roman" pitchFamily="18" charset="0"/>
                 <a:cs typeface="Times New Roman" pitchFamily="18" charset="0"/>
               </a:rPr>
               <a:t>d</a:t>
             </a:r>
-            <a:endParaRPr lang="en-US" sz="2000" i="1" dirty="0">
+            <a:endParaRPr lang="en-US" sz="3200" i="1" dirty="0">
               <a:latin typeface="Times New Roman" pitchFamily="18" charset="0"/>
               <a:cs typeface="Times New Roman" pitchFamily="18" charset="0"/>
             </a:endParaRPr>
@@ -4945,8 +4945,8 @@
         </p:nvSpPr>
         <p:spPr>
           <a:xfrm>
-            <a:off x="3822058" y="369330"/>
-            <a:ext cx="312906" cy="400110"/>
+            <a:off x="3581400" y="253424"/>
+            <a:ext cx="389850" cy="584775"/>
           </a:xfrm>
           <a:prstGeom prst="rect">
             <a:avLst/>
@@ -4960,13 +4960,13 @@
           <a:lstStyle/>
           <a:p>
             <a:r>
-              <a:rPr lang="en-US" sz="2000" i="1" dirty="0" smtClean="0">
+              <a:rPr lang="en-US" sz="3200" i="1" dirty="0" smtClean="0">
                 <a:latin typeface="Times New Roman" pitchFamily="18" charset="0"/>
                 <a:cs typeface="Times New Roman" pitchFamily="18" charset="0"/>
               </a:rPr>
               <a:t>u</a:t>
             </a:r>
-            <a:endParaRPr lang="en-US" sz="2000" i="1" dirty="0">
+            <a:endParaRPr lang="en-US" sz="3200" i="1" dirty="0">
               <a:latin typeface="Times New Roman" pitchFamily="18" charset="0"/>
               <a:cs typeface="Times New Roman" pitchFamily="18" charset="0"/>
             </a:endParaRPr>
@@ -4981,8 +4981,8 @@
         </p:nvSpPr>
         <p:spPr>
           <a:xfrm>
-            <a:off x="3841108" y="1664730"/>
-            <a:ext cx="298480" cy="400110"/>
+            <a:off x="3600450" y="1548824"/>
+            <a:ext cx="367408" cy="584775"/>
           </a:xfrm>
           <a:prstGeom prst="rect">
             <a:avLst/>
@@ -4996,13 +4996,13 @@
           <a:lstStyle/>
           <a:p>
             <a:r>
-              <a:rPr lang="en-US" sz="2000" i="1" dirty="0" smtClean="0">
+              <a:rPr lang="en-US" sz="3200" i="1" dirty="0" smtClean="0">
                 <a:latin typeface="Times New Roman" pitchFamily="18" charset="0"/>
                 <a:cs typeface="Times New Roman" pitchFamily="18" charset="0"/>
               </a:rPr>
               <a:t>v</a:t>
             </a:r>
-            <a:endParaRPr lang="en-US" sz="2000" i="1" dirty="0">
+            <a:endParaRPr lang="en-US" sz="3200" i="1" dirty="0">
               <a:latin typeface="Times New Roman" pitchFamily="18" charset="0"/>
               <a:cs typeface="Times New Roman" pitchFamily="18" charset="0"/>
             </a:endParaRPr>
@@ -5017,8 +5017,8 @@
         </p:nvSpPr>
         <p:spPr>
           <a:xfrm>
-            <a:off x="5092974" y="369330"/>
-            <a:ext cx="298480" cy="400110"/>
+            <a:off x="4954534" y="253424"/>
+            <a:ext cx="367408" cy="584775"/>
           </a:xfrm>
           <a:prstGeom prst="rect">
             <a:avLst/>
@@ -5032,13 +5032,13 @@
           <a:lstStyle/>
           <a:p>
             <a:r>
-              <a:rPr lang="en-US" sz="2000" i="1" dirty="0" smtClean="0">
+              <a:rPr lang="en-US" sz="3200" i="1" dirty="0" smtClean="0">
                 <a:latin typeface="Times New Roman" pitchFamily="18" charset="0"/>
                 <a:cs typeface="Times New Roman" pitchFamily="18" charset="0"/>
               </a:rPr>
               <a:t>x</a:t>
             </a:r>
-            <a:endParaRPr lang="en-US" sz="2000" i="1" dirty="0">
+            <a:endParaRPr lang="en-US" sz="3200" i="1" dirty="0">
               <a:latin typeface="Times New Roman" pitchFamily="18" charset="0"/>
               <a:cs typeface="Times New Roman" pitchFamily="18" charset="0"/>
             </a:endParaRPr>
@@ -5053,8 +5053,8 @@
         </p:nvSpPr>
         <p:spPr>
           <a:xfrm>
-            <a:off x="5111720" y="1664730"/>
-            <a:ext cx="298480" cy="400110"/>
+            <a:off x="4421134" y="1524000"/>
+            <a:ext cx="367408" cy="584775"/>
           </a:xfrm>
           <a:prstGeom prst="rect">
             <a:avLst/>
@@ -5068,13 +5068,13 @@
           <a:lstStyle/>
           <a:p>
             <a:r>
-              <a:rPr lang="en-US" sz="2000" i="1" dirty="0" smtClean="0">
+              <a:rPr lang="en-US" sz="3200" i="1" dirty="0" smtClean="0">
                 <a:latin typeface="Times New Roman" pitchFamily="18" charset="0"/>
                 <a:cs typeface="Times New Roman" pitchFamily="18" charset="0"/>
               </a:rPr>
               <a:t>y</a:t>
             </a:r>
-            <a:endParaRPr lang="en-US" sz="2000" i="1" dirty="0">
+            <a:endParaRPr lang="en-US" sz="3200" i="1" dirty="0">
               <a:latin typeface="Times New Roman" pitchFamily="18" charset="0"/>
               <a:cs typeface="Times New Roman" pitchFamily="18" charset="0"/>
             </a:endParaRPr>
@@ -5089,13 +5089,13 @@
         </p:nvCxnSpPr>
         <p:spPr>
           <a:xfrm>
-            <a:off x="3200400" y="1202228"/>
+            <a:off x="3187598" y="1202228"/>
             <a:ext cx="304800" cy="0"/>
           </a:xfrm>
           <a:prstGeom prst="straightConnector1">
             <a:avLst/>
           </a:prstGeom>
-          <a:ln w="12700" cmpd="sng">
+          <a:ln w="38100" cmpd="sng">
             <a:solidFill>
               <a:schemeClr val="tx1"/>
             </a:solidFill>
@@ -5120,66 +5120,26 @@
       </p:cxnSp>
       <p:pic>
         <p:nvPicPr>
-          <p:cNvPr id="1027" name="Picture 3"/>
+          <p:cNvPr id="2" name="Picture 1"/>
           <p:cNvPicPr>
-            <a:picLocks noChangeAspect="1" noChangeArrowheads="1"/>
+            <a:picLocks noChangeAspect="1"/>
           </p:cNvPicPr>
           <p:nvPr/>
         </p:nvPicPr>
         <p:blipFill>
-          <a:blip r:embed="rId2">
-            <a:extLst>
-              <a:ext uri="{28A0092B-C50C-407E-A947-70E740481C1C}">
-                <a14:useLocalDpi xmlns:a14="http://schemas.microsoft.com/office/drawing/2010/main" val="0"/>
-              </a:ext>
-            </a:extLst>
-          </a:blip>
-          <a:srcRect/>
+          <a:blip r:embed="rId2"/>
           <a:stretch>
             <a:fillRect/>
           </a:stretch>
         </p:blipFill>
-        <p:spPr bwMode="auto">
-          <a:xfrm>
-            <a:off x="2475880" y="3352800"/>
-            <a:ext cx="5773737" cy="1828800"/>
+        <p:spPr>
+          <a:xfrm>
+            <a:off x="2931838" y="3886200"/>
+            <a:ext cx="5108891" cy="2152075"/>
           </a:xfrm>
           <a:prstGeom prst="rect">
             <a:avLst/>
           </a:prstGeom>
-          <a:noFill/>
-          <a:ln>
-            <a:noFill/>
-          </a:ln>
-          <a:effectLst/>
-          <a:extLst>
-            <a:ext uri="{909E8E84-426E-40DD-AFC4-6F175D3DCCD1}">
-              <a14:hiddenFill xmlns:a14="http://schemas.microsoft.com/office/drawing/2010/main">
-                <a:solidFill>
-                  <a:schemeClr val="accent1"/>
-                </a:solidFill>
-              </a14:hiddenFill>
-            </a:ext>
-            <a:ext uri="{91240B29-F687-4F45-9708-019B960494DF}">
-              <a14:hiddenLine xmlns:a14="http://schemas.microsoft.com/office/drawing/2010/main" w="9525">
-                <a:solidFill>
-                  <a:schemeClr val="tx1"/>
-                </a:solidFill>
-                <a:miter lim="800000"/>
-                <a:headEnd/>
-                <a:tailEnd/>
-              </a14:hiddenLine>
-            </a:ext>
-            <a:ext uri="{AF507438-7753-43E0-B8FC-AC1667EBCBE1}">
-              <a14:hiddenEffects xmlns:a14="http://schemas.microsoft.com/office/drawing/2010/main">
-                <a:effectLst>
-                  <a:outerShdw dist="35921" dir="2700000" algn="ctr" rotWithShape="0">
-                    <a:schemeClr val="bg2"/>
-                  </a:outerShdw>
-                </a:effectLst>
-              </a14:hiddenEffects>
-            </a:ext>
-          </a:extLst>
         </p:spPr>
       </p:pic>
     </p:spTree>
@@ -5220,7 +5180,7 @@
         </p:nvSpPr>
         <p:spPr>
           <a:xfrm>
-            <a:off x="2286000" y="1143000"/>
+            <a:off x="2743200" y="1143000"/>
             <a:ext cx="152400" cy="152400"/>
           </a:xfrm>
           <a:prstGeom prst="ellipse">
@@ -5256,7 +5216,7 @@
           <a:lstStyle/>
           <a:p>
             <a:pPr algn="ctr"/>
-            <a:endParaRPr lang="en-US" sz="2000">
+            <a:endParaRPr lang="en-US" sz="3200">
               <a:latin typeface="Times New Roman" pitchFamily="18" charset="0"/>
               <a:cs typeface="Times New Roman" pitchFamily="18" charset="0"/>
             </a:endParaRPr>
@@ -5274,7 +5234,7 @@
         </p:nvCxnSpPr>
         <p:spPr>
           <a:xfrm>
-            <a:off x="914400" y="609600"/>
+            <a:off x="1371600" y="609600"/>
             <a:ext cx="1393918" cy="555718"/>
           </a:xfrm>
           <a:prstGeom prst="straightConnector1">
@@ -5311,7 +5271,7 @@
         </p:nvSpPr>
         <p:spPr>
           <a:xfrm>
-            <a:off x="1602581" y="1143000"/>
+            <a:off x="2059781" y="1143000"/>
             <a:ext cx="152400" cy="152400"/>
           </a:xfrm>
           <a:prstGeom prst="ellipse">
@@ -5347,7 +5307,7 @@
           <a:lstStyle/>
           <a:p>
             <a:pPr algn="ctr"/>
-            <a:endParaRPr lang="en-US" sz="2000">
+            <a:endParaRPr lang="en-US" sz="3200">
               <a:latin typeface="Times New Roman" pitchFamily="18" charset="0"/>
               <a:cs typeface="Times New Roman" pitchFamily="18" charset="0"/>
             </a:endParaRPr>
@@ -5362,7 +5322,7 @@
         </p:nvSpPr>
         <p:spPr>
           <a:xfrm>
-            <a:off x="762000" y="533400"/>
+            <a:off x="1219200" y="533400"/>
             <a:ext cx="152400" cy="152400"/>
           </a:xfrm>
           <a:prstGeom prst="ellipse">
@@ -5398,7 +5358,7 @@
           <a:lstStyle/>
           <a:p>
             <a:pPr algn="ctr"/>
-            <a:endParaRPr lang="en-US" sz="2000">
+            <a:endParaRPr lang="en-US" sz="3200">
               <a:latin typeface="Times New Roman" pitchFamily="18" charset="0"/>
               <a:cs typeface="Times New Roman" pitchFamily="18" charset="0"/>
             </a:endParaRPr>
@@ -5416,7 +5376,7 @@
         </p:nvCxnSpPr>
         <p:spPr>
           <a:xfrm flipH="1">
-            <a:off x="892082" y="1273082"/>
+            <a:off x="1349282" y="1273082"/>
             <a:ext cx="732817" cy="575655"/>
           </a:xfrm>
           <a:prstGeom prst="straightConnector1">
@@ -5453,7 +5413,7 @@
         </p:nvSpPr>
         <p:spPr>
           <a:xfrm>
-            <a:off x="762000" y="1826419"/>
+            <a:off x="1219200" y="1826419"/>
             <a:ext cx="152400" cy="152400"/>
           </a:xfrm>
           <a:prstGeom prst="ellipse">
@@ -5489,7 +5449,7 @@
           <a:lstStyle/>
           <a:p>
             <a:pPr algn="ctr"/>
-            <a:endParaRPr lang="en-US" sz="2000">
+            <a:endParaRPr lang="en-US" sz="3200">
               <a:latin typeface="Times New Roman" pitchFamily="18" charset="0"/>
               <a:cs typeface="Times New Roman" pitchFamily="18" charset="0"/>
             </a:endParaRPr>
@@ -5507,7 +5467,7 @@
         </p:nvCxnSpPr>
         <p:spPr>
           <a:xfrm flipV="1">
-            <a:off x="914400" y="1273082"/>
+            <a:off x="1371600" y="1273082"/>
             <a:ext cx="1393918" cy="629537"/>
           </a:xfrm>
           <a:prstGeom prst="straightConnector1">
@@ -5544,8 +5504,8 @@
         </p:nvSpPr>
         <p:spPr>
           <a:xfrm>
-            <a:off x="2430294" y="990600"/>
-            <a:ext cx="312906" cy="400110"/>
+            <a:off x="2581950" y="1244025"/>
+            <a:ext cx="389850" cy="584775"/>
           </a:xfrm>
           <a:prstGeom prst="rect">
             <a:avLst/>
@@ -5559,13 +5519,13 @@
           <a:lstStyle/>
           <a:p>
             <a:r>
-              <a:rPr lang="en-US" sz="2000" i="1" dirty="0" smtClean="0">
+              <a:rPr lang="en-US" sz="3200" i="1" dirty="0" smtClean="0">
                 <a:latin typeface="Times New Roman" pitchFamily="18" charset="0"/>
                 <a:cs typeface="Times New Roman" pitchFamily="18" charset="0"/>
               </a:rPr>
               <a:t>d</a:t>
             </a:r>
-            <a:endParaRPr lang="en-US" sz="2000" i="1" dirty="0">
+            <a:endParaRPr lang="en-US" sz="3200" i="1" dirty="0">
               <a:latin typeface="Times New Roman" pitchFamily="18" charset="0"/>
               <a:cs typeface="Times New Roman" pitchFamily="18" charset="0"/>
             </a:endParaRPr>
@@ -5580,8 +5540,8 @@
         </p:nvSpPr>
         <p:spPr>
           <a:xfrm>
-            <a:off x="457200" y="369331"/>
-            <a:ext cx="312906" cy="400110"/>
+            <a:off x="838200" y="253425"/>
+            <a:ext cx="389850" cy="584775"/>
           </a:xfrm>
           <a:prstGeom prst="rect">
             <a:avLst/>
@@ -5595,13 +5555,13 @@
           <a:lstStyle/>
           <a:p>
             <a:r>
-              <a:rPr lang="en-US" sz="2000" i="1" dirty="0" smtClean="0">
+              <a:rPr lang="en-US" sz="3200" i="1" dirty="0" smtClean="0">
                 <a:latin typeface="Times New Roman" pitchFamily="18" charset="0"/>
                 <a:cs typeface="Times New Roman" pitchFamily="18" charset="0"/>
               </a:rPr>
               <a:t>u</a:t>
             </a:r>
-            <a:endParaRPr lang="en-US" sz="2000" i="1" dirty="0">
+            <a:endParaRPr lang="en-US" sz="3200" i="1" dirty="0">
               <a:latin typeface="Times New Roman" pitchFamily="18" charset="0"/>
               <a:cs typeface="Times New Roman" pitchFamily="18" charset="0"/>
             </a:endParaRPr>
@@ -5616,8 +5576,8 @@
         </p:nvSpPr>
         <p:spPr>
           <a:xfrm>
-            <a:off x="476250" y="1664731"/>
-            <a:ext cx="298480" cy="400110"/>
+            <a:off x="857250" y="1548825"/>
+            <a:ext cx="367408" cy="584775"/>
           </a:xfrm>
           <a:prstGeom prst="rect">
             <a:avLst/>
@@ -5631,13 +5591,13 @@
           <a:lstStyle/>
           <a:p>
             <a:r>
-              <a:rPr lang="en-US" sz="2000" i="1" dirty="0" smtClean="0">
+              <a:rPr lang="en-US" sz="3200" i="1" dirty="0" smtClean="0">
                 <a:latin typeface="Times New Roman" pitchFamily="18" charset="0"/>
                 <a:cs typeface="Times New Roman" pitchFamily="18" charset="0"/>
               </a:rPr>
               <a:t>v</a:t>
             </a:r>
-            <a:endParaRPr lang="en-US" sz="2000" i="1" dirty="0">
+            <a:endParaRPr lang="en-US" sz="3200" i="1" dirty="0">
               <a:latin typeface="Times New Roman" pitchFamily="18" charset="0"/>
               <a:cs typeface="Times New Roman" pitchFamily="18" charset="0"/>
             </a:endParaRPr>
@@ -5652,8 +5612,8 @@
         </p:nvSpPr>
         <p:spPr>
           <a:xfrm>
-            <a:off x="1167812" y="990600"/>
-            <a:ext cx="356188" cy="400110"/>
+            <a:off x="1600200" y="914400"/>
+            <a:ext cx="458780" cy="584775"/>
           </a:xfrm>
           <a:prstGeom prst="rect">
             <a:avLst/>
@@ -5667,13 +5627,13 @@
           <a:lstStyle/>
           <a:p>
             <a:r>
-              <a:rPr lang="en-US" sz="2000" i="1" dirty="0" smtClean="0">
+              <a:rPr lang="en-US" sz="3200" i="1" dirty="0" smtClean="0">
                 <a:latin typeface="Times New Roman" pitchFamily="18" charset="0"/>
                 <a:cs typeface="Times New Roman" pitchFamily="18" charset="0"/>
               </a:rPr>
               <a:t>w</a:t>
             </a:r>
-            <a:endParaRPr lang="en-US" sz="2000" i="1" dirty="0">
+            <a:endParaRPr lang="en-US" sz="3200" i="1" dirty="0">
               <a:latin typeface="Times New Roman" pitchFamily="18" charset="0"/>
               <a:cs typeface="Times New Roman" pitchFamily="18" charset="0"/>
             </a:endParaRPr>
@@ -5694,7 +5654,7 @@
           <a:prstGeom prst="straightConnector1">
             <a:avLst/>
           </a:prstGeom>
-          <a:ln w="12700" cmpd="sng">
+          <a:ln w="38100" cmpd="sng">
             <a:solidFill>
               <a:schemeClr val="tx1"/>
             </a:solidFill>
@@ -5725,7 +5685,7 @@
         </p:nvSpPr>
         <p:spPr>
           <a:xfrm>
-            <a:off x="5638800" y="1143000"/>
+            <a:off x="5486400" y="1143000"/>
             <a:ext cx="152400" cy="152400"/>
           </a:xfrm>
           <a:prstGeom prst="ellipse">
@@ -5761,7 +5721,7 @@
           <a:lstStyle/>
           <a:p>
             <a:pPr algn="ctr"/>
-            <a:endParaRPr lang="en-US" sz="2000">
+            <a:endParaRPr lang="en-US" sz="3200">
               <a:latin typeface="Times New Roman" pitchFamily="18" charset="0"/>
               <a:cs typeface="Times New Roman" pitchFamily="18" charset="0"/>
             </a:endParaRPr>
@@ -5779,7 +5739,7 @@
         </p:nvCxnSpPr>
         <p:spPr>
           <a:xfrm>
-            <a:off x="5107781" y="1219200"/>
+            <a:off x="4955381" y="1219200"/>
             <a:ext cx="531019" cy="0"/>
           </a:xfrm>
           <a:prstGeom prst="straightConnector1">
@@ -5816,7 +5776,7 @@
         </p:nvSpPr>
         <p:spPr>
           <a:xfrm>
-            <a:off x="4955381" y="1143000"/>
+            <a:off x="4802981" y="1143000"/>
             <a:ext cx="152400" cy="152400"/>
           </a:xfrm>
           <a:prstGeom prst="ellipse">
@@ -5852,7 +5812,7 @@
           <a:lstStyle/>
           <a:p>
             <a:pPr algn="ctr"/>
-            <a:endParaRPr lang="en-US" sz="2000">
+            <a:endParaRPr lang="en-US" sz="3200">
               <a:latin typeface="Times New Roman" pitchFamily="18" charset="0"/>
               <a:cs typeface="Times New Roman" pitchFamily="18" charset="0"/>
             </a:endParaRPr>
@@ -5867,7 +5827,7 @@
         </p:nvSpPr>
         <p:spPr>
           <a:xfrm>
-            <a:off x="4114800" y="533400"/>
+            <a:off x="3962400" y="533400"/>
             <a:ext cx="152400" cy="152400"/>
           </a:xfrm>
           <a:prstGeom prst="ellipse">
@@ -5903,7 +5863,7 @@
           <a:lstStyle/>
           <a:p>
             <a:pPr algn="ctr"/>
-            <a:endParaRPr lang="en-US" sz="2000">
+            <a:endParaRPr lang="en-US" sz="3200">
               <a:latin typeface="Times New Roman" pitchFamily="18" charset="0"/>
               <a:cs typeface="Times New Roman" pitchFamily="18" charset="0"/>
             </a:endParaRPr>
@@ -5921,7 +5881,7 @@
         </p:nvCxnSpPr>
         <p:spPr>
           <a:xfrm>
-            <a:off x="4244882" y="663482"/>
+            <a:off x="4092482" y="663482"/>
             <a:ext cx="732817" cy="501836"/>
           </a:xfrm>
           <a:prstGeom prst="straightConnector1">
@@ -5958,7 +5918,7 @@
         </p:nvSpPr>
         <p:spPr>
           <a:xfrm>
-            <a:off x="4114800" y="1826419"/>
+            <a:off x="3962400" y="1826419"/>
             <a:ext cx="152400" cy="152400"/>
           </a:xfrm>
           <a:prstGeom prst="ellipse">
@@ -5994,7 +5954,7 @@
           <a:lstStyle/>
           <a:p>
             <a:pPr algn="ctr"/>
-            <a:endParaRPr lang="en-US" sz="2000">
+            <a:endParaRPr lang="en-US" sz="3200">
               <a:latin typeface="Times New Roman" pitchFamily="18" charset="0"/>
               <a:cs typeface="Times New Roman" pitchFamily="18" charset="0"/>
             </a:endParaRPr>
@@ -6012,7 +5972,7 @@
         </p:nvCxnSpPr>
         <p:spPr>
           <a:xfrm flipV="1">
-            <a:off x="4191000" y="685800"/>
+            <a:off x="4038600" y="685800"/>
             <a:ext cx="0" cy="1140619"/>
           </a:xfrm>
           <a:prstGeom prst="straightConnector1">
@@ -6049,8 +6009,8 @@
         </p:nvSpPr>
         <p:spPr>
           <a:xfrm>
-            <a:off x="5783094" y="990600"/>
-            <a:ext cx="312906" cy="400110"/>
+            <a:off x="5325150" y="1244025"/>
+            <a:ext cx="389850" cy="584775"/>
           </a:xfrm>
           <a:prstGeom prst="rect">
             <a:avLst/>
@@ -6064,13 +6024,13 @@
           <a:lstStyle/>
           <a:p>
             <a:r>
-              <a:rPr lang="en-US" sz="2000" i="1" dirty="0" smtClean="0">
+              <a:rPr lang="en-US" sz="3200" i="1" dirty="0" smtClean="0">
                 <a:latin typeface="Times New Roman" pitchFamily="18" charset="0"/>
                 <a:cs typeface="Times New Roman" pitchFamily="18" charset="0"/>
               </a:rPr>
               <a:t>d</a:t>
             </a:r>
-            <a:endParaRPr lang="en-US" sz="2000" i="1" dirty="0">
+            <a:endParaRPr lang="en-US" sz="3200" i="1" dirty="0">
               <a:latin typeface="Times New Roman" pitchFamily="18" charset="0"/>
               <a:cs typeface="Times New Roman" pitchFamily="18" charset="0"/>
             </a:endParaRPr>
@@ -6085,8 +6045,8 @@
         </p:nvSpPr>
         <p:spPr>
           <a:xfrm>
-            <a:off x="3810000" y="369331"/>
-            <a:ext cx="312906" cy="400110"/>
+            <a:off x="3581400" y="253425"/>
+            <a:ext cx="389850" cy="584775"/>
           </a:xfrm>
           <a:prstGeom prst="rect">
             <a:avLst/>
@@ -6100,13 +6060,13 @@
           <a:lstStyle/>
           <a:p>
             <a:r>
-              <a:rPr lang="en-US" sz="2000" i="1" dirty="0" smtClean="0">
+              <a:rPr lang="en-US" sz="3200" i="1" dirty="0" smtClean="0">
                 <a:latin typeface="Times New Roman" pitchFamily="18" charset="0"/>
                 <a:cs typeface="Times New Roman" pitchFamily="18" charset="0"/>
               </a:rPr>
               <a:t>u</a:t>
             </a:r>
-            <a:endParaRPr lang="en-US" sz="2000" i="1" dirty="0">
+            <a:endParaRPr lang="en-US" sz="3200" i="1" dirty="0">
               <a:latin typeface="Times New Roman" pitchFamily="18" charset="0"/>
               <a:cs typeface="Times New Roman" pitchFamily="18" charset="0"/>
             </a:endParaRPr>
@@ -6121,8 +6081,8 @@
         </p:nvSpPr>
         <p:spPr>
           <a:xfrm>
-            <a:off x="3829050" y="1664731"/>
-            <a:ext cx="298480" cy="400110"/>
+            <a:off x="3600450" y="1548825"/>
+            <a:ext cx="367408" cy="584775"/>
           </a:xfrm>
           <a:prstGeom prst="rect">
             <a:avLst/>
@@ -6136,13 +6096,13 @@
           <a:lstStyle/>
           <a:p>
             <a:r>
-              <a:rPr lang="en-US" sz="2000" i="1" dirty="0" smtClean="0">
+              <a:rPr lang="en-US" sz="3200" i="1" dirty="0" smtClean="0">
                 <a:latin typeface="Times New Roman" pitchFamily="18" charset="0"/>
                 <a:cs typeface="Times New Roman" pitchFamily="18" charset="0"/>
               </a:rPr>
               <a:t>v</a:t>
             </a:r>
-            <a:endParaRPr lang="en-US" sz="2000" i="1" dirty="0">
+            <a:endParaRPr lang="en-US" sz="3200" i="1" dirty="0">
               <a:latin typeface="Times New Roman" pitchFamily="18" charset="0"/>
               <a:cs typeface="Times New Roman" pitchFamily="18" charset="0"/>
             </a:endParaRPr>
@@ -6157,8 +6117,8 @@
         </p:nvSpPr>
         <p:spPr>
           <a:xfrm>
-            <a:off x="4520612" y="990600"/>
-            <a:ext cx="356188" cy="400110"/>
+            <a:off x="4343400" y="914400"/>
+            <a:ext cx="458780" cy="584775"/>
           </a:xfrm>
           <a:prstGeom prst="rect">
             <a:avLst/>
@@ -6172,13 +6132,13 @@
           <a:lstStyle/>
           <a:p>
             <a:r>
-              <a:rPr lang="en-US" sz="2000" i="1" dirty="0" smtClean="0">
+              <a:rPr lang="en-US" sz="3200" i="1" dirty="0" smtClean="0">
                 <a:latin typeface="Times New Roman" pitchFamily="18" charset="0"/>
                 <a:cs typeface="Times New Roman" pitchFamily="18" charset="0"/>
               </a:rPr>
               <a:t>w</a:t>
             </a:r>
-            <a:endParaRPr lang="en-US" sz="2000" i="1" dirty="0">
+            <a:endParaRPr lang="en-US" sz="3200" i="1" dirty="0">
               <a:latin typeface="Times New Roman" pitchFamily="18" charset="0"/>
               <a:cs typeface="Times New Roman" pitchFamily="18" charset="0"/>
             </a:endParaRPr>
@@ -6187,66 +6147,26 @@
       </p:sp>
       <p:pic>
         <p:nvPicPr>
-          <p:cNvPr id="1026" name="Picture 2"/>
+          <p:cNvPr id="2" name="Picture 1"/>
           <p:cNvPicPr>
-            <a:picLocks noChangeAspect="1" noChangeArrowheads="1"/>
+            <a:picLocks noChangeAspect="1"/>
           </p:cNvPicPr>
           <p:nvPr/>
         </p:nvPicPr>
         <p:blipFill>
-          <a:blip r:embed="rId2">
-            <a:extLst>
-              <a:ext uri="{28A0092B-C50C-407E-A947-70E740481C1C}">
-                <a14:useLocalDpi xmlns:a14="http://schemas.microsoft.com/office/drawing/2010/main" val="0"/>
-              </a:ext>
-            </a:extLst>
-          </a:blip>
-          <a:srcRect/>
+          <a:blip r:embed="rId2"/>
           <a:stretch>
             <a:fillRect/>
           </a:stretch>
         </p:blipFill>
-        <p:spPr bwMode="auto">
-          <a:xfrm>
-            <a:off x="2097180" y="2971800"/>
-            <a:ext cx="5761037" cy="1828800"/>
+        <p:spPr>
+          <a:xfrm>
+            <a:off x="1978717" y="2606817"/>
+            <a:ext cx="5188146" cy="2152075"/>
           </a:xfrm>
           <a:prstGeom prst="rect">
             <a:avLst/>
           </a:prstGeom>
-          <a:noFill/>
-          <a:ln>
-            <a:noFill/>
-          </a:ln>
-          <a:effectLst/>
-          <a:extLst>
-            <a:ext uri="{909E8E84-426E-40DD-AFC4-6F175D3DCCD1}">
-              <a14:hiddenFill xmlns:a14="http://schemas.microsoft.com/office/drawing/2010/main">
-                <a:solidFill>
-                  <a:schemeClr val="accent1"/>
-                </a:solidFill>
-              </a14:hiddenFill>
-            </a:ext>
-            <a:ext uri="{91240B29-F687-4F45-9708-019B960494DF}">
-              <a14:hiddenLine xmlns:a14="http://schemas.microsoft.com/office/drawing/2010/main" w="9525">
-                <a:solidFill>
-                  <a:schemeClr val="tx1"/>
-                </a:solidFill>
-                <a:miter lim="800000"/>
-                <a:headEnd/>
-                <a:tailEnd/>
-              </a14:hiddenLine>
-            </a:ext>
-            <a:ext uri="{AF507438-7753-43E0-B8FC-AC1667EBCBE1}">
-              <a14:hiddenEffects xmlns:a14="http://schemas.microsoft.com/office/drawing/2010/main">
-                <a:effectLst>
-                  <a:outerShdw dist="35921" dir="2700000" algn="ctr" rotWithShape="0">
-                    <a:schemeClr val="bg2"/>
-                  </a:outerShdw>
-                </a:effectLst>
-              </a14:hiddenEffects>
-            </a:ext>
-          </a:extLst>
         </p:spPr>
       </p:pic>
     </p:spTree>
@@ -6287,7 +6207,7 @@
         </p:nvSpPr>
         <p:spPr>
           <a:xfrm>
-            <a:off x="2609292" y="1826419"/>
+            <a:off x="2836312" y="1826419"/>
             <a:ext cx="152400" cy="152400"/>
           </a:xfrm>
           <a:prstGeom prst="ellipse">
@@ -6323,7 +6243,7 @@
           <a:lstStyle/>
           <a:p>
             <a:pPr algn="ctr"/>
-            <a:endParaRPr lang="en-US" sz="2000">
+            <a:endParaRPr lang="en-US" sz="3200">
               <a:latin typeface="Times New Roman" pitchFamily="18" charset="0"/>
               <a:cs typeface="Times New Roman" pitchFamily="18" charset="0"/>
             </a:endParaRPr>
@@ -6341,7 +6261,7 @@
         </p:nvCxnSpPr>
         <p:spPr>
           <a:xfrm flipH="1">
-            <a:off x="1295400" y="1902619"/>
+            <a:off x="1522420" y="1902619"/>
             <a:ext cx="1313892" cy="0"/>
           </a:xfrm>
           <a:prstGeom prst="straightConnector1">
@@ -6378,7 +6298,7 @@
         </p:nvSpPr>
         <p:spPr>
           <a:xfrm>
-            <a:off x="1876146" y="533400"/>
+            <a:off x="2103166" y="533400"/>
             <a:ext cx="152400" cy="152400"/>
           </a:xfrm>
           <a:prstGeom prst="ellipse">
@@ -6414,7 +6334,7 @@
           <a:lstStyle/>
           <a:p>
             <a:pPr algn="ctr"/>
-            <a:endParaRPr lang="en-US" sz="2000">
+            <a:endParaRPr lang="en-US" sz="3200">
               <a:latin typeface="Times New Roman" pitchFamily="18" charset="0"/>
               <a:cs typeface="Times New Roman" pitchFamily="18" charset="0"/>
             </a:endParaRPr>
@@ -6432,7 +6352,7 @@
         </p:nvCxnSpPr>
         <p:spPr>
           <a:xfrm>
-            <a:off x="2006228" y="663482"/>
+            <a:off x="2233248" y="663482"/>
             <a:ext cx="625382" cy="1185255"/>
           </a:xfrm>
           <a:prstGeom prst="straightConnector1">
@@ -6469,7 +6389,7 @@
         </p:nvSpPr>
         <p:spPr>
           <a:xfrm>
-            <a:off x="1143000" y="1826419"/>
+            <a:off x="1370020" y="1826419"/>
             <a:ext cx="152400" cy="152400"/>
           </a:xfrm>
           <a:prstGeom prst="ellipse">
@@ -6505,7 +6425,7 @@
           <a:lstStyle/>
           <a:p>
             <a:pPr algn="ctr"/>
-            <a:endParaRPr lang="en-US" sz="2000">
+            <a:endParaRPr lang="en-US" sz="3200">
               <a:latin typeface="Times New Roman" pitchFamily="18" charset="0"/>
               <a:cs typeface="Times New Roman" pitchFamily="18" charset="0"/>
             </a:endParaRPr>
@@ -6523,7 +6443,7 @@
         </p:nvCxnSpPr>
         <p:spPr>
           <a:xfrm flipV="1">
-            <a:off x="1273082" y="663482"/>
+            <a:off x="1500102" y="663482"/>
             <a:ext cx="625382" cy="1185255"/>
           </a:xfrm>
           <a:prstGeom prst="straightConnector1">
@@ -6560,8 +6480,8 @@
         </p:nvSpPr>
         <p:spPr>
           <a:xfrm>
-            <a:off x="1606520" y="369331"/>
-            <a:ext cx="298480" cy="400110"/>
+            <a:off x="2012262" y="7441"/>
+            <a:ext cx="367408" cy="584775"/>
           </a:xfrm>
           <a:prstGeom prst="rect">
             <a:avLst/>
@@ -6575,13 +6495,13 @@
           <a:lstStyle/>
           <a:p>
             <a:r>
-              <a:rPr lang="en-US" sz="2000" i="1" dirty="0" smtClean="0">
+              <a:rPr lang="en-US" sz="3200" i="1" dirty="0" smtClean="0">
                 <a:latin typeface="Times New Roman" pitchFamily="18" charset="0"/>
                 <a:cs typeface="Times New Roman" pitchFamily="18" charset="0"/>
               </a:rPr>
               <a:t>v</a:t>
             </a:r>
-            <a:endParaRPr lang="en-US" sz="2000" i="1" dirty="0">
+            <a:endParaRPr lang="en-US" sz="3200" i="1" dirty="0">
               <a:latin typeface="Times New Roman" pitchFamily="18" charset="0"/>
               <a:cs typeface="Times New Roman" pitchFamily="18" charset="0"/>
             </a:endParaRPr>
@@ -6596,8 +6516,8 @@
         </p:nvSpPr>
         <p:spPr>
           <a:xfrm>
-            <a:off x="857250" y="1664731"/>
-            <a:ext cx="312906" cy="400110"/>
+            <a:off x="1007326" y="1607641"/>
+            <a:ext cx="389850" cy="584775"/>
           </a:xfrm>
           <a:prstGeom prst="rect">
             <a:avLst/>
@@ -6611,13 +6531,13 @@
           <a:lstStyle/>
           <a:p>
             <a:r>
-              <a:rPr lang="en-US" sz="2000" i="1" dirty="0" smtClean="0">
+              <a:rPr lang="en-US" sz="3200" i="1" dirty="0" smtClean="0">
                 <a:latin typeface="Times New Roman" pitchFamily="18" charset="0"/>
                 <a:cs typeface="Times New Roman" pitchFamily="18" charset="0"/>
               </a:rPr>
               <a:t>u</a:t>
             </a:r>
-            <a:endParaRPr lang="en-US" sz="2000" i="1" dirty="0">
+            <a:endParaRPr lang="en-US" sz="3200" i="1" dirty="0">
               <a:latin typeface="Times New Roman" pitchFamily="18" charset="0"/>
               <a:cs typeface="Times New Roman" pitchFamily="18" charset="0"/>
             </a:endParaRPr>
@@ -6632,8 +6552,8 @@
         </p:nvSpPr>
         <p:spPr>
           <a:xfrm>
-            <a:off x="2768012" y="1664731"/>
-            <a:ext cx="356188" cy="400110"/>
+            <a:off x="2970220" y="1607641"/>
+            <a:ext cx="458780" cy="584775"/>
           </a:xfrm>
           <a:prstGeom prst="rect">
             <a:avLst/>
@@ -6647,13 +6567,13 @@
           <a:lstStyle/>
           <a:p>
             <a:r>
-              <a:rPr lang="en-US" sz="2000" i="1" dirty="0" smtClean="0">
+              <a:rPr lang="en-US" sz="3200" i="1" dirty="0" smtClean="0">
                 <a:latin typeface="Times New Roman" pitchFamily="18" charset="0"/>
                 <a:cs typeface="Times New Roman" pitchFamily="18" charset="0"/>
               </a:rPr>
               <a:t>w</a:t>
             </a:r>
-            <a:endParaRPr lang="en-US" sz="2000" i="1" dirty="0">
+            <a:endParaRPr lang="en-US" sz="3200" i="1" dirty="0">
               <a:latin typeface="Times New Roman" pitchFamily="18" charset="0"/>
               <a:cs typeface="Times New Roman" pitchFamily="18" charset="0"/>
             </a:endParaRPr>
@@ -6668,7 +6588,7 @@
         </p:nvSpPr>
         <p:spPr>
           <a:xfrm>
-            <a:off x="4126858" y="1826418"/>
+            <a:off x="3983308" y="1826418"/>
             <a:ext cx="152400" cy="152400"/>
           </a:xfrm>
           <a:prstGeom prst="ellipse">
@@ -6704,7 +6624,7 @@
           <a:lstStyle/>
           <a:p>
             <a:pPr algn="ctr"/>
-            <a:endParaRPr lang="en-US" sz="2000">
+            <a:endParaRPr lang="en-US" sz="3200">
               <a:latin typeface="Times New Roman" pitchFamily="18" charset="0"/>
               <a:cs typeface="Times New Roman" pitchFamily="18" charset="0"/>
             </a:endParaRPr>
@@ -6725,7 +6645,7 @@
           <a:prstGeom prst="straightConnector1">
             <a:avLst/>
           </a:prstGeom>
-          <a:ln w="12700" cmpd="sng">
+          <a:ln w="38100" cmpd="sng">
             <a:solidFill>
               <a:schemeClr val="tx1"/>
             </a:solidFill>
@@ -6756,7 +6676,7 @@
         </p:nvSpPr>
         <p:spPr>
           <a:xfrm>
-            <a:off x="5562042" y="1818978"/>
+            <a:off x="5418492" y="1818978"/>
             <a:ext cx="152400" cy="152400"/>
           </a:xfrm>
           <a:prstGeom prst="ellipse">
@@ -6792,7 +6712,7 @@
           <a:lstStyle/>
           <a:p>
             <a:pPr algn="ctr"/>
-            <a:endParaRPr lang="en-US" sz="2000">
+            <a:endParaRPr lang="en-US" sz="3200">
               <a:latin typeface="Times New Roman" pitchFamily="18" charset="0"/>
               <a:cs typeface="Times New Roman" pitchFamily="18" charset="0"/>
             </a:endParaRPr>
@@ -6810,7 +6730,7 @@
         </p:nvCxnSpPr>
         <p:spPr>
           <a:xfrm flipH="1">
-            <a:off x="4279258" y="1895178"/>
+            <a:off x="4135708" y="1895178"/>
             <a:ext cx="1282784" cy="7440"/>
           </a:xfrm>
           <a:prstGeom prst="straightConnector1">
@@ -6847,7 +6767,7 @@
         </p:nvSpPr>
         <p:spPr>
           <a:xfrm>
-            <a:off x="4828896" y="525959"/>
+            <a:off x="4685346" y="525959"/>
             <a:ext cx="152400" cy="152400"/>
           </a:xfrm>
           <a:prstGeom prst="ellipse">
@@ -6883,7 +6803,7 @@
           <a:lstStyle/>
           <a:p>
             <a:pPr algn="ctr"/>
-            <a:endParaRPr lang="en-US" sz="2000">
+            <a:endParaRPr lang="en-US" sz="3200">
               <a:latin typeface="Times New Roman" pitchFamily="18" charset="0"/>
               <a:cs typeface="Times New Roman" pitchFamily="18" charset="0"/>
             </a:endParaRPr>
@@ -6901,7 +6821,7 @@
         </p:nvCxnSpPr>
         <p:spPr>
           <a:xfrm>
-            <a:off x="4958978" y="656041"/>
+            <a:off x="4815428" y="656041"/>
             <a:ext cx="625382" cy="1185255"/>
           </a:xfrm>
           <a:prstGeom prst="straightConnector1">
@@ -6941,7 +6861,7 @@
         </p:nvCxnSpPr>
         <p:spPr>
           <a:xfrm flipV="1">
-            <a:off x="4256940" y="656041"/>
+            <a:off x="4113390" y="656041"/>
             <a:ext cx="594274" cy="1192695"/>
           </a:xfrm>
           <a:prstGeom prst="straightConnector1">
@@ -6978,8 +6898,8 @@
         </p:nvSpPr>
         <p:spPr>
           <a:xfrm>
-            <a:off x="4559270" y="361890"/>
-            <a:ext cx="298480" cy="400110"/>
+            <a:off x="4594442" y="0"/>
+            <a:ext cx="367408" cy="584775"/>
           </a:xfrm>
           <a:prstGeom prst="rect">
             <a:avLst/>
@@ -6993,13 +6913,13 @@
           <a:lstStyle/>
           <a:p>
             <a:r>
-              <a:rPr lang="en-US" sz="2000" i="1" dirty="0" smtClean="0">
+              <a:rPr lang="en-US" sz="3200" i="1" dirty="0" smtClean="0">
                 <a:latin typeface="Times New Roman" pitchFamily="18" charset="0"/>
                 <a:cs typeface="Times New Roman" pitchFamily="18" charset="0"/>
               </a:rPr>
               <a:t>v</a:t>
             </a:r>
-            <a:endParaRPr lang="en-US" sz="2000" i="1" dirty="0">
+            <a:endParaRPr lang="en-US" sz="3200" i="1" dirty="0">
               <a:latin typeface="Times New Roman" pitchFamily="18" charset="0"/>
               <a:cs typeface="Times New Roman" pitchFamily="18" charset="0"/>
             </a:endParaRPr>
@@ -7014,8 +6934,8 @@
         </p:nvSpPr>
         <p:spPr>
           <a:xfrm>
-            <a:off x="3801894" y="1657290"/>
-            <a:ext cx="312906" cy="400110"/>
+            <a:off x="3581400" y="1600200"/>
+            <a:ext cx="389850" cy="584775"/>
           </a:xfrm>
           <a:prstGeom prst="rect">
             <a:avLst/>
@@ -7029,13 +6949,13 @@
           <a:lstStyle/>
           <a:p>
             <a:r>
-              <a:rPr lang="en-US" sz="2000" i="1" dirty="0" smtClean="0">
+              <a:rPr lang="en-US" sz="3200" i="1" dirty="0" smtClean="0">
                 <a:latin typeface="Times New Roman" pitchFamily="18" charset="0"/>
                 <a:cs typeface="Times New Roman" pitchFamily="18" charset="0"/>
               </a:rPr>
               <a:t>u</a:t>
             </a:r>
-            <a:endParaRPr lang="en-US" sz="2000" i="1" dirty="0">
+            <a:endParaRPr lang="en-US" sz="3200" i="1" dirty="0">
               <a:latin typeface="Times New Roman" pitchFamily="18" charset="0"/>
               <a:cs typeface="Times New Roman" pitchFamily="18" charset="0"/>
             </a:endParaRPr>
@@ -7050,8 +6970,8 @@
         </p:nvSpPr>
         <p:spPr>
           <a:xfrm>
-            <a:off x="5720762" y="1657290"/>
-            <a:ext cx="356188" cy="400110"/>
+            <a:off x="5552400" y="1600200"/>
+            <a:ext cx="458780" cy="584775"/>
           </a:xfrm>
           <a:prstGeom prst="rect">
             <a:avLst/>
@@ -7065,13 +6985,13 @@
           <a:lstStyle/>
           <a:p>
             <a:r>
-              <a:rPr lang="en-US" sz="2000" i="1" dirty="0" smtClean="0">
+              <a:rPr lang="en-US" sz="3200" i="1" dirty="0" smtClean="0">
                 <a:latin typeface="Times New Roman" pitchFamily="18" charset="0"/>
                 <a:cs typeface="Times New Roman" pitchFamily="18" charset="0"/>
               </a:rPr>
               <a:t>w</a:t>
             </a:r>
-            <a:endParaRPr lang="en-US" sz="2000" i="1" dirty="0">
+            <a:endParaRPr lang="en-US" sz="3200" i="1" dirty="0">
               <a:latin typeface="Times New Roman" pitchFamily="18" charset="0"/>
               <a:cs typeface="Times New Roman" pitchFamily="18" charset="0"/>
             </a:endParaRPr>
@@ -7080,66 +7000,26 @@
       </p:sp>
       <p:pic>
         <p:nvPicPr>
-          <p:cNvPr id="14" name="Picture 3"/>
+          <p:cNvPr id="2" name="Picture 1"/>
           <p:cNvPicPr>
-            <a:picLocks noChangeAspect="1" noChangeArrowheads="1"/>
+            <a:picLocks noChangeAspect="1"/>
           </p:cNvPicPr>
           <p:nvPr/>
         </p:nvPicPr>
         <p:blipFill>
-          <a:blip r:embed="rId2">
-            <a:extLst>
-              <a:ext uri="{28A0092B-C50C-407E-A947-70E740481C1C}">
-                <a14:useLocalDpi xmlns:a14="http://schemas.microsoft.com/office/drawing/2010/main" val="0"/>
-              </a:ext>
-            </a:extLst>
-          </a:blip>
-          <a:srcRect/>
+          <a:blip r:embed="rId2"/>
           <a:stretch>
             <a:fillRect/>
           </a:stretch>
         </p:blipFill>
-        <p:spPr bwMode="auto">
-          <a:xfrm>
-            <a:off x="2006228" y="2895600"/>
-            <a:ext cx="5334000" cy="1841500"/>
+        <p:spPr>
+          <a:xfrm>
+            <a:off x="2545939" y="3657600"/>
+            <a:ext cx="5310076" cy="2469094"/>
           </a:xfrm>
           <a:prstGeom prst="rect">
             <a:avLst/>
           </a:prstGeom>
-          <a:noFill/>
-          <a:ln>
-            <a:noFill/>
-          </a:ln>
-          <a:effectLst/>
-          <a:extLst>
-            <a:ext uri="{909E8E84-426E-40DD-AFC4-6F175D3DCCD1}">
-              <a14:hiddenFill xmlns:a14="http://schemas.microsoft.com/office/drawing/2010/main">
-                <a:solidFill>
-                  <a:schemeClr val="accent1"/>
-                </a:solidFill>
-              </a14:hiddenFill>
-            </a:ext>
-            <a:ext uri="{91240B29-F687-4F45-9708-019B960494DF}">
-              <a14:hiddenLine xmlns:a14="http://schemas.microsoft.com/office/drawing/2010/main" w="9525">
-                <a:solidFill>
-                  <a:schemeClr val="tx1"/>
-                </a:solidFill>
-                <a:miter lim="800000"/>
-                <a:headEnd/>
-                <a:tailEnd/>
-              </a14:hiddenLine>
-            </a:ext>
-            <a:ext uri="{AF507438-7753-43E0-B8FC-AC1667EBCBE1}">
-              <a14:hiddenEffects xmlns:a14="http://schemas.microsoft.com/office/drawing/2010/main">
-                <a:effectLst>
-                  <a:outerShdw dist="35921" dir="2700000" algn="ctr" rotWithShape="0">
-                    <a:schemeClr val="bg2"/>
-                  </a:outerShdw>
-                </a:effectLst>
-              </a14:hiddenEffects>
-            </a:ext>
-          </a:extLst>
         </p:spPr>
       </p:pic>
     </p:spTree>
